--- a/Moritz.pptx
+++ b/Moritz.pptx
@@ -12,14 +12,14 @@
   </p:handoutMasterIdLst>
   <p:sldIdLst>
     <p:sldId id="315" r:id="rId2"/>
-    <p:sldId id="280" r:id="rId3"/>
-    <p:sldId id="265" r:id="rId4"/>
-    <p:sldId id="320" r:id="rId5"/>
-    <p:sldId id="314" r:id="rId6"/>
-    <p:sldId id="322" r:id="rId7"/>
-    <p:sldId id="298" r:id="rId8"/>
-    <p:sldId id="296" r:id="rId9"/>
-    <p:sldId id="321" r:id="rId10"/>
+    <p:sldId id="265" r:id="rId3"/>
+    <p:sldId id="320" r:id="rId4"/>
+    <p:sldId id="314" r:id="rId5"/>
+    <p:sldId id="322" r:id="rId6"/>
+    <p:sldId id="298" r:id="rId7"/>
+    <p:sldId id="296" r:id="rId8"/>
+    <p:sldId id="321" r:id="rId9"/>
+    <p:sldId id="362" r:id="rId10"/>
     <p:sldId id="291" r:id="rId11"/>
     <p:sldId id="292" r:id="rId12"/>
     <p:sldId id="294" r:id="rId13"/>
@@ -28,23 +28,23 @@
     <p:sldId id="302" r:id="rId16"/>
     <p:sldId id="303" r:id="rId17"/>
     <p:sldId id="304" r:id="rId18"/>
-    <p:sldId id="306" r:id="rId19"/>
-    <p:sldId id="309" r:id="rId20"/>
-    <p:sldId id="310" r:id="rId21"/>
-    <p:sldId id="305" r:id="rId22"/>
-    <p:sldId id="355" r:id="rId23"/>
-    <p:sldId id="356" r:id="rId24"/>
-    <p:sldId id="357" r:id="rId25"/>
-    <p:sldId id="358" r:id="rId26"/>
-    <p:sldId id="359" r:id="rId27"/>
-    <p:sldId id="360" r:id="rId28"/>
-    <p:sldId id="354" r:id="rId29"/>
-    <p:sldId id="347" r:id="rId30"/>
-    <p:sldId id="348" r:id="rId31"/>
-    <p:sldId id="349" r:id="rId32"/>
-    <p:sldId id="350" r:id="rId33"/>
-    <p:sldId id="351" r:id="rId34"/>
-    <p:sldId id="352" r:id="rId35"/>
+    <p:sldId id="305" r:id="rId19"/>
+    <p:sldId id="306" r:id="rId20"/>
+    <p:sldId id="309" r:id="rId21"/>
+    <p:sldId id="355" r:id="rId22"/>
+    <p:sldId id="356" r:id="rId23"/>
+    <p:sldId id="357" r:id="rId24"/>
+    <p:sldId id="358" r:id="rId25"/>
+    <p:sldId id="359" r:id="rId26"/>
+    <p:sldId id="360" r:id="rId27"/>
+    <p:sldId id="354" r:id="rId28"/>
+    <p:sldId id="347" r:id="rId29"/>
+    <p:sldId id="348" r:id="rId30"/>
+    <p:sldId id="349" r:id="rId31"/>
+    <p:sldId id="350" r:id="rId32"/>
+    <p:sldId id="351" r:id="rId33"/>
+    <p:sldId id="364" r:id="rId34"/>
+    <p:sldId id="361" r:id="rId35"/>
     <p:sldId id="353" r:id="rId36"/>
     <p:sldId id="316" r:id="rId37"/>
     <p:sldId id="346" r:id="rId38"/>
@@ -455,11 +455,11 @@
           <c:showBubbleSize val="0"/>
         </c:dLbls>
         <c:smooth val="0"/>
-        <c:axId val="501857904"/>
-        <c:axId val="501855728"/>
+        <c:axId val="-267904080"/>
+        <c:axId val="-267905712"/>
       </c:lineChart>
       <c:catAx>
-        <c:axId val="501857904"/>
+        <c:axId val="-267904080"/>
         <c:scaling>
           <c:orientation val="minMax"/>
         </c:scaling>
@@ -491,6 +491,7 @@
               </a:p>
             </c:rich>
           </c:tx>
+          <c:layout/>
           <c:overlay val="0"/>
           <c:spPr>
             <a:noFill/>
@@ -557,7 +558,7 @@
             <a:endParaRPr lang="de-DE"/>
           </a:p>
         </c:txPr>
-        <c:crossAx val="501855728"/>
+        <c:crossAx val="-267905712"/>
         <c:crosses val="autoZero"/>
         <c:auto val="1"/>
         <c:lblAlgn val="ctr"/>
@@ -565,7 +566,7 @@
         <c:noMultiLvlLbl val="0"/>
       </c:catAx>
       <c:valAx>
-        <c:axId val="501855728"/>
+        <c:axId val="-267905712"/>
         <c:scaling>
           <c:orientation val="minMax"/>
         </c:scaling>
@@ -611,6 +612,7 @@
               </a:p>
             </c:rich>
           </c:tx>
+          <c:layout/>
           <c:overlay val="0"/>
           <c:spPr>
             <a:noFill/>
@@ -671,7 +673,7 @@
             <a:endParaRPr lang="de-DE"/>
           </a:p>
         </c:txPr>
-        <c:crossAx val="501857904"/>
+        <c:crossAx val="-267904080"/>
         <c:crosses val="autoZero"/>
         <c:crossBetween val="between"/>
       </c:valAx>
@@ -685,6 +687,7 @@
     </c:plotArea>
     <c:legend>
       <c:legendPos val="r"/>
+      <c:layout/>
       <c:overlay val="0"/>
       <c:spPr>
         <a:noFill/>
@@ -895,11 +898,11 @@
           <c:showBubbleSize val="0"/>
         </c:dLbls>
         <c:smooth val="0"/>
-        <c:axId val="501857360"/>
-        <c:axId val="501858448"/>
+        <c:axId val="-267911152"/>
+        <c:axId val="-267910608"/>
       </c:lineChart>
       <c:catAx>
-        <c:axId val="501857360"/>
+        <c:axId val="-267911152"/>
         <c:scaling>
           <c:orientation val="minMax"/>
         </c:scaling>
@@ -1005,7 +1008,7 @@
             <a:endParaRPr lang="de-DE"/>
           </a:p>
         </c:txPr>
-        <c:crossAx val="501858448"/>
+        <c:crossAx val="-267910608"/>
         <c:crosses val="autoZero"/>
         <c:auto val="1"/>
         <c:lblAlgn val="ctr"/>
@@ -1013,7 +1016,7 @@
         <c:noMultiLvlLbl val="0"/>
       </c:catAx>
       <c:valAx>
-        <c:axId val="501858448"/>
+        <c:axId val="-267910608"/>
         <c:scaling>
           <c:orientation val="minMax"/>
         </c:scaling>
@@ -1059,6 +1062,7 @@
               </a:p>
             </c:rich>
           </c:tx>
+          <c:layout/>
           <c:overlay val="0"/>
           <c:spPr>
             <a:noFill/>
@@ -1119,7 +1123,7 @@
             <a:endParaRPr lang="de-DE"/>
           </a:p>
         </c:txPr>
-        <c:crossAx val="501857360"/>
+        <c:crossAx val="-267911152"/>
         <c:crosses val="autoZero"/>
         <c:crossBetween val="between"/>
       </c:valAx>
@@ -1133,6 +1137,7 @@
     </c:plotArea>
     <c:legend>
       <c:legendPos val="r"/>
+      <c:layout/>
       <c:overlay val="0"/>
       <c:spPr>
         <a:noFill/>
@@ -5788,6 +5793,580 @@
       <dsp:cNvGrpSpPr/>
     </dsp:nvGrpSpPr>
     <dsp:grpSpPr/>
+    <dsp:sp modelId="{9EBB3C68-6483-4B13-A6E1-94A2909DE4F8}">
+      <dsp:nvSpPr>
+        <dsp:cNvPr id="0" name=""/>
+        <dsp:cNvSpPr/>
+      </dsp:nvSpPr>
+      <dsp:spPr>
+        <a:xfrm>
+          <a:off x="1253907" y="1772581"/>
+          <a:ext cx="2289619" cy="752694"/>
+        </a:xfrm>
+        <a:prstGeom prst="rect">
+          <a:avLst/>
+        </a:prstGeom>
+        <a:solidFill>
+          <a:schemeClr val="accent1">
+            <a:hueOff val="0"/>
+            <a:satOff val="0"/>
+            <a:lumOff val="0"/>
+            <a:alphaOff val="0"/>
+          </a:schemeClr>
+        </a:solidFill>
+        <a:ln w="25400" cap="flat" cmpd="sng" algn="ctr">
+          <a:solidFill>
+            <a:schemeClr val="lt1">
+              <a:hueOff val="0"/>
+              <a:satOff val="0"/>
+              <a:lumOff val="0"/>
+              <a:alphaOff val="0"/>
+            </a:schemeClr>
+          </a:solidFill>
+          <a:prstDash val="solid"/>
+        </a:ln>
+        <a:effectLst/>
+      </dsp:spPr>
+      <dsp:style>
+        <a:lnRef idx="2">
+          <a:scrgbClr r="0" g="0" b="0"/>
+        </a:lnRef>
+        <a:fillRef idx="1">
+          <a:scrgbClr r="0" g="0" b="0"/>
+        </a:fillRef>
+        <a:effectRef idx="0">
+          <a:scrgbClr r="0" g="0" b="0"/>
+        </a:effectRef>
+        <a:fontRef idx="minor">
+          <a:schemeClr val="lt1"/>
+        </a:fontRef>
+      </dsp:style>
+      <dsp:txBody>
+        <a:bodyPr spcFirstLastPara="0" vert="horz" wrap="square" lIns="57150" tIns="57150" rIns="57150" bIns="57150" numCol="1" spcCol="1270" anchor="ctr" anchorCtr="0">
+          <a:noAutofit/>
+        </a:bodyPr>
+        <a:lstStyle/>
+        <a:p>
+          <a:pPr lvl="0" algn="ctr" defTabSz="666750">
+            <a:lnSpc>
+              <a:spcPct val="90000"/>
+            </a:lnSpc>
+            <a:spcBef>
+              <a:spcPct val="0"/>
+            </a:spcBef>
+            <a:spcAft>
+              <a:spcPct val="35000"/>
+            </a:spcAft>
+          </a:pPr>
+          <a:r>
+            <a:rPr lang="de-DE" sz="1500" kern="1200" dirty="0" smtClean="0"/>
+            <a:t>Key-Value Datenbanken </a:t>
+          </a:r>
+          <a:endParaRPr lang="de-DE" sz="1500" kern="1200" dirty="0"/>
+        </a:p>
+      </dsp:txBody>
+      <dsp:txXfrm>
+        <a:off x="1253907" y="1772581"/>
+        <a:ext cx="2289619" cy="752694"/>
+      </dsp:txXfrm>
+    </dsp:sp>
+    <dsp:sp modelId="{FA9E3985-8EF5-45AC-B4DA-EC764446F3B0}">
+      <dsp:nvSpPr>
+        <dsp:cNvPr id="0" name=""/>
+        <dsp:cNvSpPr/>
+      </dsp:nvSpPr>
+      <dsp:spPr>
+        <a:xfrm>
+          <a:off x="3558139" y="1772581"/>
+          <a:ext cx="2289619" cy="752694"/>
+        </a:xfrm>
+        <a:prstGeom prst="rect">
+          <a:avLst/>
+        </a:prstGeom>
+        <a:solidFill>
+          <a:schemeClr val="accent1">
+            <a:hueOff val="0"/>
+            <a:satOff val="0"/>
+            <a:lumOff val="0"/>
+            <a:alphaOff val="0"/>
+          </a:schemeClr>
+        </a:solidFill>
+        <a:ln w="25400" cap="flat" cmpd="sng" algn="ctr">
+          <a:solidFill>
+            <a:schemeClr val="lt1">
+              <a:hueOff val="0"/>
+              <a:satOff val="0"/>
+              <a:lumOff val="0"/>
+              <a:alphaOff val="0"/>
+            </a:schemeClr>
+          </a:solidFill>
+          <a:prstDash val="solid"/>
+        </a:ln>
+        <a:effectLst/>
+      </dsp:spPr>
+      <dsp:style>
+        <a:lnRef idx="2">
+          <a:scrgbClr r="0" g="0" b="0"/>
+        </a:lnRef>
+        <a:fillRef idx="1">
+          <a:scrgbClr r="0" g="0" b="0"/>
+        </a:fillRef>
+        <a:effectRef idx="0">
+          <a:scrgbClr r="0" g="0" b="0"/>
+        </a:effectRef>
+        <a:fontRef idx="minor">
+          <a:schemeClr val="lt1"/>
+        </a:fontRef>
+      </dsp:style>
+      <dsp:txBody>
+        <a:bodyPr spcFirstLastPara="0" vert="horz" wrap="square" lIns="57150" tIns="57150" rIns="57150" bIns="57150" numCol="1" spcCol="1270" anchor="ctr" anchorCtr="0">
+          <a:noAutofit/>
+        </a:bodyPr>
+        <a:lstStyle/>
+        <a:p>
+          <a:pPr lvl="0" algn="ctr" defTabSz="666750">
+            <a:lnSpc>
+              <a:spcPct val="90000"/>
+            </a:lnSpc>
+            <a:spcBef>
+              <a:spcPct val="0"/>
+            </a:spcBef>
+            <a:spcAft>
+              <a:spcPct val="35000"/>
+            </a:spcAft>
+          </a:pPr>
+          <a:r>
+            <a:rPr lang="de-DE" sz="1500" kern="1200" dirty="0" smtClean="0"/>
+            <a:t>Graphen-</a:t>
+          </a:r>
+        </a:p>
+        <a:p>
+          <a:pPr lvl="0" algn="ctr" defTabSz="666750">
+            <a:lnSpc>
+              <a:spcPct val="90000"/>
+            </a:lnSpc>
+            <a:spcBef>
+              <a:spcPct val="0"/>
+            </a:spcBef>
+            <a:spcAft>
+              <a:spcPct val="35000"/>
+            </a:spcAft>
+          </a:pPr>
+          <a:r>
+            <a:rPr lang="de-DE" sz="1500" kern="1200" dirty="0" err="1" smtClean="0"/>
+            <a:t>datenbanken</a:t>
+          </a:r>
+          <a:endParaRPr lang="de-DE" sz="1500" kern="1200" dirty="0"/>
+        </a:p>
+      </dsp:txBody>
+      <dsp:txXfrm>
+        <a:off x="3558139" y="1772581"/>
+        <a:ext cx="2289619" cy="752694"/>
+      </dsp:txXfrm>
+    </dsp:sp>
+    <dsp:sp modelId="{2D7DC744-3DDE-406A-AE5E-3335AB5F6F66}">
+      <dsp:nvSpPr>
+        <dsp:cNvPr id="0" name=""/>
+        <dsp:cNvSpPr/>
+      </dsp:nvSpPr>
+      <dsp:spPr>
+        <a:xfrm>
+          <a:off x="3558139" y="2521295"/>
+          <a:ext cx="2289619" cy="752694"/>
+        </a:xfrm>
+        <a:prstGeom prst="rect">
+          <a:avLst/>
+        </a:prstGeom>
+        <a:solidFill>
+          <a:schemeClr val="accent1">
+            <a:lumMod val="50000"/>
+          </a:schemeClr>
+        </a:solidFill>
+        <a:ln w="25400" cap="flat" cmpd="sng" algn="ctr">
+          <a:solidFill>
+            <a:schemeClr val="lt1">
+              <a:hueOff val="0"/>
+              <a:satOff val="0"/>
+              <a:lumOff val="0"/>
+              <a:alphaOff val="0"/>
+            </a:schemeClr>
+          </a:solidFill>
+          <a:prstDash val="solid"/>
+        </a:ln>
+        <a:effectLst/>
+      </dsp:spPr>
+      <dsp:style>
+        <a:lnRef idx="2">
+          <a:scrgbClr r="0" g="0" b="0"/>
+        </a:lnRef>
+        <a:fillRef idx="1">
+          <a:scrgbClr r="0" g="0" b="0"/>
+        </a:fillRef>
+        <a:effectRef idx="0">
+          <a:scrgbClr r="0" g="0" b="0"/>
+        </a:effectRef>
+        <a:fontRef idx="minor">
+          <a:schemeClr val="lt1"/>
+        </a:fontRef>
+      </dsp:style>
+      <dsp:txBody>
+        <a:bodyPr spcFirstLastPara="0" vert="horz" wrap="square" lIns="57150" tIns="57150" rIns="57150" bIns="57150" numCol="1" spcCol="1270" anchor="ctr" anchorCtr="0">
+          <a:noAutofit/>
+        </a:bodyPr>
+        <a:lstStyle/>
+        <a:p>
+          <a:pPr lvl="0" algn="ctr" defTabSz="666750">
+            <a:lnSpc>
+              <a:spcPct val="90000"/>
+            </a:lnSpc>
+            <a:spcBef>
+              <a:spcPct val="0"/>
+            </a:spcBef>
+            <a:spcAft>
+              <a:spcPct val="35000"/>
+            </a:spcAft>
+          </a:pPr>
+          <a:r>
+            <a:rPr lang="de-DE" sz="1500" kern="1200" dirty="0" smtClean="0"/>
+            <a:t>Spaltenorientierte</a:t>
+          </a:r>
+        </a:p>
+        <a:p>
+          <a:pPr lvl="0" algn="ctr" defTabSz="666750">
+            <a:lnSpc>
+              <a:spcPct val="90000"/>
+            </a:lnSpc>
+            <a:spcBef>
+              <a:spcPct val="0"/>
+            </a:spcBef>
+            <a:spcAft>
+              <a:spcPct val="35000"/>
+            </a:spcAft>
+          </a:pPr>
+          <a:r>
+            <a:rPr lang="de-DE" sz="1500" kern="1200" dirty="0" smtClean="0"/>
+            <a:t>Datenbanken</a:t>
+          </a:r>
+          <a:endParaRPr lang="de-DE" sz="1500" kern="1200" dirty="0"/>
+        </a:p>
+      </dsp:txBody>
+      <dsp:txXfrm>
+        <a:off x="3558139" y="2521295"/>
+        <a:ext cx="2289619" cy="752694"/>
+      </dsp:txXfrm>
+    </dsp:sp>
+    <dsp:sp modelId="{3EC38514-2F4C-4217-A939-F1BC038C4D62}">
+      <dsp:nvSpPr>
+        <dsp:cNvPr id="0" name=""/>
+        <dsp:cNvSpPr/>
+      </dsp:nvSpPr>
+      <dsp:spPr>
+        <a:xfrm>
+          <a:off x="1253907" y="2521278"/>
+          <a:ext cx="2289619" cy="752694"/>
+        </a:xfrm>
+        <a:prstGeom prst="rect">
+          <a:avLst/>
+        </a:prstGeom>
+        <a:solidFill>
+          <a:schemeClr val="accent1">
+            <a:hueOff val="0"/>
+            <a:satOff val="0"/>
+            <a:lumOff val="0"/>
+            <a:alphaOff val="0"/>
+          </a:schemeClr>
+        </a:solidFill>
+        <a:ln w="25400" cap="flat" cmpd="sng" algn="ctr">
+          <a:solidFill>
+            <a:schemeClr val="lt1">
+              <a:hueOff val="0"/>
+              <a:satOff val="0"/>
+              <a:lumOff val="0"/>
+              <a:alphaOff val="0"/>
+            </a:schemeClr>
+          </a:solidFill>
+          <a:prstDash val="solid"/>
+        </a:ln>
+        <a:effectLst/>
+      </dsp:spPr>
+      <dsp:style>
+        <a:lnRef idx="2">
+          <a:scrgbClr r="0" g="0" b="0"/>
+        </a:lnRef>
+        <a:fillRef idx="1">
+          <a:scrgbClr r="0" g="0" b="0"/>
+        </a:fillRef>
+        <a:effectRef idx="0">
+          <a:scrgbClr r="0" g="0" b="0"/>
+        </a:effectRef>
+        <a:fontRef idx="minor">
+          <a:schemeClr val="lt1"/>
+        </a:fontRef>
+      </dsp:style>
+      <dsp:txBody>
+        <a:bodyPr spcFirstLastPara="0" vert="horz" wrap="square" lIns="57150" tIns="57150" rIns="57150" bIns="57150" numCol="1" spcCol="1270" anchor="ctr" anchorCtr="0">
+          <a:noAutofit/>
+        </a:bodyPr>
+        <a:lstStyle/>
+        <a:p>
+          <a:pPr lvl="0" algn="ctr" defTabSz="666750">
+            <a:lnSpc>
+              <a:spcPct val="90000"/>
+            </a:lnSpc>
+            <a:spcBef>
+              <a:spcPct val="0"/>
+            </a:spcBef>
+            <a:spcAft>
+              <a:spcPct val="35000"/>
+            </a:spcAft>
+          </a:pPr>
+          <a:r>
+            <a:rPr lang="de-DE" sz="1500" kern="1200" dirty="0" smtClean="0"/>
+            <a:t>Dokumentenorientierte Datenbanken</a:t>
+          </a:r>
+          <a:endParaRPr lang="de-DE" sz="1500" kern="1200" dirty="0"/>
+        </a:p>
+      </dsp:txBody>
+      <dsp:txXfrm>
+        <a:off x="1253907" y="2521278"/>
+        <a:ext cx="2289619" cy="752694"/>
+      </dsp:txXfrm>
+    </dsp:sp>
+    <dsp:sp modelId="{3BAC4E9F-BFED-44C4-AFC9-A27B3F8AEA9C}">
+      <dsp:nvSpPr>
+        <dsp:cNvPr id="0" name=""/>
+        <dsp:cNvSpPr/>
+      </dsp:nvSpPr>
+      <dsp:spPr>
+        <a:xfrm>
+          <a:off x="3054156" y="4644974"/>
+          <a:ext cx="1813067" cy="470689"/>
+        </a:xfrm>
+        <a:prstGeom prst="rect">
+          <a:avLst/>
+        </a:prstGeom>
+        <a:solidFill>
+          <a:schemeClr val="accent1">
+            <a:hueOff val="0"/>
+            <a:satOff val="0"/>
+            <a:lumOff val="0"/>
+            <a:alphaOff val="0"/>
+          </a:schemeClr>
+        </a:solidFill>
+        <a:ln w="25400" cap="flat" cmpd="sng" algn="ctr">
+          <a:solidFill>
+            <a:schemeClr val="lt1">
+              <a:hueOff val="0"/>
+              <a:satOff val="0"/>
+              <a:lumOff val="0"/>
+              <a:alphaOff val="0"/>
+            </a:schemeClr>
+          </a:solidFill>
+          <a:prstDash val="solid"/>
+        </a:ln>
+        <a:effectLst/>
+      </dsp:spPr>
+      <dsp:style>
+        <a:lnRef idx="2">
+          <a:scrgbClr r="0" g="0" b="0"/>
+        </a:lnRef>
+        <a:fillRef idx="1">
+          <a:scrgbClr r="0" g="0" b="0"/>
+        </a:fillRef>
+        <a:effectRef idx="0">
+          <a:scrgbClr r="0" g="0" b="0"/>
+        </a:effectRef>
+        <a:fontRef idx="minor">
+          <a:schemeClr val="lt1"/>
+        </a:fontRef>
+      </dsp:style>
+      <dsp:txBody>
+        <a:bodyPr spcFirstLastPara="0" vert="horz" wrap="square" lIns="57150" tIns="57150" rIns="57150" bIns="57150" numCol="1" spcCol="1270" anchor="ctr" anchorCtr="0">
+          <a:noAutofit/>
+        </a:bodyPr>
+        <a:lstStyle/>
+        <a:p>
+          <a:pPr lvl="0" algn="ctr" defTabSz="666750">
+            <a:lnSpc>
+              <a:spcPct val="90000"/>
+            </a:lnSpc>
+            <a:spcBef>
+              <a:spcPct val="0"/>
+            </a:spcBef>
+            <a:spcAft>
+              <a:spcPct val="35000"/>
+            </a:spcAft>
+          </a:pPr>
+          <a:r>
+            <a:rPr lang="de-DE" sz="1500" kern="1200" dirty="0" err="1" smtClean="0"/>
+            <a:t>BigData</a:t>
+          </a:r>
+          <a:endParaRPr lang="de-DE" sz="1500" kern="1200" dirty="0"/>
+        </a:p>
+      </dsp:txBody>
+      <dsp:txXfrm>
+        <a:off x="3054156" y="4644974"/>
+        <a:ext cx="1813067" cy="470689"/>
+      </dsp:txXfrm>
+    </dsp:sp>
+    <dsp:sp modelId="{BA93364A-C73F-47A1-982A-4A12CB07BC66}">
+      <dsp:nvSpPr>
+        <dsp:cNvPr id="0" name=""/>
+        <dsp:cNvSpPr/>
+      </dsp:nvSpPr>
+      <dsp:spPr>
+        <a:xfrm>
+          <a:off x="4926299" y="4644974"/>
+          <a:ext cx="1813067" cy="470689"/>
+        </a:xfrm>
+        <a:prstGeom prst="rect">
+          <a:avLst/>
+        </a:prstGeom>
+        <a:solidFill>
+          <a:schemeClr val="accent1">
+            <a:hueOff val="0"/>
+            <a:satOff val="0"/>
+            <a:lumOff val="0"/>
+            <a:alphaOff val="0"/>
+          </a:schemeClr>
+        </a:solidFill>
+        <a:ln w="25400" cap="flat" cmpd="sng" algn="ctr">
+          <a:solidFill>
+            <a:schemeClr val="lt1">
+              <a:hueOff val="0"/>
+              <a:satOff val="0"/>
+              <a:lumOff val="0"/>
+              <a:alphaOff val="0"/>
+            </a:schemeClr>
+          </a:solidFill>
+          <a:prstDash val="solid"/>
+        </a:ln>
+        <a:effectLst/>
+      </dsp:spPr>
+      <dsp:style>
+        <a:lnRef idx="2">
+          <a:scrgbClr r="0" g="0" b="0"/>
+        </a:lnRef>
+        <a:fillRef idx="1">
+          <a:scrgbClr r="0" g="0" b="0"/>
+        </a:fillRef>
+        <a:effectRef idx="0">
+          <a:scrgbClr r="0" g="0" b="0"/>
+        </a:effectRef>
+        <a:fontRef idx="minor">
+          <a:schemeClr val="lt1"/>
+        </a:fontRef>
+      </dsp:style>
+      <dsp:txBody>
+        <a:bodyPr spcFirstLastPara="0" vert="horz" wrap="square" lIns="57150" tIns="57150" rIns="57150" bIns="57150" numCol="1" spcCol="1270" anchor="ctr" anchorCtr="0">
+          <a:noAutofit/>
+        </a:bodyPr>
+        <a:lstStyle/>
+        <a:p>
+          <a:pPr lvl="0" algn="ctr" defTabSz="666750">
+            <a:lnSpc>
+              <a:spcPct val="90000"/>
+            </a:lnSpc>
+            <a:spcBef>
+              <a:spcPct val="0"/>
+            </a:spcBef>
+            <a:spcAft>
+              <a:spcPct val="35000"/>
+            </a:spcAft>
+          </a:pPr>
+          <a:r>
+            <a:rPr lang="de-DE" sz="1500" kern="1200" dirty="0" err="1" smtClean="0"/>
+            <a:t>IoT</a:t>
+          </a:r>
+          <a:endParaRPr lang="de-DE" sz="1500" kern="1200" dirty="0"/>
+        </a:p>
+      </dsp:txBody>
+      <dsp:txXfrm>
+        <a:off x="4926299" y="4644974"/>
+        <a:ext cx="1813067" cy="470689"/>
+      </dsp:txXfrm>
+    </dsp:sp>
+    <dsp:sp modelId="{E674FBAF-9744-4029-963A-CA5F3C6FE50E}">
+      <dsp:nvSpPr>
+        <dsp:cNvPr id="0" name=""/>
+        <dsp:cNvSpPr/>
+      </dsp:nvSpPr>
+      <dsp:spPr>
+        <a:xfrm>
+          <a:off x="1181922" y="4644983"/>
+          <a:ext cx="1813067" cy="470689"/>
+        </a:xfrm>
+        <a:prstGeom prst="rect">
+          <a:avLst/>
+        </a:prstGeom>
+        <a:solidFill>
+          <a:schemeClr val="accent1">
+            <a:hueOff val="0"/>
+            <a:satOff val="0"/>
+            <a:lumOff val="0"/>
+            <a:alphaOff val="0"/>
+          </a:schemeClr>
+        </a:solidFill>
+        <a:ln w="25400" cap="flat" cmpd="sng" algn="ctr">
+          <a:solidFill>
+            <a:schemeClr val="lt1">
+              <a:hueOff val="0"/>
+              <a:satOff val="0"/>
+              <a:lumOff val="0"/>
+              <a:alphaOff val="0"/>
+            </a:schemeClr>
+          </a:solidFill>
+          <a:prstDash val="solid"/>
+        </a:ln>
+        <a:effectLst/>
+      </dsp:spPr>
+      <dsp:style>
+        <a:lnRef idx="2">
+          <a:scrgbClr r="0" g="0" b="0"/>
+        </a:lnRef>
+        <a:fillRef idx="1">
+          <a:scrgbClr r="0" g="0" b="0"/>
+        </a:fillRef>
+        <a:effectRef idx="0">
+          <a:scrgbClr r="0" g="0" b="0"/>
+        </a:effectRef>
+        <a:fontRef idx="minor">
+          <a:schemeClr val="lt1"/>
+        </a:fontRef>
+      </dsp:style>
+      <dsp:txBody>
+        <a:bodyPr spcFirstLastPara="0" vert="horz" wrap="square" lIns="57150" tIns="57150" rIns="57150" bIns="57150" numCol="1" spcCol="1270" anchor="ctr" anchorCtr="0">
+          <a:noAutofit/>
+        </a:bodyPr>
+        <a:lstStyle/>
+        <a:p>
+          <a:pPr lvl="0" algn="ctr" defTabSz="666750">
+            <a:lnSpc>
+              <a:spcPct val="90000"/>
+            </a:lnSpc>
+            <a:spcBef>
+              <a:spcPct val="0"/>
+            </a:spcBef>
+            <a:spcAft>
+              <a:spcPct val="35000"/>
+            </a:spcAft>
+          </a:pPr>
+          <a:r>
+            <a:rPr lang="de-DE" sz="1500" kern="1200" dirty="0" smtClean="0"/>
+            <a:t>Mobile </a:t>
+          </a:r>
+          <a:r>
+            <a:rPr lang="de-DE" sz="1500" kern="1200" dirty="0" err="1" smtClean="0"/>
+            <a:t>Applications</a:t>
+          </a:r>
+          <a:endParaRPr lang="de-DE" sz="1500" kern="1200" dirty="0"/>
+        </a:p>
+      </dsp:txBody>
+      <dsp:txXfrm>
+        <a:off x="1181922" y="4644983"/>
+        <a:ext cx="1813067" cy="470689"/>
+      </dsp:txXfrm>
+    </dsp:sp>
   </dsp:spTree>
 </dsp:drawing>
 </file>
@@ -5800,6 +6379,235 @@
       <dsp:cNvGrpSpPr/>
     </dsp:nvGrpSpPr>
     <dsp:grpSpPr/>
+    <dsp:sp modelId="{7BD97A4F-7CD1-4DE9-AD30-0E4EBC1DE354}">
+      <dsp:nvSpPr>
+        <dsp:cNvPr id="0" name=""/>
+        <dsp:cNvSpPr/>
+      </dsp:nvSpPr>
+      <dsp:spPr>
+        <a:xfrm>
+          <a:off x="0" y="139089"/>
+          <a:ext cx="4632176" cy="936000"/>
+        </a:xfrm>
+        <a:prstGeom prst="rightArrow">
+          <a:avLst/>
+        </a:prstGeom>
+        <a:solidFill>
+          <a:schemeClr val="accent1">
+            <a:hueOff val="0"/>
+            <a:satOff val="0"/>
+            <a:lumOff val="0"/>
+            <a:alphaOff val="0"/>
+          </a:schemeClr>
+        </a:solidFill>
+        <a:ln w="25400" cap="flat" cmpd="sng" algn="ctr">
+          <a:solidFill>
+            <a:schemeClr val="lt1">
+              <a:hueOff val="0"/>
+              <a:satOff val="0"/>
+              <a:lumOff val="0"/>
+              <a:alphaOff val="0"/>
+            </a:schemeClr>
+          </a:solidFill>
+          <a:prstDash val="solid"/>
+        </a:ln>
+        <a:effectLst/>
+      </dsp:spPr>
+      <dsp:style>
+        <a:lnRef idx="2">
+          <a:scrgbClr r="0" g="0" b="0"/>
+        </a:lnRef>
+        <a:fillRef idx="1">
+          <a:scrgbClr r="0" g="0" b="0"/>
+        </a:fillRef>
+        <a:effectRef idx="0">
+          <a:scrgbClr r="0" g="0" b="0"/>
+        </a:effectRef>
+        <a:fontRef idx="minor">
+          <a:schemeClr val="lt1"/>
+        </a:fontRef>
+      </dsp:style>
+    </dsp:sp>
+    <dsp:sp modelId="{08D0F303-4ECD-4398-98CD-1CFF8D6A2603}">
+      <dsp:nvSpPr>
+        <dsp:cNvPr id="0" name=""/>
+        <dsp:cNvSpPr/>
+      </dsp:nvSpPr>
+      <dsp:spPr>
+        <a:xfrm>
+          <a:off x="3860834" y="325493"/>
+          <a:ext cx="469324" cy="468000"/>
+        </a:xfrm>
+        <a:prstGeom prst="rect">
+          <a:avLst/>
+        </a:prstGeom>
+        <a:noFill/>
+        <a:ln>
+          <a:noFill/>
+        </a:ln>
+        <a:effectLst/>
+      </dsp:spPr>
+      <dsp:style>
+        <a:lnRef idx="0">
+          <a:scrgbClr r="0" g="0" b="0"/>
+        </a:lnRef>
+        <a:fillRef idx="0">
+          <a:scrgbClr r="0" g="0" b="0"/>
+        </a:fillRef>
+        <a:effectRef idx="0">
+          <a:scrgbClr r="0" g="0" b="0"/>
+        </a:effectRef>
+        <a:fontRef idx="minor"/>
+      </dsp:style>
+      <dsp:txBody>
+        <a:bodyPr spcFirstLastPara="0" vert="horz" wrap="square" lIns="0" tIns="132080" rIns="0" bIns="132080" numCol="1" spcCol="1270" anchor="ctr" anchorCtr="0">
+          <a:noAutofit/>
+        </a:bodyPr>
+        <a:lstStyle/>
+        <a:p>
+          <a:pPr lvl="0" algn="ctr" defTabSz="577850">
+            <a:lnSpc>
+              <a:spcPct val="90000"/>
+            </a:lnSpc>
+            <a:spcBef>
+              <a:spcPct val="0"/>
+            </a:spcBef>
+            <a:spcAft>
+              <a:spcPct val="35000"/>
+            </a:spcAft>
+          </a:pPr>
+          <a:r>
+            <a:rPr lang="de-DE" sz="1300" kern="1200" dirty="0" smtClean="0"/>
+            <a:t> </a:t>
+          </a:r>
+          <a:endParaRPr lang="de-DE" sz="1300" kern="1200" dirty="0"/>
+        </a:p>
+      </dsp:txBody>
+      <dsp:txXfrm>
+        <a:off x="3860834" y="325493"/>
+        <a:ext cx="469324" cy="468000"/>
+      </dsp:txXfrm>
+    </dsp:sp>
+    <dsp:sp modelId="{BFBD2FA7-76BA-49E2-9606-34D44E80369C}">
+      <dsp:nvSpPr>
+        <dsp:cNvPr id="0" name=""/>
+        <dsp:cNvSpPr/>
+      </dsp:nvSpPr>
+      <dsp:spPr>
+        <a:xfrm>
+          <a:off x="938435" y="325493"/>
+          <a:ext cx="2828534" cy="557079"/>
+        </a:xfrm>
+        <a:prstGeom prst="rect">
+          <a:avLst/>
+        </a:prstGeom>
+        <a:noFill/>
+        <a:ln>
+          <a:noFill/>
+        </a:ln>
+        <a:effectLst/>
+      </dsp:spPr>
+      <dsp:style>
+        <a:lnRef idx="0">
+          <a:scrgbClr r="0" g="0" b="0"/>
+        </a:lnRef>
+        <a:fillRef idx="0">
+          <a:scrgbClr r="0" g="0" b="0"/>
+        </a:fillRef>
+        <a:effectRef idx="0">
+          <a:scrgbClr r="0" g="0" b="0"/>
+        </a:effectRef>
+        <a:fontRef idx="minor"/>
+      </dsp:style>
+      <dsp:txBody>
+        <a:bodyPr spcFirstLastPara="0" vert="horz" wrap="square" lIns="0" tIns="132080" rIns="0" bIns="132080" numCol="1" spcCol="1270" anchor="ctr" anchorCtr="0">
+          <a:noAutofit/>
+        </a:bodyPr>
+        <a:lstStyle/>
+        <a:p>
+          <a:pPr lvl="0" algn="ctr" defTabSz="577850">
+            <a:lnSpc>
+              <a:spcPct val="90000"/>
+            </a:lnSpc>
+            <a:spcBef>
+              <a:spcPct val="0"/>
+            </a:spcBef>
+            <a:spcAft>
+              <a:spcPct val="35000"/>
+            </a:spcAft>
+          </a:pPr>
+          <a:r>
+            <a:rPr lang="de-DE" sz="1300" kern="1200" dirty="0" smtClean="0"/>
+            <a:t>Performance-Gewinn bis 10% möglich</a:t>
+          </a:r>
+          <a:endParaRPr lang="de-DE" sz="1300" kern="1200" dirty="0"/>
+        </a:p>
+      </dsp:txBody>
+      <dsp:txXfrm>
+        <a:off x="938435" y="325493"/>
+        <a:ext cx="2828534" cy="557079"/>
+      </dsp:txXfrm>
+    </dsp:sp>
+    <dsp:sp modelId="{CAFB5F5E-9E1A-436A-94D3-7167FE988209}">
+      <dsp:nvSpPr>
+        <dsp:cNvPr id="0" name=""/>
+        <dsp:cNvSpPr/>
+      </dsp:nvSpPr>
+      <dsp:spPr>
+        <a:xfrm>
+          <a:off x="375246" y="325493"/>
+          <a:ext cx="469324" cy="468000"/>
+        </a:xfrm>
+        <a:prstGeom prst="rect">
+          <a:avLst/>
+        </a:prstGeom>
+        <a:noFill/>
+        <a:ln>
+          <a:noFill/>
+        </a:ln>
+        <a:effectLst/>
+      </dsp:spPr>
+      <dsp:style>
+        <a:lnRef idx="0">
+          <a:scrgbClr r="0" g="0" b="0"/>
+        </a:lnRef>
+        <a:fillRef idx="0">
+          <a:scrgbClr r="0" g="0" b="0"/>
+        </a:fillRef>
+        <a:effectRef idx="0">
+          <a:scrgbClr r="0" g="0" b="0"/>
+        </a:effectRef>
+        <a:fontRef idx="minor"/>
+      </dsp:style>
+      <dsp:txBody>
+        <a:bodyPr spcFirstLastPara="0" vert="horz" wrap="square" lIns="0" tIns="132080" rIns="0" bIns="132080" numCol="1" spcCol="1270" anchor="ctr" anchorCtr="0">
+          <a:noAutofit/>
+        </a:bodyPr>
+        <a:lstStyle/>
+        <a:p>
+          <a:pPr lvl="0" algn="ctr" defTabSz="577850">
+            <a:lnSpc>
+              <a:spcPct val="90000"/>
+            </a:lnSpc>
+            <a:spcBef>
+              <a:spcPct val="0"/>
+            </a:spcBef>
+            <a:spcAft>
+              <a:spcPct val="35000"/>
+            </a:spcAft>
+          </a:pPr>
+          <a:r>
+            <a:rPr lang="de-DE" sz="1300" kern="1200" dirty="0" smtClean="0"/>
+            <a:t> </a:t>
+          </a:r>
+          <a:endParaRPr lang="de-DE" sz="1300" kern="1200" dirty="0"/>
+        </a:p>
+      </dsp:txBody>
+      <dsp:txXfrm>
+        <a:off x="375246" y="325493"/>
+        <a:ext cx="469324" cy="468000"/>
+      </dsp:txXfrm>
+    </dsp:sp>
   </dsp:spTree>
 </dsp:drawing>
 </file>
@@ -5812,6 +6620,491 @@
       <dsp:cNvGrpSpPr/>
     </dsp:nvGrpSpPr>
     <dsp:grpSpPr/>
+    <dsp:sp modelId="{6D5BC600-9713-4DD2-8781-C62073791FAC}">
+      <dsp:nvSpPr>
+        <dsp:cNvPr id="0" name=""/>
+        <dsp:cNvSpPr/>
+      </dsp:nvSpPr>
+      <dsp:spPr>
+        <a:xfrm>
+          <a:off x="4428492" y="1434510"/>
+          <a:ext cx="3124266" cy="520504"/>
+        </a:xfrm>
+        <a:custGeom>
+          <a:avLst/>
+          <a:gdLst/>
+          <a:ahLst/>
+          <a:cxnLst/>
+          <a:rect l="0" t="0" r="0" b="0"/>
+          <a:pathLst>
+            <a:path>
+              <a:moveTo>
+                <a:pt x="0" y="0"/>
+              </a:moveTo>
+              <a:lnTo>
+                <a:pt x="0" y="260252"/>
+              </a:lnTo>
+              <a:lnTo>
+                <a:pt x="3124266" y="260252"/>
+              </a:lnTo>
+              <a:lnTo>
+                <a:pt x="3124266" y="520504"/>
+              </a:lnTo>
+            </a:path>
+          </a:pathLst>
+        </a:custGeom>
+        <a:noFill/>
+        <a:ln w="25400" cap="flat" cmpd="sng" algn="ctr">
+          <a:solidFill>
+            <a:schemeClr val="accent1">
+              <a:shade val="60000"/>
+              <a:hueOff val="0"/>
+              <a:satOff val="0"/>
+              <a:lumOff val="0"/>
+              <a:alphaOff val="0"/>
+            </a:schemeClr>
+          </a:solidFill>
+          <a:prstDash val="solid"/>
+        </a:ln>
+        <a:effectLst/>
+      </dsp:spPr>
+      <dsp:style>
+        <a:lnRef idx="2">
+          <a:scrgbClr r="0" g="0" b="0"/>
+        </a:lnRef>
+        <a:fillRef idx="0">
+          <a:scrgbClr r="0" g="0" b="0"/>
+        </a:fillRef>
+        <a:effectRef idx="0">
+          <a:scrgbClr r="0" g="0" b="0"/>
+        </a:effectRef>
+        <a:fontRef idx="minor"/>
+      </dsp:style>
+    </dsp:sp>
+    <dsp:sp modelId="{A0BCFAE1-8822-4539-93A5-5470B2DFA620}">
+      <dsp:nvSpPr>
+        <dsp:cNvPr id="0" name=""/>
+        <dsp:cNvSpPr/>
+      </dsp:nvSpPr>
+      <dsp:spPr>
+        <a:xfrm>
+          <a:off x="4382772" y="1434510"/>
+          <a:ext cx="91440" cy="520504"/>
+        </a:xfrm>
+        <a:custGeom>
+          <a:avLst/>
+          <a:gdLst/>
+          <a:ahLst/>
+          <a:cxnLst/>
+          <a:rect l="0" t="0" r="0" b="0"/>
+          <a:pathLst>
+            <a:path>
+              <a:moveTo>
+                <a:pt x="45720" y="0"/>
+              </a:moveTo>
+              <a:lnTo>
+                <a:pt x="45720" y="520504"/>
+              </a:lnTo>
+            </a:path>
+          </a:pathLst>
+        </a:custGeom>
+        <a:noFill/>
+        <a:ln w="25400" cap="flat" cmpd="sng" algn="ctr">
+          <a:solidFill>
+            <a:schemeClr val="accent1">
+              <a:shade val="60000"/>
+              <a:hueOff val="0"/>
+              <a:satOff val="0"/>
+              <a:lumOff val="0"/>
+              <a:alphaOff val="0"/>
+            </a:schemeClr>
+          </a:solidFill>
+          <a:prstDash val="solid"/>
+        </a:ln>
+        <a:effectLst/>
+      </dsp:spPr>
+      <dsp:style>
+        <a:lnRef idx="2">
+          <a:scrgbClr r="0" g="0" b="0"/>
+        </a:lnRef>
+        <a:fillRef idx="0">
+          <a:scrgbClr r="0" g="0" b="0"/>
+        </a:fillRef>
+        <a:effectRef idx="0">
+          <a:scrgbClr r="0" g="0" b="0"/>
+        </a:effectRef>
+        <a:fontRef idx="minor"/>
+      </dsp:style>
+    </dsp:sp>
+    <dsp:sp modelId="{3F94FDAA-0F75-4010-8F21-8A7E01B0779A}">
+      <dsp:nvSpPr>
+        <dsp:cNvPr id="0" name=""/>
+        <dsp:cNvSpPr/>
+      </dsp:nvSpPr>
+      <dsp:spPr>
+        <a:xfrm>
+          <a:off x="1304225" y="1434510"/>
+          <a:ext cx="3124266" cy="520504"/>
+        </a:xfrm>
+        <a:custGeom>
+          <a:avLst/>
+          <a:gdLst/>
+          <a:ahLst/>
+          <a:cxnLst/>
+          <a:rect l="0" t="0" r="0" b="0"/>
+          <a:pathLst>
+            <a:path>
+              <a:moveTo>
+                <a:pt x="3124266" y="0"/>
+              </a:moveTo>
+              <a:lnTo>
+                <a:pt x="3124266" y="260252"/>
+              </a:lnTo>
+              <a:lnTo>
+                <a:pt x="0" y="260252"/>
+              </a:lnTo>
+              <a:lnTo>
+                <a:pt x="0" y="520504"/>
+              </a:lnTo>
+            </a:path>
+          </a:pathLst>
+        </a:custGeom>
+        <a:noFill/>
+        <a:ln w="25400" cap="flat" cmpd="sng" algn="ctr">
+          <a:solidFill>
+            <a:schemeClr val="accent1">
+              <a:shade val="60000"/>
+              <a:hueOff val="0"/>
+              <a:satOff val="0"/>
+              <a:lumOff val="0"/>
+              <a:alphaOff val="0"/>
+            </a:schemeClr>
+          </a:solidFill>
+          <a:prstDash val="solid"/>
+        </a:ln>
+        <a:effectLst/>
+      </dsp:spPr>
+      <dsp:style>
+        <a:lnRef idx="2">
+          <a:scrgbClr r="0" g="0" b="0"/>
+        </a:lnRef>
+        <a:fillRef idx="0">
+          <a:scrgbClr r="0" g="0" b="0"/>
+        </a:fillRef>
+        <a:effectRef idx="0">
+          <a:scrgbClr r="0" g="0" b="0"/>
+        </a:effectRef>
+        <a:fontRef idx="minor"/>
+      </dsp:style>
+    </dsp:sp>
+    <dsp:sp modelId="{AD4F7CBA-E243-4549-A341-273C65E98AC7}">
+      <dsp:nvSpPr>
+        <dsp:cNvPr id="0" name=""/>
+        <dsp:cNvSpPr/>
+      </dsp:nvSpPr>
+      <dsp:spPr>
+        <a:xfrm>
+          <a:off x="3126610" y="881288"/>
+          <a:ext cx="2603762" cy="553222"/>
+        </a:xfrm>
+        <a:prstGeom prst="rect">
+          <a:avLst/>
+        </a:prstGeom>
+        <a:solidFill>
+          <a:schemeClr val="accent1">
+            <a:hueOff val="0"/>
+            <a:satOff val="0"/>
+            <a:lumOff val="0"/>
+            <a:alphaOff val="0"/>
+          </a:schemeClr>
+        </a:solidFill>
+        <a:ln w="25400" cap="flat" cmpd="sng" algn="ctr">
+          <a:solidFill>
+            <a:schemeClr val="lt1">
+              <a:hueOff val="0"/>
+              <a:satOff val="0"/>
+              <a:lumOff val="0"/>
+              <a:alphaOff val="0"/>
+            </a:schemeClr>
+          </a:solidFill>
+          <a:prstDash val="solid"/>
+        </a:ln>
+        <a:effectLst/>
+      </dsp:spPr>
+      <dsp:style>
+        <a:lnRef idx="2">
+          <a:scrgbClr r="0" g="0" b="0"/>
+        </a:lnRef>
+        <a:fillRef idx="1">
+          <a:scrgbClr r="0" g="0" b="0"/>
+        </a:fillRef>
+        <a:effectRef idx="0">
+          <a:scrgbClr r="0" g="0" b="0"/>
+        </a:effectRef>
+        <a:fontRef idx="minor">
+          <a:schemeClr val="lt1"/>
+        </a:fontRef>
+      </dsp:style>
+      <dsp:txBody>
+        <a:bodyPr spcFirstLastPara="0" vert="horz" wrap="square" lIns="10795" tIns="10795" rIns="10795" bIns="10795" numCol="1" spcCol="1270" anchor="ctr" anchorCtr="0">
+          <a:noAutofit/>
+        </a:bodyPr>
+        <a:lstStyle/>
+        <a:p>
+          <a:pPr lvl="0" algn="ctr" defTabSz="755650">
+            <a:lnSpc>
+              <a:spcPct val="90000"/>
+            </a:lnSpc>
+            <a:spcBef>
+              <a:spcPct val="0"/>
+            </a:spcBef>
+            <a:spcAft>
+              <a:spcPct val="35000"/>
+            </a:spcAft>
+          </a:pPr>
+          <a:r>
+            <a:rPr lang="de-DE" sz="1700" kern="1200" dirty="0" smtClean="0"/>
+            <a:t>Komprimierungsverfahren</a:t>
+          </a:r>
+          <a:endParaRPr lang="de-DE" sz="1700" kern="1200" dirty="0"/>
+        </a:p>
+      </dsp:txBody>
+      <dsp:txXfrm>
+        <a:off x="3126610" y="881288"/>
+        <a:ext cx="2603762" cy="553222"/>
+      </dsp:txXfrm>
+    </dsp:sp>
+    <dsp:sp modelId="{D9456436-E822-44B1-8D51-B2E0CB5DBD3A}">
+      <dsp:nvSpPr>
+        <dsp:cNvPr id="0" name=""/>
+        <dsp:cNvSpPr/>
+      </dsp:nvSpPr>
+      <dsp:spPr>
+        <a:xfrm>
+          <a:off x="2344" y="1955015"/>
+          <a:ext cx="2603762" cy="553222"/>
+        </a:xfrm>
+        <a:prstGeom prst="rect">
+          <a:avLst/>
+        </a:prstGeom>
+        <a:solidFill>
+          <a:schemeClr val="accent1">
+            <a:hueOff val="0"/>
+            <a:satOff val="0"/>
+            <a:lumOff val="0"/>
+            <a:alphaOff val="0"/>
+          </a:schemeClr>
+        </a:solidFill>
+        <a:ln w="25400" cap="flat" cmpd="sng" algn="ctr">
+          <a:solidFill>
+            <a:schemeClr val="lt1">
+              <a:hueOff val="0"/>
+              <a:satOff val="0"/>
+              <a:lumOff val="0"/>
+              <a:alphaOff val="0"/>
+            </a:schemeClr>
+          </a:solidFill>
+          <a:prstDash val="solid"/>
+        </a:ln>
+        <a:effectLst/>
+      </dsp:spPr>
+      <dsp:style>
+        <a:lnRef idx="2">
+          <a:scrgbClr r="0" g="0" b="0"/>
+        </a:lnRef>
+        <a:fillRef idx="1">
+          <a:scrgbClr r="0" g="0" b="0"/>
+        </a:fillRef>
+        <a:effectRef idx="0">
+          <a:scrgbClr r="0" g="0" b="0"/>
+        </a:effectRef>
+        <a:fontRef idx="minor">
+          <a:schemeClr val="lt1"/>
+        </a:fontRef>
+      </dsp:style>
+      <dsp:txBody>
+        <a:bodyPr spcFirstLastPara="0" vert="horz" wrap="square" lIns="10795" tIns="10795" rIns="10795" bIns="10795" numCol="1" spcCol="1270" anchor="ctr" anchorCtr="0">
+          <a:noAutofit/>
+        </a:bodyPr>
+        <a:lstStyle/>
+        <a:p>
+          <a:pPr lvl="0" algn="ctr" defTabSz="755650">
+            <a:lnSpc>
+              <a:spcPct val="90000"/>
+            </a:lnSpc>
+            <a:spcBef>
+              <a:spcPct val="0"/>
+            </a:spcBef>
+            <a:spcAft>
+              <a:spcPct val="35000"/>
+            </a:spcAft>
+          </a:pPr>
+          <a:r>
+            <a:rPr lang="de-DE" sz="1700" kern="1200" dirty="0" smtClean="0"/>
+            <a:t>LZ4</a:t>
+          </a:r>
+          <a:endParaRPr lang="de-DE" sz="1700" kern="1200" dirty="0"/>
+        </a:p>
+      </dsp:txBody>
+      <dsp:txXfrm>
+        <a:off x="2344" y="1955015"/>
+        <a:ext cx="2603762" cy="553222"/>
+      </dsp:txXfrm>
+    </dsp:sp>
+    <dsp:sp modelId="{50C7FCC1-BE90-4BF0-892D-AC8FB740825F}">
+      <dsp:nvSpPr>
+        <dsp:cNvPr id="0" name=""/>
+        <dsp:cNvSpPr/>
+      </dsp:nvSpPr>
+      <dsp:spPr>
+        <a:xfrm>
+          <a:off x="3126610" y="1955015"/>
+          <a:ext cx="2603762" cy="553222"/>
+        </a:xfrm>
+        <a:prstGeom prst="rect">
+          <a:avLst/>
+        </a:prstGeom>
+        <a:solidFill>
+          <a:schemeClr val="accent1">
+            <a:hueOff val="0"/>
+            <a:satOff val="0"/>
+            <a:lumOff val="0"/>
+            <a:alphaOff val="0"/>
+          </a:schemeClr>
+        </a:solidFill>
+        <a:ln w="25400" cap="flat" cmpd="sng" algn="ctr">
+          <a:solidFill>
+            <a:schemeClr val="lt1">
+              <a:hueOff val="0"/>
+              <a:satOff val="0"/>
+              <a:lumOff val="0"/>
+              <a:alphaOff val="0"/>
+            </a:schemeClr>
+          </a:solidFill>
+          <a:prstDash val="solid"/>
+        </a:ln>
+        <a:effectLst/>
+      </dsp:spPr>
+      <dsp:style>
+        <a:lnRef idx="2">
+          <a:scrgbClr r="0" g="0" b="0"/>
+        </a:lnRef>
+        <a:fillRef idx="1">
+          <a:scrgbClr r="0" g="0" b="0"/>
+        </a:fillRef>
+        <a:effectRef idx="0">
+          <a:scrgbClr r="0" g="0" b="0"/>
+        </a:effectRef>
+        <a:fontRef idx="minor">
+          <a:schemeClr val="lt1"/>
+        </a:fontRef>
+      </dsp:style>
+      <dsp:txBody>
+        <a:bodyPr spcFirstLastPara="0" vert="horz" wrap="square" lIns="10795" tIns="10795" rIns="10795" bIns="10795" numCol="1" spcCol="1270" anchor="ctr" anchorCtr="0">
+          <a:noAutofit/>
+        </a:bodyPr>
+        <a:lstStyle/>
+        <a:p>
+          <a:pPr lvl="0" algn="ctr" defTabSz="755650">
+            <a:lnSpc>
+              <a:spcPct val="90000"/>
+            </a:lnSpc>
+            <a:spcBef>
+              <a:spcPct val="0"/>
+            </a:spcBef>
+            <a:spcAft>
+              <a:spcPct val="35000"/>
+            </a:spcAft>
+          </a:pPr>
+          <a:r>
+            <a:rPr lang="de-DE" sz="1700" kern="1200" dirty="0" err="1" smtClean="0"/>
+            <a:t>Snappy</a:t>
+          </a:r>
+          <a:endParaRPr lang="de-DE" sz="1700" kern="1200" dirty="0"/>
+        </a:p>
+      </dsp:txBody>
+      <dsp:txXfrm>
+        <a:off x="3126610" y="1955015"/>
+        <a:ext cx="2603762" cy="553222"/>
+      </dsp:txXfrm>
+    </dsp:sp>
+    <dsp:sp modelId="{870B6059-CB4D-40A3-8B74-E28545F75667}">
+      <dsp:nvSpPr>
+        <dsp:cNvPr id="0" name=""/>
+        <dsp:cNvSpPr/>
+      </dsp:nvSpPr>
+      <dsp:spPr>
+        <a:xfrm>
+          <a:off x="6250877" y="1955015"/>
+          <a:ext cx="2603762" cy="553222"/>
+        </a:xfrm>
+        <a:prstGeom prst="rect">
+          <a:avLst/>
+        </a:prstGeom>
+        <a:solidFill>
+          <a:schemeClr val="accent1">
+            <a:hueOff val="0"/>
+            <a:satOff val="0"/>
+            <a:lumOff val="0"/>
+            <a:alphaOff val="0"/>
+          </a:schemeClr>
+        </a:solidFill>
+        <a:ln w="25400" cap="flat" cmpd="sng" algn="ctr">
+          <a:solidFill>
+            <a:schemeClr val="lt1">
+              <a:hueOff val="0"/>
+              <a:satOff val="0"/>
+              <a:lumOff val="0"/>
+              <a:alphaOff val="0"/>
+            </a:schemeClr>
+          </a:solidFill>
+          <a:prstDash val="solid"/>
+        </a:ln>
+        <a:effectLst/>
+      </dsp:spPr>
+      <dsp:style>
+        <a:lnRef idx="2">
+          <a:scrgbClr r="0" g="0" b="0"/>
+        </a:lnRef>
+        <a:fillRef idx="1">
+          <a:scrgbClr r="0" g="0" b="0"/>
+        </a:fillRef>
+        <a:effectRef idx="0">
+          <a:scrgbClr r="0" g="0" b="0"/>
+        </a:effectRef>
+        <a:fontRef idx="minor">
+          <a:schemeClr val="lt1"/>
+        </a:fontRef>
+      </dsp:style>
+      <dsp:txBody>
+        <a:bodyPr spcFirstLastPara="0" vert="horz" wrap="square" lIns="10795" tIns="10795" rIns="10795" bIns="10795" numCol="1" spcCol="1270" anchor="ctr" anchorCtr="0">
+          <a:noAutofit/>
+        </a:bodyPr>
+        <a:lstStyle/>
+        <a:p>
+          <a:pPr lvl="0" algn="ctr" defTabSz="755650">
+            <a:lnSpc>
+              <a:spcPct val="90000"/>
+            </a:lnSpc>
+            <a:spcBef>
+              <a:spcPct val="0"/>
+            </a:spcBef>
+            <a:spcAft>
+              <a:spcPct val="35000"/>
+            </a:spcAft>
+          </a:pPr>
+          <a:r>
+            <a:rPr lang="de-DE" sz="1700" kern="1200" dirty="0" err="1" smtClean="0"/>
+            <a:t>Deflate</a:t>
+          </a:r>
+          <a:endParaRPr lang="de-DE" sz="1700" kern="1200" dirty="0"/>
+        </a:p>
+      </dsp:txBody>
+      <dsp:txXfrm>
+        <a:off x="6250877" y="1955015"/>
+        <a:ext cx="2603762" cy="553222"/>
+      </dsp:txXfrm>
+    </dsp:sp>
   </dsp:spTree>
 </dsp:drawing>
 </file>
@@ -11241,7 +12534,7 @@
             <a:fld id="{AB9EDB5D-BD4B-C740-8F6C-B28044BEA9E4}" type="slidenum">
               <a:rPr lang="de-DE" smtClean="0"/>
               <a:pPr/>
-              <a:t>4</a:t>
+              <a:t>3</a:t>
             </a:fld>
             <a:endParaRPr lang="de-DE"/>
           </a:p>
@@ -11305,17 +12598,25 @@
           <a:lstStyle/>
           <a:p>
             <a:r>
-              <a:rPr lang="de-DE" dirty="0"/>
-              <a:t>Data und Log </a:t>
-            </a:r>
-            <a:r>
-              <a:rPr lang="de-DE" dirty="0" err="1"/>
-              <a:t>Volumes</a:t>
-            </a:r>
-            <a:r>
-              <a:rPr lang="de-DE" dirty="0"/>
-              <a:t> enthalten alle Änderungen der Daten</a:t>
-            </a:r>
+              <a:rPr lang="de-DE" dirty="0" smtClean="0"/>
+              <a:t>Quellen</a:t>
+            </a:r>
+            <a:r>
+              <a:rPr lang="de-DE" baseline="0" dirty="0" smtClean="0"/>
+              <a:t> : Wikipedia : https://de.wikipedia.org/wiki/Apache_Cassandra#cite_note-4</a:t>
+            </a:r>
+          </a:p>
+          <a:p>
+            <a:r>
+              <a:rPr lang="de-DE" baseline="0" dirty="0" smtClean="0"/>
+              <a:t>https://www.codecentric.de/leistungen/produkte/cassandra/</a:t>
+            </a:r>
+          </a:p>
+          <a:p>
+            <a:endParaRPr lang="de-DE" baseline="0" dirty="0" smtClean="0"/>
+          </a:p>
+          <a:p>
+            <a:endParaRPr lang="de-DE" dirty="0"/>
           </a:p>
         </p:txBody>
       </p:sp>
@@ -11337,7 +12638,7 @@
             <a:fld id="{AB9EDB5D-BD4B-C740-8F6C-B28044BEA9E4}" type="slidenum">
               <a:rPr lang="de-DE" smtClean="0"/>
               <a:pPr/>
-              <a:t>21</a:t>
+              <a:t>22</a:t>
             </a:fld>
             <a:endParaRPr lang="de-DE"/>
           </a:p>
@@ -11346,7 +12647,7 @@
     </p:spTree>
     <p:extLst>
       <p:ext uri="{BB962C8B-B14F-4D97-AF65-F5344CB8AC3E}">
-        <p14:creationId xmlns:p14="http://schemas.microsoft.com/office/powerpoint/2010/main" val="1366058345"/>
+        <p14:creationId xmlns:p14="http://schemas.microsoft.com/office/powerpoint/2010/main" val="2789530418"/>
       </p:ext>
     </p:extLst>
   </p:cSld>
@@ -11402,21 +12703,85 @@
           <a:p>
             <a:r>
               <a:rPr lang="de-DE" dirty="0" smtClean="0"/>
-              <a:t>Quellen</a:t>
-            </a:r>
-            <a:r>
-              <a:rPr lang="de-DE" baseline="0" dirty="0" smtClean="0"/>
-              <a:t> : Wikipedia : https://de.wikipedia.org/wiki/Apache_Cassandra#cite_note-4</a:t>
-            </a:r>
-          </a:p>
-          <a:p>
-            <a:r>
-              <a:rPr lang="de-DE" baseline="0" dirty="0" smtClean="0"/>
-              <a:t>https://www.codecentric.de/leistungen/produkte/cassandra/</a:t>
-            </a:r>
-          </a:p>
-          <a:p>
-            <a:endParaRPr lang="de-DE" baseline="0" dirty="0" smtClean="0"/>
+              <a:t>https://www.bigdata-insider.de/was-ist-nosql-a-615718/</a:t>
+            </a:r>
+          </a:p>
+          <a:p>
+            <a:endParaRPr lang="de-DE" dirty="0" smtClean="0"/>
+          </a:p>
+          <a:p>
+            <a:r>
+              <a:rPr lang="en-US" b="1" dirty="0" smtClean="0"/>
+              <a:t>* Mobile Applications</a:t>
+            </a:r>
+            <a:r>
+              <a:rPr lang="en-US" dirty="0" smtClean="0"/>
+              <a:t>. With nearly two billion smartphone users, mobile applications face scalability challenges in terms of growth and volume. For instance, it is not uncommon for mobile games to reach tens of millions of users in a matter of </a:t>
+            </a:r>
+            <a:r>
+              <a:rPr lang="en-US" dirty="0" err="1" smtClean="0"/>
+              <a:t>months.With</a:t>
+            </a:r>
+            <a:r>
+              <a:rPr lang="en-US" dirty="0" smtClean="0"/>
+              <a:t> a distributed, scale-out database, mobile applications can start with a small deployment and expand as the user base grows, rather than deploying an expensive, large relational database server from the beginning. </a:t>
+            </a:r>
+          </a:p>
+          <a:p>
+            <a:pPr marL="171450" indent="-171450">
+              <a:buFont typeface="Arial" panose="020B0604020202020204" pitchFamily="34" charset="0"/>
+              <a:buChar char="•"/>
+            </a:pPr>
+            <a:r>
+              <a:rPr lang="en-US" b="1" dirty="0" smtClean="0"/>
+              <a:t>Internet of Things. </a:t>
+            </a:r>
+            <a:r>
+              <a:rPr lang="en-US" dirty="0" smtClean="0"/>
+              <a:t>Today, some 20 billion devices are connected to the Internet – everything from smartphones and tablets to home appliances and systems installed in cars, hospitals and warehouses. The volume, velocity, and variety of machine-generated data are increasing with the proliferation of digital telemetry, which is semi-structured and continuous. Relational databases struggle with the three well-known challenges from big data </a:t>
+            </a:r>
+            <a:r>
+              <a:rPr lang="en-US" dirty="0" err="1" smtClean="0"/>
+              <a:t>IoT</a:t>
+            </a:r>
+            <a:r>
+              <a:rPr lang="en-US" dirty="0" smtClean="0"/>
+              <a:t> applications: scalability, throughput, and data variety. By contrast, NoSQL allows enterprises to scale concurrent data access to millions of connected devices and systems, store large volumes of data, and meet the performance requirements of mission-critical infrastructure and operations. </a:t>
+            </a:r>
+          </a:p>
+          <a:p>
+            <a:pPr marL="171450" indent="-171450">
+              <a:buFont typeface="Arial" panose="020B0604020202020204" pitchFamily="34" charset="0"/>
+              <a:buChar char="•"/>
+            </a:pPr>
+            <a:r>
+              <a:rPr lang="en-US" b="1" dirty="0" smtClean="0"/>
+              <a:t>* Real-Time Big Data. </a:t>
+            </a:r>
+            <a:r>
+              <a:rPr lang="en-US" dirty="0" smtClean="0"/>
+              <a:t>The ability to extract information from operational data in real-time is critical for an agile enterprise. It increases operational efficiency, reduces costs, and increases revenue by enabling you to act immediately on current data. In the past, operational databases and analytical databases were maintained as different environments. The operational database powered applications while the analytical database was part of the business intelligence and reporting environment. Today, NoSQL is used as both the front-end – to store and manage operational data from any source, and to feed data to Hadoop – as well as the back-end to receive, store and serve analytic results from Hadoop. </a:t>
+            </a:r>
+          </a:p>
+          <a:p>
+            <a:pPr marL="171450" indent="-171450">
+              <a:buFont typeface="Arial" panose="020B0604020202020204" pitchFamily="34" charset="0"/>
+              <a:buChar char="•"/>
+            </a:pPr>
+            <a:r>
+              <a:rPr lang="en-US" dirty="0" smtClean="0"/>
+              <a:t>QUELLE: (18.01.2018)</a:t>
+            </a:r>
+          </a:p>
+          <a:p>
+            <a:pPr marL="171450" indent="-171450">
+              <a:buFont typeface="Arial" panose="020B0604020202020204" pitchFamily="34" charset="0"/>
+              <a:buChar char="•"/>
+            </a:pPr>
+            <a:r>
+              <a:rPr lang="en-US" dirty="0" smtClean="0"/>
+              <a:t>https://www.networkworld.com/article/2999856/big-data-business-intelligence/10-use-cases-where-nosql-will-outperform-sql.html</a:t>
+            </a:r>
           </a:p>
           <a:p>
             <a:endParaRPr lang="de-DE" dirty="0"/>
@@ -11450,7 +12815,7 @@
     </p:spTree>
     <p:extLst>
       <p:ext uri="{BB962C8B-B14F-4D97-AF65-F5344CB8AC3E}">
-        <p14:creationId xmlns:p14="http://schemas.microsoft.com/office/powerpoint/2010/main" val="2789530418"/>
+        <p14:creationId xmlns:p14="http://schemas.microsoft.com/office/powerpoint/2010/main" val="2587334851"/>
       </p:ext>
     </p:extLst>
   </p:cSld>
@@ -11506,7 +12871,43 @@
           <a:p>
             <a:r>
               <a:rPr lang="de-DE" dirty="0" smtClean="0"/>
-              <a:t>https://www.bigdata-insider.de/was-ist-nosql-a-615718/</a:t>
+              <a:t>https://docs.datastax.com/en/cassandra/3.0/cassandra/operations/opsConfigCompress.html</a:t>
+            </a:r>
+          </a:p>
+          <a:p>
+            <a:r>
+              <a:rPr lang="de-DE" dirty="0" smtClean="0"/>
+              <a:t>https://www.datastax.com/dev/blog/updates-to-cassandras-commit-log-in-2-2</a:t>
+            </a:r>
+          </a:p>
+          <a:p>
+            <a:r>
+              <a:rPr lang="de-DE" dirty="0" smtClean="0"/>
+              <a:t>https://docs.datastax.com/en/datastax_enterprise/4.8/datastax_enterprise/inmem/inmemUsingTables.html#inmemUsingTables__inMemoryTblLmt</a:t>
+            </a:r>
+          </a:p>
+          <a:p>
+            <a:r>
+              <a:rPr lang="de-DE" dirty="0" smtClean="0"/>
+              <a:t>https://docs.datastax.com/en/datastax_enterprise/4.8/datastax_enterprise/inmem/inmemTOC.html</a:t>
+            </a:r>
+          </a:p>
+          <a:p>
+            <a:r>
+              <a:rPr lang="de-DE" dirty="0" smtClean="0"/>
+              <a:t>https://docs.datastax.com/en/cassandra/3.0/cassandra/operations/opsConfigCompress.html</a:t>
+            </a:r>
+          </a:p>
+          <a:p>
+            <a:r>
+              <a:rPr lang="de-DE" dirty="0" smtClean="0"/>
+              <a:t>https://issues.apache.org/jira/browse/CASSANDRA-8099</a:t>
+            </a:r>
+          </a:p>
+          <a:p>
+            <a:r>
+              <a:rPr lang="de-DE" dirty="0" smtClean="0"/>
+              <a:t>https://www.datastax.com/2015/12/storage-engine-30</a:t>
             </a:r>
           </a:p>
           <a:p>
@@ -11514,79 +12915,389 @@
           </a:p>
           <a:p>
             <a:r>
-              <a:rPr lang="en-US" b="1" dirty="0" smtClean="0"/>
-              <a:t>* Mobile Applications</a:t>
-            </a:r>
-            <a:r>
-              <a:rPr lang="en-US" dirty="0" smtClean="0"/>
-              <a:t>. With nearly two billion smartphone users, mobile applications face scalability challenges in terms of growth and volume. For instance, it is not uncommon for mobile games to reach tens of millions of users in a matter of </a:t>
-            </a:r>
-            <a:r>
-              <a:rPr lang="en-US" dirty="0" err="1" smtClean="0"/>
-              <a:t>months.With</a:t>
-            </a:r>
-            <a:r>
-              <a:rPr lang="en-US" dirty="0" smtClean="0"/>
-              <a:t> a distributed, scale-out database, mobile applications can start with a small deployment and expand as the user base grows, rather than deploying an expensive, large relational database server from the beginning. </a:t>
-            </a:r>
-          </a:p>
-          <a:p>
-            <a:pPr marL="171450" indent="-171450">
-              <a:buFont typeface="Arial" panose="020B0604020202020204" pitchFamily="34" charset="0"/>
-              <a:buChar char="•"/>
-            </a:pPr>
-            <a:r>
-              <a:rPr lang="en-US" b="1" dirty="0" smtClean="0"/>
-              <a:t>Internet of Things. </a:t>
-            </a:r>
-            <a:r>
-              <a:rPr lang="en-US" dirty="0" smtClean="0"/>
-              <a:t>Today, some 20 billion devices are connected to the Internet – everything from smartphones and tablets to home appliances and systems installed in cars, hospitals and warehouses. The volume, velocity, and variety of machine-generated data are increasing with the proliferation of digital telemetry, which is semi-structured and continuous. Relational databases struggle with the three well-known challenges from big data </a:t>
-            </a:r>
-            <a:r>
-              <a:rPr lang="en-US" dirty="0" err="1" smtClean="0"/>
-              <a:t>IoT</a:t>
-            </a:r>
-            <a:r>
-              <a:rPr lang="en-US" dirty="0" smtClean="0"/>
-              <a:t> applications: scalability, throughput, and data variety. By contrast, NoSQL allows enterprises to scale concurrent data access to millions of connected devices and systems, store large volumes of data, and meet the performance requirements of mission-critical infrastructure and operations. </a:t>
-            </a:r>
-          </a:p>
-          <a:p>
-            <a:pPr marL="171450" indent="-171450">
-              <a:buFont typeface="Arial" panose="020B0604020202020204" pitchFamily="34" charset="0"/>
-              <a:buChar char="•"/>
-            </a:pPr>
-            <a:r>
-              <a:rPr lang="en-US" b="1" dirty="0" smtClean="0"/>
-              <a:t>* Real-Time Big Data. </a:t>
-            </a:r>
-            <a:r>
-              <a:rPr lang="en-US" dirty="0" smtClean="0"/>
-              <a:t>The ability to extract information from operational data in real-time is critical for an agile enterprise. It increases operational efficiency, reduces costs, and increases revenue by enabling you to act immediately on current data. In the past, operational databases and analytical databases were maintained as different environments. The operational database powered applications while the analytical database was part of the business intelligence and reporting environment. Today, NoSQL is used as both the front-end – to store and manage operational data from any source, and to feed data to Hadoop – as well as the back-end to receive, store and serve analytic results from Hadoop. </a:t>
-            </a:r>
-          </a:p>
-          <a:p>
-            <a:pPr marL="171450" indent="-171450">
-              <a:buFont typeface="Arial" panose="020B0604020202020204" pitchFamily="34" charset="0"/>
-              <a:buChar char="•"/>
-            </a:pPr>
-            <a:r>
-              <a:rPr lang="en-US" dirty="0" smtClean="0"/>
-              <a:t>QUELLE: (18.01.2018)</a:t>
-            </a:r>
-          </a:p>
-          <a:p>
-            <a:pPr marL="171450" indent="-171450">
-              <a:buFont typeface="Arial" panose="020B0604020202020204" pitchFamily="34" charset="0"/>
-              <a:buChar char="•"/>
-            </a:pPr>
-            <a:r>
-              <a:rPr lang="en-US" dirty="0" smtClean="0"/>
-              <a:t>https://www.networkworld.com/article/2999856/big-data-business-intelligence/10-use-cases-where-nosql-will-outperform-sql.html</a:t>
-            </a:r>
-          </a:p>
-          <a:p>
+              <a:rPr lang="de-DE" dirty="0" smtClean="0"/>
+              <a:t>LZ4:</a:t>
+            </a:r>
+          </a:p>
+          <a:p>
+            <a:r>
+              <a:rPr lang="de-DE" b="1" dirty="0" smtClean="0"/>
+              <a:t>LZ4</a:t>
+            </a:r>
+            <a:r>
+              <a:rPr lang="de-DE" dirty="0" smtClean="0"/>
+              <a:t> ist eine </a:t>
+            </a:r>
+            <a:r>
+              <a:rPr lang="de-DE" dirty="0" smtClean="0">
+                <a:hlinkClick r:id="rId3" tooltip="Freie Software"/>
+              </a:rPr>
+              <a:t>freie</a:t>
+            </a:r>
+            <a:r>
+              <a:rPr lang="de-DE" dirty="0" smtClean="0"/>
+              <a:t> </a:t>
+            </a:r>
+            <a:r>
+              <a:rPr lang="de-DE" dirty="0" smtClean="0">
+                <a:hlinkClick r:id="rId4" tooltip="Programmbibliothek"/>
+              </a:rPr>
+              <a:t>Programmbibliothek</a:t>
+            </a:r>
+            <a:r>
+              <a:rPr lang="de-DE" dirty="0" smtClean="0"/>
+              <a:t> zum </a:t>
+            </a:r>
+            <a:r>
+              <a:rPr lang="de-DE" dirty="0" smtClean="0">
+                <a:hlinkClick r:id="rId5" tooltip="Datenkompression"/>
+              </a:rPr>
+              <a:t>Komprimieren</a:t>
+            </a:r>
+            <a:r>
+              <a:rPr lang="de-DE" dirty="0" smtClean="0"/>
+              <a:t> und Dekomprimieren von Daten. Der Algorithmus gehört zur </a:t>
+            </a:r>
+            <a:r>
+              <a:rPr lang="de-DE" dirty="0" smtClean="0">
+                <a:hlinkClick r:id="rId6" tooltip="LZ77"/>
+              </a:rPr>
+              <a:t>LZ77</a:t>
+            </a:r>
+            <a:r>
+              <a:rPr lang="de-DE" dirty="0" smtClean="0"/>
+              <a:t>-Familie und wurde von Yann </a:t>
+            </a:r>
+            <a:r>
+              <a:rPr lang="de-DE" dirty="0" err="1" smtClean="0"/>
+              <a:t>Collet</a:t>
+            </a:r>
+            <a:r>
+              <a:rPr lang="de-DE" dirty="0" smtClean="0"/>
+              <a:t> entwickelt. Er ist auf hohe Kompressions- und Dekompressionsgeschwindigkeit ausgelegt, die offizielle Webseite gibt 400 MB/s pro Kern an.</a:t>
+            </a:r>
+            <a:r>
+              <a:rPr lang="de-DE" baseline="30000" dirty="0" smtClean="0">
+                <a:hlinkClick r:id="rId7"/>
+              </a:rPr>
+              <a:t>[3]</a:t>
+            </a:r>
+            <a:r>
+              <a:rPr lang="de-DE" dirty="0" smtClean="0"/>
+              <a:t> </a:t>
+            </a:r>
+          </a:p>
+          <a:p>
+            <a:r>
+              <a:rPr lang="de-DE" dirty="0" smtClean="0"/>
+              <a:t>LZ4 wird von den Dateisystemen </a:t>
+            </a:r>
+            <a:r>
+              <a:rPr lang="de-DE" dirty="0" smtClean="0">
+                <a:hlinkClick r:id="rId8" tooltip="ZFS (Dateisystem)"/>
+              </a:rPr>
+              <a:t>ZFS</a:t>
+            </a:r>
+            <a:r>
+              <a:rPr lang="de-DE" baseline="30000" dirty="0" smtClean="0">
+                <a:hlinkClick r:id="rId9"/>
+              </a:rPr>
+              <a:t>[4]</a:t>
+            </a:r>
+            <a:r>
+              <a:rPr lang="de-DE" dirty="0" smtClean="0"/>
+              <a:t> und </a:t>
+            </a:r>
+            <a:r>
+              <a:rPr lang="de-DE" dirty="0" err="1" smtClean="0">
+                <a:hlinkClick r:id="rId10" tooltip="SquashFS"/>
+              </a:rPr>
+              <a:t>SquashFS</a:t>
+            </a:r>
+            <a:r>
+              <a:rPr lang="de-DE" dirty="0" smtClean="0"/>
+              <a:t> zur On-</a:t>
+            </a:r>
+            <a:r>
+              <a:rPr lang="de-DE" dirty="0" err="1" smtClean="0"/>
+              <a:t>the</a:t>
+            </a:r>
+            <a:r>
+              <a:rPr lang="de-DE" dirty="0" smtClean="0"/>
+              <a:t>-</a:t>
+            </a:r>
+            <a:r>
+              <a:rPr lang="de-DE" dirty="0" err="1" smtClean="0"/>
+              <a:t>fly</a:t>
+            </a:r>
+            <a:r>
+              <a:rPr lang="de-DE" dirty="0" smtClean="0"/>
+              <a:t>-Kompression genutzt.</a:t>
+            </a:r>
+          </a:p>
+          <a:p>
+            <a:endParaRPr lang="de-DE" dirty="0" smtClean="0"/>
+          </a:p>
+          <a:p>
+            <a:r>
+              <a:rPr lang="de-DE" dirty="0" err="1" smtClean="0"/>
+              <a:t>Snappy</a:t>
+            </a:r>
+            <a:r>
+              <a:rPr lang="de-DE" dirty="0" smtClean="0"/>
+              <a:t>:</a:t>
+            </a:r>
+          </a:p>
+          <a:p>
+            <a:r>
+              <a:rPr lang="de-DE" b="1" dirty="0" err="1" smtClean="0"/>
+              <a:t>Snappy</a:t>
+            </a:r>
+            <a:r>
+              <a:rPr lang="de-DE" dirty="0" smtClean="0"/>
+              <a:t> ist eine </a:t>
+            </a:r>
+            <a:r>
+              <a:rPr lang="de-DE" dirty="0" smtClean="0">
+                <a:hlinkClick r:id="rId3" tooltip="Freie Software"/>
+              </a:rPr>
+              <a:t>freie</a:t>
+            </a:r>
+            <a:r>
+              <a:rPr lang="de-DE" dirty="0" smtClean="0"/>
+              <a:t> </a:t>
+            </a:r>
+            <a:r>
+              <a:rPr lang="de-DE" dirty="0" smtClean="0">
+                <a:hlinkClick r:id="rId4" tooltip="Programmbibliothek"/>
+              </a:rPr>
+              <a:t>Programmbibliothek</a:t>
+            </a:r>
+            <a:r>
+              <a:rPr lang="de-DE" dirty="0" smtClean="0"/>
+              <a:t> zum </a:t>
+            </a:r>
+            <a:r>
+              <a:rPr lang="de-DE" dirty="0" smtClean="0">
+                <a:hlinkClick r:id="rId5" tooltip="Datenkompression"/>
+              </a:rPr>
+              <a:t>Komprimieren</a:t>
+            </a:r>
+            <a:r>
+              <a:rPr lang="de-DE" dirty="0" smtClean="0"/>
+              <a:t> und Dekomprimieren von Daten. Der Algorithmus wurde von </a:t>
+            </a:r>
+            <a:r>
+              <a:rPr lang="de-DE" dirty="0" smtClean="0">
+                <a:hlinkClick r:id="rId11" tooltip="Google"/>
+              </a:rPr>
+              <a:t>Google</a:t>
+            </a:r>
+            <a:r>
+              <a:rPr lang="de-DE" dirty="0" smtClean="0"/>
+              <a:t> entwickelt und 2011 unter freier </a:t>
+            </a:r>
+            <a:r>
+              <a:rPr lang="de-DE" dirty="0" smtClean="0">
+                <a:hlinkClick r:id="rId12" tooltip="BSD-Lizenz"/>
+              </a:rPr>
+              <a:t>BSD-Lizenz</a:t>
+            </a:r>
+            <a:r>
+              <a:rPr lang="de-DE" dirty="0" smtClean="0"/>
+              <a:t> veröffentlicht. Er ist auf hohe Kompressions- und Dekompressionsgeschwindigkeit ausgelegt, die Kompressionsrate ist daher deutlich schlechter als die von </a:t>
+            </a:r>
+            <a:r>
+              <a:rPr lang="de-DE" dirty="0" err="1" smtClean="0">
+                <a:hlinkClick r:id="rId13" tooltip="Zlib"/>
+              </a:rPr>
+              <a:t>zlib</a:t>
+            </a:r>
+            <a:r>
+              <a:rPr lang="de-DE" dirty="0" smtClean="0"/>
+              <a:t>. </a:t>
+            </a:r>
+            <a:r>
+              <a:rPr lang="de-DE" dirty="0" err="1" smtClean="0"/>
+              <a:t>Snappy</a:t>
+            </a:r>
+            <a:r>
+              <a:rPr lang="de-DE" dirty="0" smtClean="0"/>
+              <a:t> ist schneller als der vergleichbare Algorithmus </a:t>
+            </a:r>
+            <a:r>
+              <a:rPr lang="de-DE" dirty="0" smtClean="0">
+                <a:hlinkClick r:id="rId14" tooltip="Lempel-Ziv-Oberhumer"/>
+              </a:rPr>
+              <a:t>LZO</a:t>
+            </a:r>
+            <a:r>
+              <a:rPr lang="de-DE" dirty="0" smtClean="0"/>
+              <a:t>.</a:t>
+            </a:r>
+            <a:r>
+              <a:rPr lang="de-DE" baseline="30000" dirty="0" smtClean="0">
+                <a:hlinkClick r:id="rId15"/>
+              </a:rPr>
+              <a:t>[2]</a:t>
+            </a:r>
+            <a:r>
+              <a:rPr lang="de-DE" baseline="30000" dirty="0" smtClean="0">
+                <a:hlinkClick r:id="rId16"/>
+              </a:rPr>
+              <a:t>[3]</a:t>
+            </a:r>
+            <a:r>
+              <a:rPr lang="de-DE" baseline="30000" dirty="0" smtClean="0">
+                <a:hlinkClick r:id="rId17"/>
+              </a:rPr>
+              <a:t>[4]</a:t>
+            </a:r>
+            <a:r>
+              <a:rPr lang="de-DE" dirty="0" smtClean="0"/>
+              <a:t> </a:t>
+            </a:r>
+          </a:p>
+          <a:p>
+            <a:r>
+              <a:rPr lang="de-DE" dirty="0" err="1" smtClean="0"/>
+              <a:t>Snappy</a:t>
+            </a:r>
+            <a:r>
+              <a:rPr lang="de-DE" dirty="0" smtClean="0"/>
+              <a:t> wird von Google-eigenen Programmen </a:t>
+            </a:r>
+            <a:r>
+              <a:rPr lang="de-DE" dirty="0" err="1" smtClean="0">
+                <a:hlinkClick r:id="rId18" tooltip="MapReduce"/>
+              </a:rPr>
+              <a:t>MapReduce</a:t>
+            </a:r>
+            <a:r>
+              <a:rPr lang="de-DE" dirty="0" smtClean="0"/>
+              <a:t> und </a:t>
+            </a:r>
+            <a:r>
+              <a:rPr lang="de-DE" dirty="0" err="1" smtClean="0">
+                <a:hlinkClick r:id="rId19" tooltip="BigTable"/>
+              </a:rPr>
+              <a:t>BigTable</a:t>
+            </a:r>
+            <a:r>
+              <a:rPr lang="de-DE" dirty="0" smtClean="0"/>
+              <a:t> sowie den Apache-Projekten </a:t>
+            </a:r>
+            <a:r>
+              <a:rPr lang="de-DE" dirty="0" err="1" smtClean="0">
+                <a:hlinkClick r:id="rId20" tooltip="Hadoop"/>
+              </a:rPr>
+              <a:t>Hadoop</a:t>
+            </a:r>
+            <a:r>
+              <a:rPr lang="de-DE" dirty="0" smtClean="0"/>
+              <a:t> und </a:t>
+            </a:r>
+            <a:r>
+              <a:rPr lang="de-DE" dirty="0" err="1" smtClean="0">
+                <a:hlinkClick r:id="rId21" tooltip="Lucene"/>
+              </a:rPr>
+              <a:t>Lucene</a:t>
+            </a:r>
+            <a:r>
+              <a:rPr lang="de-DE" dirty="0" smtClean="0"/>
+              <a:t> genutzt. </a:t>
+            </a:r>
+          </a:p>
+          <a:p>
+            <a:endParaRPr lang="de-DE" dirty="0" smtClean="0"/>
+          </a:p>
+          <a:p>
+            <a:r>
+              <a:rPr lang="de-DE" dirty="0" err="1" smtClean="0"/>
+              <a:t>Deflate</a:t>
+            </a:r>
+            <a:r>
+              <a:rPr lang="de-DE" dirty="0" smtClean="0"/>
+              <a:t>:</a:t>
+            </a:r>
+          </a:p>
+          <a:p>
+            <a:r>
+              <a:rPr lang="de-DE" b="1" dirty="0" err="1" smtClean="0"/>
+              <a:t>Deflate</a:t>
+            </a:r>
+            <a:r>
+              <a:rPr lang="de-DE" dirty="0" smtClean="0"/>
+              <a:t> (</a:t>
+            </a:r>
+            <a:r>
+              <a:rPr lang="de-DE" dirty="0" smtClean="0">
+                <a:hlinkClick r:id="rId22" tooltip="Englische Sprache"/>
+              </a:rPr>
+              <a:t>englisch</a:t>
+            </a:r>
+            <a:r>
+              <a:rPr lang="de-DE" dirty="0" smtClean="0"/>
+              <a:t> für </a:t>
+            </a:r>
+            <a:r>
+              <a:rPr lang="de-DE" i="1" dirty="0" smtClean="0"/>
+              <a:t>die Luft herauslassen</a:t>
+            </a:r>
+            <a:r>
+              <a:rPr lang="de-DE" dirty="0" smtClean="0"/>
+              <a:t>) ist ein </a:t>
+            </a:r>
+            <a:r>
+              <a:rPr lang="de-DE" dirty="0" smtClean="0">
+                <a:hlinkClick r:id="rId23" tooltip="Algorithmus"/>
+              </a:rPr>
+              <a:t>Algorithmus</a:t>
+            </a:r>
+            <a:r>
+              <a:rPr lang="de-DE" dirty="0" smtClean="0"/>
+              <a:t> zur verlustlosen </a:t>
+            </a:r>
+            <a:r>
+              <a:rPr lang="de-DE" dirty="0" smtClean="0">
+                <a:hlinkClick r:id="rId5" tooltip="Datenkompression"/>
+              </a:rPr>
+              <a:t>Datenkompression</a:t>
+            </a:r>
+            <a:r>
+              <a:rPr lang="de-DE" dirty="0" smtClean="0"/>
+              <a:t>. Er wurde von </a:t>
+            </a:r>
+            <a:r>
+              <a:rPr lang="de-DE" dirty="0" smtClean="0">
+                <a:hlinkClick r:id="rId24" tooltip="Phil Katz"/>
+              </a:rPr>
+              <a:t>Phil Katz</a:t>
+            </a:r>
+            <a:r>
+              <a:rPr lang="de-DE" dirty="0" smtClean="0"/>
+              <a:t> für das </a:t>
+            </a:r>
+            <a:r>
+              <a:rPr lang="de-DE" dirty="0" smtClean="0">
+                <a:hlinkClick r:id="rId25" tooltip="ZIP (Dateiformat)"/>
+              </a:rPr>
+              <a:t>ZIP</a:t>
+            </a:r>
+            <a:r>
+              <a:rPr lang="de-DE" dirty="0" smtClean="0"/>
+              <a:t>-Archivformat entwickelt und später der </a:t>
+            </a:r>
+            <a:r>
+              <a:rPr lang="de-DE" dirty="0" smtClean="0">
+                <a:hlinkClick r:id="rId26" tooltip="Gemeinfreiheit"/>
+              </a:rPr>
+              <a:t>Gemeinfreiheit</a:t>
+            </a:r>
+            <a:r>
+              <a:rPr lang="de-DE" dirty="0" smtClean="0"/>
+              <a:t> zugeführt. </a:t>
+            </a:r>
             <a:endParaRPr lang="de-DE" dirty="0"/>
           </a:p>
         </p:txBody>
@@ -11609,7 +13320,7 @@
             <a:fld id="{AB9EDB5D-BD4B-C740-8F6C-B28044BEA9E4}" type="slidenum">
               <a:rPr lang="de-DE" smtClean="0"/>
               <a:pPr/>
-              <a:t>24</a:t>
+              <a:t>25</a:t>
             </a:fld>
             <a:endParaRPr lang="de-DE"/>
           </a:p>
@@ -11618,7 +13329,7 @@
     </p:spTree>
     <p:extLst>
       <p:ext uri="{BB962C8B-B14F-4D97-AF65-F5344CB8AC3E}">
-        <p14:creationId xmlns:p14="http://schemas.microsoft.com/office/powerpoint/2010/main" val="2587334851"/>
+        <p14:creationId xmlns:p14="http://schemas.microsoft.com/office/powerpoint/2010/main" val="4263509028"/>
       </p:ext>
     </p:extLst>
   </p:cSld>
@@ -11674,433 +13385,36 @@
           <a:p>
             <a:r>
               <a:rPr lang="de-DE" dirty="0" smtClean="0"/>
-              <a:t>https://docs.datastax.com/en/cassandra/3.0/cassandra/operations/opsConfigCompress.html</a:t>
+              <a:t>https://www.datastax.com/2015/12/storage-engine-30</a:t>
             </a:r>
           </a:p>
           <a:p>
             <a:r>
               <a:rPr lang="de-DE" dirty="0" smtClean="0"/>
-              <a:t>https://www.datastax.com/dev/blog/updates-to-cassandras-commit-log-in-2-2</a:t>
+              <a:t>Quelle https://www.bigdata-insider.de/</a:t>
             </a:r>
           </a:p>
           <a:p>
             <a:r>
               <a:rPr lang="de-DE" dirty="0" smtClean="0"/>
-              <a:t>https://docs.datastax.com/en/datastax_enterprise/4.8/datastax_enterprise/inmem/inmemUsingTables.html#inmemUsingTables__inMemoryTblLmt</a:t>
-            </a:r>
-          </a:p>
-          <a:p>
-            <a:r>
-              <a:rPr lang="de-DE" dirty="0" smtClean="0"/>
-              <a:t>https://docs.datastax.com/en/datastax_enterprise/4.8/datastax_enterprise/inmem/inmemTOC.html</a:t>
-            </a:r>
-          </a:p>
-          <a:p>
-            <a:r>
-              <a:rPr lang="de-DE" dirty="0" smtClean="0"/>
-              <a:t>https://docs.datastax.com/en/cassandra/3.0/cassandra/operations/opsConfigCompress.html</a:t>
-            </a:r>
-          </a:p>
-          <a:p>
-            <a:r>
-              <a:rPr lang="de-DE" dirty="0" smtClean="0"/>
-              <a:t>https://issues.apache.org/jira/browse/CASSANDRA-8099</a:t>
-            </a:r>
-          </a:p>
-          <a:p>
-            <a:r>
-              <a:rPr lang="de-DE" dirty="0" smtClean="0"/>
-              <a:t>https://www.datastax.com/2015/12/storage-engine-30</a:t>
-            </a:r>
-          </a:p>
-          <a:p>
-            <a:endParaRPr lang="de-DE" dirty="0" smtClean="0"/>
-          </a:p>
-          <a:p>
-            <a:r>
-              <a:rPr lang="de-DE" dirty="0" smtClean="0"/>
-              <a:t>LZ4:</a:t>
-            </a:r>
-          </a:p>
-          <a:p>
-            <a:r>
-              <a:rPr lang="de-DE" b="1" dirty="0" smtClean="0"/>
-              <a:t>LZ4</a:t>
-            </a:r>
-            <a:r>
-              <a:rPr lang="de-DE" dirty="0" smtClean="0"/>
-              <a:t> ist eine </a:t>
-            </a:r>
-            <a:r>
-              <a:rPr lang="de-DE" dirty="0" smtClean="0">
-                <a:hlinkClick r:id="rId3" tooltip="Freie Software"/>
-              </a:rPr>
-              <a:t>freie</a:t>
-            </a:r>
-            <a:r>
-              <a:rPr lang="de-DE" dirty="0" smtClean="0"/>
-              <a:t> </a:t>
-            </a:r>
-            <a:r>
-              <a:rPr lang="de-DE" dirty="0" smtClean="0">
-                <a:hlinkClick r:id="rId4" tooltip="Programmbibliothek"/>
-              </a:rPr>
-              <a:t>Programmbibliothek</a:t>
-            </a:r>
-            <a:r>
-              <a:rPr lang="de-DE" dirty="0" smtClean="0"/>
-              <a:t> zum </a:t>
-            </a:r>
-            <a:r>
-              <a:rPr lang="de-DE" dirty="0" smtClean="0">
-                <a:hlinkClick r:id="rId5" tooltip="Datenkompression"/>
-              </a:rPr>
-              <a:t>Komprimieren</a:t>
-            </a:r>
-            <a:r>
-              <a:rPr lang="de-DE" dirty="0" smtClean="0"/>
-              <a:t> und Dekomprimieren von Daten. Der Algorithmus gehört zur </a:t>
-            </a:r>
-            <a:r>
-              <a:rPr lang="de-DE" dirty="0" smtClean="0">
-                <a:hlinkClick r:id="rId6" tooltip="LZ77"/>
-              </a:rPr>
-              <a:t>LZ77</a:t>
-            </a:r>
-            <a:r>
-              <a:rPr lang="de-DE" dirty="0" smtClean="0"/>
-              <a:t>-Familie und wurde von Yann </a:t>
+              <a:t>grundlagen-der-</a:t>
             </a:r>
             <a:r>
               <a:rPr lang="de-DE" dirty="0" err="1" smtClean="0"/>
-              <a:t>Collet</a:t>
-            </a:r>
-            <a:r>
-              <a:rPr lang="de-DE" dirty="0" smtClean="0"/>
-              <a:t> entwickelt. Er ist auf hohe Kompressions- und Dekompressionsgeschwindigkeit ausgelegt, die offizielle Webseite gibt 400 MB/s pro Kern an.</a:t>
-            </a:r>
-            <a:r>
-              <a:rPr lang="de-DE" baseline="30000" dirty="0" smtClean="0">
-                <a:hlinkClick r:id="rId7"/>
-              </a:rPr>
-              <a:t>[3]</a:t>
-            </a:r>
-            <a:r>
-              <a:rPr lang="de-DE" dirty="0" smtClean="0"/>
-              <a:t> </a:t>
-            </a:r>
-          </a:p>
-          <a:p>
-            <a:r>
-              <a:rPr lang="de-DE" dirty="0" smtClean="0"/>
-              <a:t>LZ4 wird von den Dateisystemen </a:t>
-            </a:r>
-            <a:r>
-              <a:rPr lang="de-DE" dirty="0" smtClean="0">
-                <a:hlinkClick r:id="rId8" tooltip="ZFS (Dateisystem)"/>
-              </a:rPr>
-              <a:t>ZFS</a:t>
-            </a:r>
-            <a:r>
-              <a:rPr lang="de-DE" baseline="30000" dirty="0" smtClean="0">
-                <a:hlinkClick r:id="rId9"/>
-              </a:rPr>
-              <a:t>[4]</a:t>
-            </a:r>
-            <a:r>
-              <a:rPr lang="de-DE" dirty="0" smtClean="0"/>
-              <a:t> und </a:t>
-            </a:r>
-            <a:r>
-              <a:rPr lang="de-DE" dirty="0" err="1" smtClean="0">
-                <a:hlinkClick r:id="rId10" tooltip="SquashFS"/>
-              </a:rPr>
-              <a:t>SquashFS</a:t>
-            </a:r>
-            <a:r>
-              <a:rPr lang="de-DE" dirty="0" smtClean="0"/>
-              <a:t> zur On-</a:t>
-            </a:r>
-            <a:r>
-              <a:rPr lang="de-DE" dirty="0" err="1" smtClean="0"/>
-              <a:t>the</a:t>
+              <a:t>nosql</a:t>
             </a:r>
             <a:r>
               <a:rPr lang="de-DE" dirty="0" smtClean="0"/>
               <a:t>-</a:t>
             </a:r>
-            <a:r>
-              <a:rPr lang="de-DE" dirty="0" err="1" smtClean="0"/>
-              <a:t>fly</a:t>
-            </a:r>
+          </a:p>
+          <a:p>
             <a:r>
               <a:rPr lang="de-DE" dirty="0" smtClean="0"/>
-              <a:t>-Kompression genutzt.</a:t>
-            </a:r>
-          </a:p>
-          <a:p>
-            <a:endParaRPr lang="de-DE" dirty="0" smtClean="0"/>
-          </a:p>
-          <a:p>
-            <a:r>
-              <a:rPr lang="de-DE" dirty="0" err="1" smtClean="0"/>
-              <a:t>Snappy</a:t>
-            </a:r>
-            <a:r>
-              <a:rPr lang="de-DE" dirty="0" smtClean="0"/>
-              <a:t>:</a:t>
-            </a:r>
-          </a:p>
-          <a:p>
-            <a:r>
-              <a:rPr lang="de-DE" b="1" dirty="0" err="1" smtClean="0"/>
-              <a:t>Snappy</a:t>
-            </a:r>
-            <a:r>
-              <a:rPr lang="de-DE" dirty="0" smtClean="0"/>
-              <a:t> ist eine </a:t>
-            </a:r>
-            <a:r>
-              <a:rPr lang="de-DE" dirty="0" smtClean="0">
-                <a:hlinkClick r:id="rId3" tooltip="Freie Software"/>
-              </a:rPr>
-              <a:t>freie</a:t>
-            </a:r>
-            <a:r>
-              <a:rPr lang="de-DE" dirty="0" smtClean="0"/>
-              <a:t> </a:t>
-            </a:r>
-            <a:r>
-              <a:rPr lang="de-DE" dirty="0" smtClean="0">
-                <a:hlinkClick r:id="rId4" tooltip="Programmbibliothek"/>
-              </a:rPr>
-              <a:t>Programmbibliothek</a:t>
-            </a:r>
-            <a:r>
-              <a:rPr lang="de-DE" dirty="0" smtClean="0"/>
-              <a:t> zum </a:t>
-            </a:r>
-            <a:r>
-              <a:rPr lang="de-DE" dirty="0" smtClean="0">
-                <a:hlinkClick r:id="rId5" tooltip="Datenkompression"/>
-              </a:rPr>
-              <a:t>Komprimieren</a:t>
-            </a:r>
-            <a:r>
-              <a:rPr lang="de-DE" dirty="0" smtClean="0"/>
-              <a:t> und Dekomprimieren von Daten. Der Algorithmus wurde von </a:t>
-            </a:r>
-            <a:r>
-              <a:rPr lang="de-DE" dirty="0" smtClean="0">
-                <a:hlinkClick r:id="rId11" tooltip="Google"/>
-              </a:rPr>
-              <a:t>Google</a:t>
-            </a:r>
-            <a:r>
-              <a:rPr lang="de-DE" dirty="0" smtClean="0"/>
-              <a:t> entwickelt und 2011 unter freier </a:t>
-            </a:r>
-            <a:r>
-              <a:rPr lang="de-DE" dirty="0" smtClean="0">
-                <a:hlinkClick r:id="rId12" tooltip="BSD-Lizenz"/>
-              </a:rPr>
-              <a:t>BSD-Lizenz</a:t>
-            </a:r>
-            <a:r>
-              <a:rPr lang="de-DE" dirty="0" smtClean="0"/>
-              <a:t> veröffentlicht. Er ist auf hohe Kompressions- und Dekompressionsgeschwindigkeit ausgelegt, die Kompressionsrate ist daher deutlich schlechter als die von </a:t>
-            </a:r>
-            <a:r>
-              <a:rPr lang="de-DE" dirty="0" err="1" smtClean="0">
-                <a:hlinkClick r:id="rId13" tooltip="Zlib"/>
-              </a:rPr>
-              <a:t>zlib</a:t>
-            </a:r>
-            <a:r>
-              <a:rPr lang="de-DE" dirty="0" smtClean="0"/>
-              <a:t>. </a:t>
-            </a:r>
-            <a:r>
-              <a:rPr lang="de-DE" dirty="0" err="1" smtClean="0"/>
-              <a:t>Snappy</a:t>
-            </a:r>
-            <a:r>
-              <a:rPr lang="de-DE" dirty="0" smtClean="0"/>
-              <a:t> ist schneller als der vergleichbare Algorithmus </a:t>
-            </a:r>
-            <a:r>
-              <a:rPr lang="de-DE" dirty="0" smtClean="0">
-                <a:hlinkClick r:id="rId14" tooltip="Lempel-Ziv-Oberhumer"/>
-              </a:rPr>
-              <a:t>LZO</a:t>
-            </a:r>
-            <a:r>
-              <a:rPr lang="de-DE" dirty="0" smtClean="0"/>
-              <a:t>.</a:t>
-            </a:r>
-            <a:r>
-              <a:rPr lang="de-DE" baseline="30000" dirty="0" smtClean="0">
-                <a:hlinkClick r:id="rId15"/>
-              </a:rPr>
-              <a:t>[2]</a:t>
-            </a:r>
-            <a:r>
-              <a:rPr lang="de-DE" baseline="30000" dirty="0" smtClean="0">
-                <a:hlinkClick r:id="rId16"/>
-              </a:rPr>
-              <a:t>[3]</a:t>
-            </a:r>
-            <a:r>
-              <a:rPr lang="de-DE" baseline="30000" dirty="0" smtClean="0">
-                <a:hlinkClick r:id="rId17"/>
-              </a:rPr>
-              <a:t>[4]</a:t>
-            </a:r>
-            <a:r>
-              <a:rPr lang="de-DE" dirty="0" smtClean="0"/>
-              <a:t> </a:t>
-            </a:r>
-          </a:p>
-          <a:p>
-            <a:r>
-              <a:rPr lang="de-DE" dirty="0" err="1" smtClean="0"/>
-              <a:t>Snappy</a:t>
-            </a:r>
-            <a:r>
-              <a:rPr lang="de-DE" dirty="0" smtClean="0"/>
-              <a:t> wird von Google-eigenen Programmen </a:t>
-            </a:r>
-            <a:r>
-              <a:rPr lang="de-DE" dirty="0" err="1" smtClean="0">
-                <a:hlinkClick r:id="rId18" tooltip="MapReduce"/>
-              </a:rPr>
-              <a:t>MapReduce</a:t>
-            </a:r>
-            <a:r>
-              <a:rPr lang="de-DE" dirty="0" smtClean="0"/>
-              <a:t> und </a:t>
-            </a:r>
-            <a:r>
-              <a:rPr lang="de-DE" dirty="0" err="1" smtClean="0">
-                <a:hlinkClick r:id="rId19" tooltip="BigTable"/>
-              </a:rPr>
-              <a:t>BigTable</a:t>
-            </a:r>
-            <a:r>
-              <a:rPr lang="de-DE" dirty="0" smtClean="0"/>
-              <a:t> sowie den Apache-Projekten </a:t>
-            </a:r>
-            <a:r>
-              <a:rPr lang="de-DE" dirty="0" err="1" smtClean="0">
-                <a:hlinkClick r:id="rId20" tooltip="Hadoop"/>
-              </a:rPr>
-              <a:t>Hadoop</a:t>
-            </a:r>
-            <a:r>
-              <a:rPr lang="de-DE" dirty="0" smtClean="0"/>
-              <a:t> und </a:t>
-            </a:r>
-            <a:r>
-              <a:rPr lang="de-DE" dirty="0" err="1" smtClean="0">
-                <a:hlinkClick r:id="rId21" tooltip="Lucene"/>
-              </a:rPr>
-              <a:t>Lucene</a:t>
-            </a:r>
-            <a:r>
-              <a:rPr lang="de-DE" dirty="0" smtClean="0"/>
-              <a:t> genutzt. </a:t>
-            </a:r>
-          </a:p>
-          <a:p>
-            <a:endParaRPr lang="de-DE" dirty="0" smtClean="0"/>
-          </a:p>
-          <a:p>
-            <a:r>
-              <a:rPr lang="de-DE" dirty="0" err="1" smtClean="0"/>
-              <a:t>Deflate</a:t>
-            </a:r>
-            <a:r>
-              <a:rPr lang="de-DE" dirty="0" smtClean="0"/>
-              <a:t>:</a:t>
-            </a:r>
-          </a:p>
-          <a:p>
-            <a:r>
-              <a:rPr lang="de-DE" b="1" dirty="0" err="1" smtClean="0"/>
-              <a:t>Deflate</a:t>
-            </a:r>
-            <a:r>
-              <a:rPr lang="de-DE" dirty="0" smtClean="0"/>
-              <a:t> (</a:t>
-            </a:r>
-            <a:r>
-              <a:rPr lang="de-DE" dirty="0" smtClean="0">
-                <a:hlinkClick r:id="rId22" tooltip="Englische Sprache"/>
-              </a:rPr>
-              <a:t>englisch</a:t>
-            </a:r>
-            <a:r>
-              <a:rPr lang="de-DE" dirty="0" smtClean="0"/>
-              <a:t> für </a:t>
-            </a:r>
-            <a:r>
-              <a:rPr lang="de-DE" i="1" dirty="0" smtClean="0"/>
-              <a:t>die Luft herauslassen</a:t>
-            </a:r>
-            <a:r>
-              <a:rPr lang="de-DE" dirty="0" smtClean="0"/>
-              <a:t>) ist ein </a:t>
-            </a:r>
-            <a:r>
-              <a:rPr lang="de-DE" dirty="0" smtClean="0">
-                <a:hlinkClick r:id="rId23" tooltip="Algorithmus"/>
-              </a:rPr>
-              <a:t>Algorithmus</a:t>
-            </a:r>
-            <a:r>
-              <a:rPr lang="de-DE" dirty="0" smtClean="0"/>
-              <a:t> zur verlustlosen </a:t>
-            </a:r>
-            <a:r>
-              <a:rPr lang="de-DE" dirty="0" smtClean="0">
-                <a:hlinkClick r:id="rId5" tooltip="Datenkompression"/>
-              </a:rPr>
-              <a:t>Datenkompression</a:t>
-            </a:r>
-            <a:r>
-              <a:rPr lang="de-DE" dirty="0" smtClean="0"/>
-              <a:t>. Er wurde von </a:t>
-            </a:r>
-            <a:r>
-              <a:rPr lang="de-DE" dirty="0" smtClean="0">
-                <a:hlinkClick r:id="rId24" tooltip="Phil Katz"/>
-              </a:rPr>
-              <a:t>Phil Katz</a:t>
-            </a:r>
-            <a:r>
-              <a:rPr lang="de-DE" dirty="0" smtClean="0"/>
-              <a:t> für das </a:t>
-            </a:r>
-            <a:r>
-              <a:rPr lang="de-DE" dirty="0" smtClean="0">
-                <a:hlinkClick r:id="rId25" tooltip="ZIP (Dateiformat)"/>
-              </a:rPr>
-              <a:t>ZIP</a:t>
-            </a:r>
-            <a:r>
-              <a:rPr lang="de-DE" dirty="0" smtClean="0"/>
-              <a:t>-Archivformat entwickelt und später der </a:t>
-            </a:r>
-            <a:r>
-              <a:rPr lang="de-DE" dirty="0" smtClean="0">
-                <a:hlinkClick r:id="rId26" tooltip="Gemeinfreiheit"/>
-              </a:rPr>
-              <a:t>Gemeinfreiheit</a:t>
-            </a:r>
-            <a:r>
-              <a:rPr lang="de-DE" dirty="0" smtClean="0"/>
-              <a:t> zugeführt. </a:t>
-            </a:r>
+              <a:t>datenbank-apache-cassandra-a-512231/ </a:t>
+            </a:r>
+          </a:p>
+          <a:p>
             <a:endParaRPr lang="de-DE" dirty="0"/>
           </a:p>
         </p:txBody>
@@ -12132,7 +13446,7 @@
     </p:spTree>
     <p:extLst>
       <p:ext uri="{BB962C8B-B14F-4D97-AF65-F5344CB8AC3E}">
-        <p14:creationId xmlns:p14="http://schemas.microsoft.com/office/powerpoint/2010/main" val="4263509028"/>
+        <p14:creationId xmlns:p14="http://schemas.microsoft.com/office/powerpoint/2010/main" val="2780575703"/>
       </p:ext>
     </p:extLst>
   </p:cSld>
@@ -12187,38 +13501,99 @@
           <a:lstStyle/>
           <a:p>
             <a:r>
-              <a:rPr lang="de-DE" dirty="0" smtClean="0"/>
-              <a:t>https://www.datastax.com/2015/12/storage-engine-30</a:t>
-            </a:r>
-          </a:p>
-          <a:p>
-            <a:r>
-              <a:rPr lang="de-DE" dirty="0" smtClean="0"/>
-              <a:t>Quelle https://www.bigdata-insider.de/</a:t>
-            </a:r>
-          </a:p>
-          <a:p>
-            <a:r>
-              <a:rPr lang="de-DE" dirty="0" smtClean="0"/>
-              <a:t>grundlagen-der-</a:t>
-            </a:r>
-            <a:r>
-              <a:rPr lang="de-DE" dirty="0" err="1" smtClean="0"/>
-              <a:t>nosql</a:t>
-            </a:r>
-            <a:r>
-              <a:rPr lang="de-DE" dirty="0" smtClean="0"/>
-              <a:t>-</a:t>
-            </a:r>
-          </a:p>
-          <a:p>
-            <a:r>
-              <a:rPr lang="de-DE" dirty="0" smtClean="0"/>
-              <a:t>datenbank-apache-cassandra-a-512231/ </a:t>
-            </a:r>
-          </a:p>
-          <a:p>
-            <a:endParaRPr lang="de-DE" dirty="0"/>
+              <a:rPr lang="de-DE" dirty="0"/>
+              <a:t>Dictionary</a:t>
+            </a:r>
+            <a:r>
+              <a:rPr lang="de-DE" baseline="0" dirty="0"/>
+              <a:t> ist eine Komprimierung vom typ light-</a:t>
+            </a:r>
+            <a:r>
+              <a:rPr lang="de-DE" baseline="0" dirty="0" err="1"/>
+              <a:t>weight</a:t>
+            </a:r>
+            <a:r>
+              <a:rPr lang="de-DE" baseline="0" dirty="0"/>
+              <a:t> </a:t>
+            </a:r>
+            <a:r>
+              <a:rPr lang="de-DE" baseline="0" dirty="0" err="1"/>
+              <a:t>komprimierung</a:t>
+            </a:r>
+            <a:r>
+              <a:rPr lang="de-DE" baseline="0" dirty="0"/>
+              <a:t>. </a:t>
+            </a:r>
+          </a:p>
+          <a:p>
+            <a:r>
+              <a:rPr lang="de-DE" baseline="0" dirty="0"/>
+              <a:t>Light </a:t>
+            </a:r>
+            <a:r>
+              <a:rPr lang="de-DE" baseline="0" dirty="0" err="1"/>
+              <a:t>weight</a:t>
+            </a:r>
+            <a:r>
+              <a:rPr lang="de-DE" baseline="0" dirty="0"/>
+              <a:t> bedeutet, dass die daten zwar komprimiert werden, aber noch so dass damit gearbeitet werden kann ohne sie wieder zu dekomprimieren (durch Indexe). </a:t>
+            </a:r>
+          </a:p>
+          <a:p>
+            <a:r>
+              <a:rPr lang="de-DE" baseline="0" dirty="0"/>
+              <a:t>Funktionsweise: Werte mit großer Länge, Speicherbedarf wie Texte werden als Integer Wert gespeichert </a:t>
+            </a:r>
+          </a:p>
+          <a:p>
+            <a:pPr marL="171450" indent="-171450">
+              <a:buFontTx/>
+              <a:buChar char="-"/>
+            </a:pPr>
+            <a:r>
+              <a:rPr lang="de-DE" baseline="0" dirty="0"/>
+              <a:t>Jedem String ein Integer zugeordnet</a:t>
+            </a:r>
+          </a:p>
+          <a:p>
+            <a:pPr marL="171450" indent="-171450">
+              <a:buFontTx/>
+              <a:buChar char="-"/>
+            </a:pPr>
+            <a:r>
+              <a:rPr lang="de-DE" baseline="0" dirty="0"/>
+              <a:t>Integer statt Strings in Attribut Vector gespeichert</a:t>
+            </a:r>
+          </a:p>
+          <a:p>
+            <a:pPr marL="171450" indent="-171450">
+              <a:buFontTx/>
+              <a:buChar char="-"/>
+            </a:pPr>
+            <a:r>
+              <a:rPr lang="de-DE" baseline="0" dirty="0"/>
+              <a:t>Prozessor auf Integer Werte ausgelegt, kann diese schneller verarbeiten</a:t>
+            </a:r>
+          </a:p>
+          <a:p>
+            <a:pPr marL="171450" indent="-171450">
+              <a:buFontTx/>
+              <a:buChar char="-"/>
+            </a:pPr>
+            <a:r>
+              <a:rPr lang="de-DE" baseline="0" dirty="0"/>
+              <a:t>Weiterer Vorteil durch Sortierung (Binärsuche möglich) aber schlecht bei Anfügen von neuen Werten da immer wieder neu sortiert werden muss</a:t>
+            </a:r>
+          </a:p>
+          <a:p>
+            <a:pPr marL="171450" indent="-171450">
+              <a:buFontTx/>
+              <a:buChar char="-"/>
+            </a:pPr>
+            <a:r>
+              <a:rPr lang="de-DE" baseline="0" dirty="0"/>
+              <a:t> </a:t>
+            </a:r>
           </a:p>
         </p:txBody>
       </p:sp>
@@ -12240,7 +13615,7 @@
             <a:fld id="{AB9EDB5D-BD4B-C740-8F6C-B28044BEA9E4}" type="slidenum">
               <a:rPr lang="de-DE" smtClean="0"/>
               <a:pPr/>
-              <a:t>27</a:t>
+              <a:t>29</a:t>
             </a:fld>
             <a:endParaRPr lang="de-DE"/>
           </a:p>
@@ -12249,7 +13624,7 @@
     </p:spTree>
     <p:extLst>
       <p:ext uri="{BB962C8B-B14F-4D97-AF65-F5344CB8AC3E}">
-        <p14:creationId xmlns:p14="http://schemas.microsoft.com/office/powerpoint/2010/main" val="2780575703"/>
+        <p14:creationId xmlns:p14="http://schemas.microsoft.com/office/powerpoint/2010/main" val="3836268537"/>
       </p:ext>
     </p:extLst>
   </p:cSld>
@@ -12305,98 +13680,115 @@
           <a:p>
             <a:r>
               <a:rPr lang="de-DE" dirty="0"/>
-              <a:t>Dictionary</a:t>
+              <a:t>Blade</a:t>
             </a:r>
             <a:r>
               <a:rPr lang="de-DE" baseline="0" dirty="0"/>
-              <a:t> ist eine Komprimierung vom typ light-</a:t>
-            </a:r>
-            <a:r>
-              <a:rPr lang="de-DE" baseline="0" dirty="0" err="1"/>
-              <a:t>weight</a:t>
+              <a:t> ist ein Server der </a:t>
+            </a:r>
+            <a:endParaRPr lang="de-DE" baseline="0" dirty="0" smtClean="0"/>
+          </a:p>
+          <a:p>
+            <a:endParaRPr lang="de-DE" baseline="0" dirty="0" smtClean="0"/>
+          </a:p>
+          <a:p>
+            <a:r>
+              <a:rPr lang="de-DE" baseline="0" dirty="0" smtClean="0"/>
+              <a:t>kompakt </a:t>
             </a:r>
             <a:r>
               <a:rPr lang="de-DE" baseline="0" dirty="0"/>
-              <a:t> </a:t>
-            </a:r>
-            <a:r>
-              <a:rPr lang="de-DE" baseline="0" dirty="0" err="1"/>
-              <a:t>komprimierung</a:t>
-            </a:r>
-            <a:r>
-              <a:rPr lang="de-DE" baseline="0" dirty="0"/>
-              <a:t>. </a:t>
-            </a:r>
-          </a:p>
-          <a:p>
-            <a:r>
-              <a:rPr lang="de-DE" baseline="0" dirty="0"/>
-              <a:t>Light </a:t>
-            </a:r>
-            <a:r>
-              <a:rPr lang="de-DE" baseline="0" dirty="0" err="1"/>
-              <a:t>weight</a:t>
-            </a:r>
-            <a:r>
-              <a:rPr lang="de-DE" baseline="0" dirty="0"/>
-              <a:t> bedeutet, dass die daten zwar komprimiert werden, aber noch so dass damit gearbeitet werden kann ohne sie wieder zu dekomprimieren (durch Indexe). </a:t>
-            </a:r>
-          </a:p>
-          <a:p>
-            <a:r>
-              <a:rPr lang="de-DE" baseline="0" dirty="0"/>
-              <a:t>Funktionsweise: Werte mit großer Länge, Speicherbedarf wie Texte werden als Integer Wert gespeichert </a:t>
-            </a:r>
-          </a:p>
-          <a:p>
-            <a:pPr marL="171450" indent="-171450">
-              <a:buFontTx/>
-              <a:buChar char="-"/>
+              <a:t>gebaut aber sehr leistungsfähig für seine Größe </a:t>
+            </a:r>
+            <a:r>
+              <a:rPr lang="de-DE" baseline="0" dirty="0" smtClean="0"/>
+              <a:t>ist</a:t>
+            </a:r>
+          </a:p>
+          <a:p>
+            <a:endParaRPr lang="de-DE" baseline="0" dirty="0" smtClean="0"/>
+          </a:p>
+          <a:p>
+            <a:r>
+              <a:rPr lang="de-DE" dirty="0" err="1" smtClean="0"/>
+              <a:t>Memcached</a:t>
+            </a:r>
+            <a:r>
+              <a:rPr lang="de-DE" dirty="0" smtClean="0"/>
+              <a:t> Server können zu Cluster verbunden werden</a:t>
+            </a:r>
+          </a:p>
+          <a:p>
+            <a:pPr marL="0" indent="0">
+              <a:buNone/>
             </a:pPr>
-            <a:r>
-              <a:rPr lang="de-DE" baseline="0" dirty="0"/>
-              <a:t>Jedem String ein Integer zugeordnet</a:t>
-            </a:r>
-          </a:p>
-          <a:p>
-            <a:pPr marL="171450" indent="-171450">
-              <a:buFontTx/>
-              <a:buChar char="-"/>
-            </a:pPr>
-            <a:r>
-              <a:rPr lang="de-DE" baseline="0" dirty="0"/>
-              <a:t>Integer statt Strings in Attribut Vector gespeichert</a:t>
-            </a:r>
-          </a:p>
-          <a:p>
-            <a:pPr marL="171450" indent="-171450">
-              <a:buFontTx/>
-              <a:buChar char="-"/>
-            </a:pPr>
-            <a:r>
-              <a:rPr lang="de-DE" baseline="0" dirty="0"/>
-              <a:t>Prozessor auf Integer Werte ausgelegt, kann diese schneller verarbeiten</a:t>
-            </a:r>
-          </a:p>
-          <a:p>
-            <a:pPr marL="171450" indent="-171450">
-              <a:buFontTx/>
-              <a:buChar char="-"/>
-            </a:pPr>
-            <a:r>
-              <a:rPr lang="de-DE" baseline="0" dirty="0"/>
-              <a:t>Weiterer Vorteil durch Sortierung (Binärsuche möglich) aber schlecht bei Anfügen von neuen Werten da immer wieder neu sortiert werden muss</a:t>
-            </a:r>
-          </a:p>
-          <a:p>
-            <a:pPr marL="171450" indent="-171450">
-              <a:buFontTx/>
-              <a:buChar char="-"/>
-            </a:pPr>
-            <a:r>
-              <a:rPr lang="de-DE" baseline="0" dirty="0"/>
-              <a:t> </a:t>
-            </a:r>
+            <a:endParaRPr lang="de-DE" dirty="0" smtClean="0"/>
+          </a:p>
+          <a:p>
+            <a:r>
+              <a:rPr lang="de-DE" dirty="0" smtClean="0"/>
+              <a:t>Jeder Server wird so zu einem Knoten in diesem Cluster</a:t>
+            </a:r>
+          </a:p>
+          <a:p>
+            <a:endParaRPr lang="de-DE" dirty="0" smtClean="0"/>
+          </a:p>
+          <a:p>
+            <a:r>
+              <a:rPr lang="de-DE" dirty="0" smtClean="0"/>
+              <a:t>Die vorgeschalteten Bibliotheken verwalten die Vergabe der Daten an die Knoten</a:t>
+            </a:r>
+          </a:p>
+          <a:p>
+            <a:endParaRPr lang="de-DE" dirty="0" smtClean="0"/>
+          </a:p>
+          <a:p>
+            <a:endParaRPr lang="de-DE" dirty="0" smtClean="0"/>
+          </a:p>
+          <a:p>
+            <a:r>
+              <a:rPr lang="de-DE" kern="0" dirty="0" smtClean="0"/>
+              <a:t>Dazu kann im Programm (z.B.: auf dem Webserver) eine Liste von </a:t>
+            </a:r>
+            <a:r>
+              <a:rPr lang="de-DE" kern="0" dirty="0" err="1" smtClean="0"/>
+              <a:t>IP's</a:t>
+            </a:r>
+            <a:r>
+              <a:rPr lang="de-DE" kern="0" dirty="0" smtClean="0"/>
+              <a:t>, </a:t>
+            </a:r>
+            <a:r>
+              <a:rPr lang="de-DE" kern="0" dirty="0" err="1" smtClean="0"/>
+              <a:t>Port's</a:t>
+            </a:r>
+            <a:r>
+              <a:rPr lang="de-DE" kern="0" dirty="0" smtClean="0"/>
+              <a:t>, User-Daten der beteiligten </a:t>
+            </a:r>
+            <a:r>
+              <a:rPr lang="de-DE" kern="0" dirty="0" err="1" smtClean="0"/>
+              <a:t>Memcached</a:t>
+            </a:r>
+            <a:r>
+              <a:rPr lang="de-DE" kern="0" dirty="0" smtClean="0"/>
+              <a:t> Server angegeben werden</a:t>
+            </a:r>
+          </a:p>
+          <a:p>
+            <a:endParaRPr lang="de-DE" kern="0" dirty="0" smtClean="0"/>
+          </a:p>
+          <a:p>
+            <a:r>
+              <a:rPr lang="de-DE" dirty="0" smtClean="0"/>
+              <a:t>Optimiert RAM Ausnutzung</a:t>
+            </a:r>
+          </a:p>
+          <a:p>
+            <a:endParaRPr lang="de-DE" dirty="0" smtClean="0"/>
+          </a:p>
+          <a:p>
+            <a:endParaRPr lang="de-DE" dirty="0"/>
           </a:p>
         </p:txBody>
       </p:sp>
@@ -12427,7 +13819,7 @@
     </p:spTree>
     <p:extLst>
       <p:ext uri="{BB962C8B-B14F-4D97-AF65-F5344CB8AC3E}">
-        <p14:creationId xmlns:p14="http://schemas.microsoft.com/office/powerpoint/2010/main" val="3836268537"/>
+        <p14:creationId xmlns:p14="http://schemas.microsoft.com/office/powerpoint/2010/main" val="2141518640"/>
       </p:ext>
     </p:extLst>
   </p:cSld>
@@ -12483,115 +13875,16 @@
           <a:p>
             <a:r>
               <a:rPr lang="de-DE" dirty="0"/>
-              <a:t>Blade</a:t>
-            </a:r>
-            <a:r>
-              <a:rPr lang="de-DE" baseline="0" dirty="0"/>
-              <a:t> ist ein Server der </a:t>
-            </a:r>
-            <a:endParaRPr lang="de-DE" baseline="0" dirty="0" smtClean="0"/>
-          </a:p>
-          <a:p>
-            <a:endParaRPr lang="de-DE" baseline="0" dirty="0" smtClean="0"/>
-          </a:p>
-          <a:p>
-            <a:r>
-              <a:rPr lang="de-DE" baseline="0" dirty="0" smtClean="0"/>
-              <a:t>kompakt </a:t>
-            </a:r>
-            <a:r>
-              <a:rPr lang="de-DE" baseline="0" dirty="0"/>
-              <a:t>gebaut aber sehr leistungsfähig für seine Größe </a:t>
-            </a:r>
-            <a:r>
-              <a:rPr lang="de-DE" baseline="0" dirty="0" smtClean="0"/>
-              <a:t>ist</a:t>
-            </a:r>
-          </a:p>
-          <a:p>
-            <a:endParaRPr lang="de-DE" baseline="0" dirty="0" smtClean="0"/>
-          </a:p>
-          <a:p>
-            <a:r>
-              <a:rPr lang="de-DE" dirty="0" err="1" smtClean="0"/>
-              <a:t>Memcached</a:t>
-            </a:r>
-            <a:r>
-              <a:rPr lang="de-DE" dirty="0" smtClean="0"/>
-              <a:t> Server können zu Cluster verbunden werden</a:t>
-            </a:r>
-          </a:p>
-          <a:p>
-            <a:pPr marL="0" indent="0">
-              <a:buNone/>
-            </a:pPr>
-            <a:endParaRPr lang="de-DE" dirty="0" smtClean="0"/>
-          </a:p>
-          <a:p>
-            <a:r>
-              <a:rPr lang="de-DE" dirty="0" smtClean="0"/>
-              <a:t>Jeder Server wird so zu einem Knoten in diesem Cluster</a:t>
-            </a:r>
-          </a:p>
-          <a:p>
-            <a:endParaRPr lang="de-DE" dirty="0" smtClean="0"/>
-          </a:p>
-          <a:p>
-            <a:r>
-              <a:rPr lang="de-DE" dirty="0" smtClean="0"/>
-              <a:t>Die vorgeschalteten Bibliotheken verwalten die Vergabe der Daten an die Knoten</a:t>
-            </a:r>
-          </a:p>
-          <a:p>
-            <a:endParaRPr lang="de-DE" dirty="0" smtClean="0"/>
-          </a:p>
-          <a:p>
-            <a:endParaRPr lang="de-DE" dirty="0" smtClean="0"/>
-          </a:p>
-          <a:p>
-            <a:r>
-              <a:rPr lang="de-DE" kern="0" dirty="0" smtClean="0"/>
-              <a:t>Dazu kann im Programm (z.B.: auf dem Webserver) eine Liste von </a:t>
-            </a:r>
-            <a:r>
-              <a:rPr lang="de-DE" kern="0" dirty="0" err="1" smtClean="0"/>
-              <a:t>IP's</a:t>
-            </a:r>
-            <a:r>
-              <a:rPr lang="de-DE" kern="0" dirty="0" smtClean="0"/>
-              <a:t>, </a:t>
-            </a:r>
-            <a:r>
-              <a:rPr lang="de-DE" kern="0" dirty="0" err="1" smtClean="0"/>
-              <a:t>Port's</a:t>
-            </a:r>
-            <a:r>
-              <a:rPr lang="de-DE" kern="0" dirty="0" smtClean="0"/>
-              <a:t>, User-Daten der beteiligten </a:t>
-            </a:r>
-            <a:r>
-              <a:rPr lang="de-DE" kern="0" dirty="0" err="1" smtClean="0"/>
-              <a:t>Memcached</a:t>
-            </a:r>
-            <a:r>
-              <a:rPr lang="de-DE" kern="0" dirty="0" smtClean="0"/>
-              <a:t> Server angegeben werden</a:t>
-            </a:r>
-          </a:p>
-          <a:p>
-            <a:endParaRPr lang="de-DE" kern="0" dirty="0" smtClean="0"/>
-          </a:p>
-          <a:p>
-            <a:r>
-              <a:rPr lang="de-DE" dirty="0" smtClean="0"/>
-              <a:t>Optimiert RAM Ausnutzung</a:t>
-            </a:r>
-          </a:p>
-          <a:p>
-            <a:endParaRPr lang="de-DE" dirty="0" smtClean="0"/>
-          </a:p>
-          <a:p>
-            <a:endParaRPr lang="de-DE" dirty="0"/>
+              <a:t>Data und Log </a:t>
+            </a:r>
+            <a:r>
+              <a:rPr lang="de-DE" dirty="0" err="1"/>
+              <a:t>Volumes</a:t>
+            </a:r>
+            <a:r>
+              <a:rPr lang="de-DE" dirty="0"/>
+              <a:t> enthalten alle Änderungen der Daten</a:t>
+            </a:r>
           </a:p>
         </p:txBody>
       </p:sp>
@@ -12614,102 +13907,6 @@
               <a:rPr lang="de-DE" smtClean="0"/>
               <a:pPr/>
               <a:t>31</a:t>
-            </a:fld>
-            <a:endParaRPr lang="de-DE"/>
-          </a:p>
-        </p:txBody>
-      </p:sp>
-    </p:spTree>
-    <p:extLst>
-      <p:ext uri="{BB962C8B-B14F-4D97-AF65-F5344CB8AC3E}">
-        <p14:creationId xmlns:p14="http://schemas.microsoft.com/office/powerpoint/2010/main" val="2141518640"/>
-      </p:ext>
-    </p:extLst>
-  </p:cSld>
-  <p:clrMapOvr>
-    <a:masterClrMapping/>
-  </p:clrMapOvr>
-</p:notes>
-</file>
-
-<file path=ppt/notesSlides/notesSlide17.xml><?xml version="1.0" encoding="utf-8"?>
-<p:notes xmlns:a="http://schemas.openxmlformats.org/drawingml/2006/main" xmlns:r="http://schemas.openxmlformats.org/officeDocument/2006/relationships" xmlns:p="http://schemas.openxmlformats.org/presentationml/2006/main">
-  <p:cSld>
-    <p:spTree>
-      <p:nvGrpSpPr>
-        <p:cNvPr id="1" name=""/>
-        <p:cNvGrpSpPr/>
-        <p:nvPr/>
-      </p:nvGrpSpPr>
-      <p:grpSpPr>
-        <a:xfrm>
-          <a:off x="0" y="0"/>
-          <a:ext cx="0" cy="0"/>
-          <a:chOff x="0" y="0"/>
-          <a:chExt cx="0" cy="0"/>
-        </a:xfrm>
-      </p:grpSpPr>
-      <p:sp>
-        <p:nvSpPr>
-          <p:cNvPr id="2" name="Folienbildplatzhalter 1"/>
-          <p:cNvSpPr>
-            <a:spLocks noGrp="1" noRot="1" noChangeAspect="1"/>
-          </p:cNvSpPr>
-          <p:nvPr>
-            <p:ph type="sldImg"/>
-          </p:nvPr>
-        </p:nvSpPr>
-        <p:spPr/>
-      </p:sp>
-      <p:sp>
-        <p:nvSpPr>
-          <p:cNvPr id="3" name="Notizenplatzhalter 2"/>
-          <p:cNvSpPr>
-            <a:spLocks noGrp="1"/>
-          </p:cNvSpPr>
-          <p:nvPr>
-            <p:ph type="body" idx="1"/>
-          </p:nvPr>
-        </p:nvSpPr>
-        <p:spPr/>
-        <p:txBody>
-          <a:bodyPr/>
-          <a:lstStyle/>
-          <a:p>
-            <a:r>
-              <a:rPr lang="de-DE" dirty="0"/>
-              <a:t>Data und Log </a:t>
-            </a:r>
-            <a:r>
-              <a:rPr lang="de-DE" dirty="0" err="1"/>
-              <a:t>Volumes</a:t>
-            </a:r>
-            <a:r>
-              <a:rPr lang="de-DE" dirty="0"/>
-              <a:t> enthalten alle Änderungen der Daten</a:t>
-            </a:r>
-          </a:p>
-        </p:txBody>
-      </p:sp>
-      <p:sp>
-        <p:nvSpPr>
-          <p:cNvPr id="4" name="Foliennummernplatzhalter 3"/>
-          <p:cNvSpPr>
-            <a:spLocks noGrp="1"/>
-          </p:cNvSpPr>
-          <p:nvPr>
-            <p:ph type="sldNum" sz="quarter" idx="10"/>
-          </p:nvPr>
-        </p:nvSpPr>
-        <p:spPr/>
-        <p:txBody>
-          <a:bodyPr/>
-          <a:lstStyle/>
-          <a:p>
-            <a:fld id="{AB9EDB5D-BD4B-C740-8F6C-B28044BEA9E4}" type="slidenum">
-              <a:rPr lang="de-DE" smtClean="0"/>
-              <a:pPr/>
-              <a:t>32</a:t>
             </a:fld>
             <a:endParaRPr lang="de-DE"/>
           </a:p>
@@ -12886,7 +14083,7 @@
             <a:fld id="{AB9EDB5D-BD4B-C740-8F6C-B28044BEA9E4}" type="slidenum">
               <a:rPr lang="de-DE" smtClean="0"/>
               <a:pPr/>
-              <a:t>6</a:t>
+              <a:t>5</a:t>
             </a:fld>
             <a:endParaRPr lang="de-DE"/>
           </a:p>
@@ -13838,7 +15035,18 @@
           <a:bodyPr/>
           <a:lstStyle/>
           <a:p>
-            <a:endParaRPr lang="de-DE" dirty="0"/>
+            <a:r>
+              <a:rPr lang="de-DE" dirty="0"/>
+              <a:t>Data und Log </a:t>
+            </a:r>
+            <a:r>
+              <a:rPr lang="de-DE" dirty="0" err="1"/>
+              <a:t>Volumes</a:t>
+            </a:r>
+            <a:r>
+              <a:rPr lang="de-DE" dirty="0"/>
+              <a:t> enthalten alle Änderungen der Daten</a:t>
+            </a:r>
           </a:p>
         </p:txBody>
       </p:sp>
@@ -13860,7 +15068,7 @@
             <a:fld id="{AB9EDB5D-BD4B-C740-8F6C-B28044BEA9E4}" type="slidenum">
               <a:rPr lang="de-DE" smtClean="0"/>
               <a:pPr/>
-              <a:t>19</a:t>
+              <a:t>18</a:t>
             </a:fld>
             <a:endParaRPr lang="de-DE"/>
           </a:p>
@@ -13869,7 +15077,7 @@
     </p:spTree>
     <p:extLst>
       <p:ext uri="{BB962C8B-B14F-4D97-AF65-F5344CB8AC3E}">
-        <p14:creationId xmlns:p14="http://schemas.microsoft.com/office/powerpoint/2010/main" val="622809926"/>
+        <p14:creationId xmlns:p14="http://schemas.microsoft.com/office/powerpoint/2010/main" val="1366058345"/>
       </p:ext>
     </p:extLst>
   </p:cSld>
@@ -13923,10 +15131,6 @@
           <a:bodyPr/>
           <a:lstStyle/>
           <a:p>
-            <a:r>
-              <a:rPr lang="de-DE" dirty="0" smtClean="0"/>
-              <a:t>Case Sensitiv</a:t>
-            </a:r>
             <a:endParaRPr lang="de-DE" dirty="0"/>
           </a:p>
         </p:txBody>
@@ -13958,7 +15162,7 @@
     </p:spTree>
     <p:extLst>
       <p:ext uri="{BB962C8B-B14F-4D97-AF65-F5344CB8AC3E}">
-        <p14:creationId xmlns:p14="http://schemas.microsoft.com/office/powerpoint/2010/main" val="1972024919"/>
+        <p14:creationId xmlns:p14="http://schemas.microsoft.com/office/powerpoint/2010/main" val="622809926"/>
       </p:ext>
     </p:extLst>
   </p:cSld>
@@ -15167,7 +16371,7 @@
           <p:cNvPr id="4" name="Textfeld 3">
             <a:extLst>
               <a:ext uri="{FF2B5EF4-FFF2-40B4-BE49-F238E27FC236}">
-                <a16:creationId xmlns:a16="http://schemas.microsoft.com/office/drawing/2014/main" xmlns="" id="{55A35DED-7D1A-4C8F-934D-D5CD3FC3279C}"/>
+                <a16:creationId xmlns="" xmlns:a16="http://schemas.microsoft.com/office/drawing/2014/main" id="{55A35DED-7D1A-4C8F-934D-D5CD3FC3279C}"/>
               </a:ext>
             </a:extLst>
           </p:cNvPr>
@@ -15177,7 +16381,7 @@
         <p:spPr>
           <a:xfrm>
             <a:off x="397378" y="1052736"/>
-            <a:ext cx="8892480" cy="3323987"/>
+            <a:ext cx="8892480" cy="4708981"/>
           </a:xfrm>
           <a:prstGeom prst="rect">
             <a:avLst/>
@@ -15211,8 +16415,8 @@
               <a:buChar char="•"/>
             </a:pPr>
             <a:r>
-              <a:rPr lang="de-DE" sz="2000" dirty="0"/>
-              <a:t>Verschieden beständige Tabellen </a:t>
+              <a:rPr lang="de-DE" sz="2000" dirty="0" smtClean="0"/>
+              <a:t>Multiversionsverwaltung </a:t>
             </a:r>
           </a:p>
           <a:p>
@@ -15223,10 +16427,27 @@
               <a:buFont typeface="Arial" panose="020B0604020202020204" pitchFamily="34" charset="0"/>
               <a:buChar char="•"/>
             </a:pPr>
+            <a:endParaRPr lang="de-DE" sz="2000" dirty="0"/>
+          </a:p>
+          <a:p>
+            <a:pPr>
+              <a:lnSpc>
+                <a:spcPct val="150000"/>
+              </a:lnSpc>
+            </a:pPr>
             <a:r>
               <a:rPr lang="de-DE" sz="2000" dirty="0"/>
-              <a:t>Multiversionsverwaltung </a:t>
-            </a:r>
+              <a:t>	</a:t>
+            </a:r>
+            <a:r>
+              <a:rPr lang="de-DE" sz="2000" u="sng" dirty="0" err="1" smtClean="0"/>
+              <a:t>Kompriemierung</a:t>
+            </a:r>
+            <a:r>
+              <a:rPr lang="de-DE" sz="2000" u="sng" dirty="0" smtClean="0"/>
+              <a:t>:</a:t>
+            </a:r>
+            <a:endParaRPr lang="de-DE" sz="2000" u="sng" dirty="0"/>
           </a:p>
           <a:p>
             <a:pPr marL="457200" indent="-457200">
@@ -15238,11 +16459,31 @@
             </a:pPr>
             <a:r>
               <a:rPr lang="de-DE" sz="2000" dirty="0"/>
-              <a:t>Erhebliche Leistungs-, </a:t>
+              <a:t>Datenkomprimierung </a:t>
             </a:r>
             <a:r>
               <a:rPr lang="de-DE" sz="2000" dirty="0" smtClean="0"/>
-              <a:t>Skalierbarkeitsgewinne</a:t>
+              <a:t>bei </a:t>
+            </a:r>
+            <a:r>
+              <a:rPr lang="de-DE" sz="2000" dirty="0"/>
+              <a:t>speicheroptimierten </a:t>
+            </a:r>
+            <a:r>
+              <a:rPr lang="de-DE" sz="2000" dirty="0" smtClean="0"/>
+              <a:t>Tabellen wird </a:t>
+            </a:r>
+            <a:r>
+              <a:rPr lang="de-DE" sz="2000" dirty="0"/>
+              <a:t>nicht </a:t>
+            </a:r>
+            <a:r>
+              <a:rPr lang="de-DE" sz="2000" dirty="0" smtClean="0"/>
+              <a:t>unterstützt (Datenbankgröße wird nicht vermindert</a:t>
+            </a:r>
+            <a:r>
+              <a:rPr lang="de-DE" sz="2000" dirty="0" smtClean="0"/>
+              <a:t>)</a:t>
             </a:r>
           </a:p>
           <a:p>
@@ -15252,25 +16493,16 @@
               </a:lnSpc>
             </a:pPr>
             <a:r>
-              <a:rPr lang="de-DE" sz="2000" dirty="0"/>
-              <a:t> </a:t>
-            </a:r>
-            <a:r>
               <a:rPr lang="de-DE" sz="2000" dirty="0" smtClean="0"/>
-              <a:t>     </a:t>
-            </a:r>
-            <a:r>
-              <a:rPr lang="de-DE" sz="2000" u="sng" dirty="0" err="1" smtClean="0"/>
-              <a:t>Kompriemierung</a:t>
+              <a:t>	</a:t>
             </a:r>
             <a:r>
               <a:rPr lang="de-DE" sz="2000" u="sng" dirty="0" smtClean="0"/>
-              <a:t>:</a:t>
-            </a:r>
-            <a:endParaRPr lang="de-DE" sz="2000" u="sng" dirty="0"/>
-          </a:p>
-          <a:p>
-            <a:pPr marL="457200" indent="-457200">
+              <a:t>Hochverfügbarkeit:</a:t>
+            </a:r>
+          </a:p>
+          <a:p>
+            <a:pPr marL="342900" indent="-342900">
               <a:lnSpc>
                 <a:spcPct val="150000"/>
               </a:lnSpc>
@@ -15278,28 +16510,21 @@
               <a:buChar char="•"/>
             </a:pPr>
             <a:r>
-              <a:rPr lang="de-DE" sz="2000" dirty="0"/>
-              <a:t>Datenkomprimierung </a:t>
-            </a:r>
-            <a:r>
               <a:rPr lang="de-DE" sz="2000" dirty="0" smtClean="0"/>
-              <a:t>bei </a:t>
-            </a:r>
-            <a:r>
-              <a:rPr lang="de-DE" sz="2000" dirty="0"/>
-              <a:t>speicheroptimierten </a:t>
-            </a:r>
+              <a:t>Zwischenspeicherung erfolgt in Dateigruppen</a:t>
+            </a:r>
+          </a:p>
+          <a:p>
+            <a:pPr marL="342900" indent="-342900">
+              <a:lnSpc>
+                <a:spcPct val="150000"/>
+              </a:lnSpc>
+              <a:buFont typeface="Arial" panose="020B0604020202020204" pitchFamily="34" charset="0"/>
+              <a:buChar char="•"/>
+            </a:pPr>
             <a:r>
               <a:rPr lang="de-DE" sz="2000" dirty="0" smtClean="0"/>
-              <a:t>Tabellen wird </a:t>
-            </a:r>
-            <a:r>
-              <a:rPr lang="de-DE" sz="2000" dirty="0"/>
-              <a:t>nicht </a:t>
-            </a:r>
-            <a:r>
-              <a:rPr lang="de-DE" sz="2000" dirty="0" smtClean="0"/>
-              <a:t>unterstützt (Datenbankgröße wird nicht vermindert)</a:t>
+              <a:t>Bei z.B. Stromausfall ist außer bei einer laufenden Transaktion alles gesichert</a:t>
             </a:r>
             <a:endParaRPr lang="de-DE" sz="2000" dirty="0"/>
           </a:p>
@@ -16262,6 +17487,7 @@
               <a:rPr lang="de-DE" sz="1800" dirty="0" smtClean="0"/>
               <a:t>Änderungsdateien</a:t>
             </a:r>
+            <a:endParaRPr lang="de-DE" sz="1800" dirty="0" smtClean="0"/>
           </a:p>
           <a:p>
             <a:r>
@@ -17739,8 +18965,13 @@
             </a:r>
             <a:r>
               <a:rPr lang="de-DE" dirty="0"/>
-              <a:t>– Export als Flatfile 1</a:t>
-            </a:r>
+              <a:t>– Export als </a:t>
+            </a:r>
+            <a:r>
+              <a:rPr lang="de-DE" dirty="0" smtClean="0"/>
+              <a:t>Flatfile</a:t>
+            </a:r>
+            <a:endParaRPr lang="de-DE" dirty="0"/>
           </a:p>
         </p:txBody>
       </p:sp>
@@ -18278,13 +19509,8 @@
             <a:pPr lvl="1"/>
             <a:r>
               <a:rPr lang="de-DE" dirty="0"/>
-              <a:t>Teilweise kein </a:t>
-            </a:r>
-            <a:r>
-              <a:rPr lang="de-DE"/>
-              <a:t>direkter Zugriff </a:t>
-            </a:r>
-            <a:endParaRPr lang="de-DE" dirty="0"/>
+              <a:t>Teilweise kein direkter Zugriff </a:t>
+            </a:r>
           </a:p>
         </p:txBody>
       </p:sp>
@@ -18526,6 +19752,191 @@
 </file>
 
 <file path=ppt/slides/slide18.xml><?xml version="1.0" encoding="utf-8"?>
+<p:sld xmlns:a="http://schemas.openxmlformats.org/drawingml/2006/main" xmlns:r="http://schemas.openxmlformats.org/officeDocument/2006/relationships" xmlns:p="http://schemas.openxmlformats.org/presentationml/2006/main">
+  <p:cSld>
+    <p:spTree>
+      <p:nvGrpSpPr>
+        <p:cNvPr id="1" name=""/>
+        <p:cNvGrpSpPr/>
+        <p:nvPr/>
+      </p:nvGrpSpPr>
+      <p:grpSpPr>
+        <a:xfrm>
+          <a:off x="0" y="0"/>
+          <a:ext cx="0" cy="0"/>
+          <a:chOff x="0" y="0"/>
+          <a:chExt cx="0" cy="0"/>
+        </a:xfrm>
+      </p:grpSpPr>
+      <p:sp>
+        <p:nvSpPr>
+          <p:cNvPr id="2" name="Inhaltsplatzhalter 1"/>
+          <p:cNvSpPr>
+            <a:spLocks noGrp="1"/>
+          </p:cNvSpPr>
+          <p:nvPr>
+            <p:ph idx="1"/>
+          </p:nvPr>
+        </p:nvSpPr>
+        <p:spPr/>
+        <p:txBody>
+          <a:bodyPr/>
+          <a:lstStyle/>
+          <a:p>
+            <a:r>
+              <a:rPr lang="de-DE" dirty="0"/>
+              <a:t>Storage Replication (Spiegelung der Speicherarchitektur)</a:t>
+            </a:r>
+          </a:p>
+          <a:p>
+            <a:r>
+              <a:rPr lang="de-DE" dirty="0"/>
+              <a:t>Host Auto-</a:t>
+            </a:r>
+            <a:r>
+              <a:rPr lang="de-DE" dirty="0" err="1"/>
+              <a:t>Failure</a:t>
+            </a:r>
+            <a:r>
+              <a:rPr lang="de-DE" dirty="0"/>
+              <a:t> (Data- und Log-</a:t>
+            </a:r>
+            <a:r>
+              <a:rPr lang="de-DE" dirty="0" err="1"/>
+              <a:t>Volumes</a:t>
+            </a:r>
+            <a:r>
+              <a:rPr lang="de-DE" dirty="0"/>
+              <a:t> werden von einem Hot Standby-System übernommen)</a:t>
+            </a:r>
+          </a:p>
+          <a:p>
+            <a:r>
+              <a:rPr lang="de-DE" dirty="0"/>
+              <a:t>SAP HANA System Replication (Permanente Replikation der Daten auf Sekundäres System)</a:t>
+            </a:r>
+          </a:p>
+          <a:p>
+            <a:endParaRPr lang="de-DE" dirty="0"/>
+          </a:p>
+          <a:p>
+            <a:pPr marL="0" indent="0">
+              <a:buNone/>
+            </a:pPr>
+            <a:r>
+              <a:rPr lang="de-DE" dirty="0"/>
+              <a:t>Wie schützt sich die </a:t>
+            </a:r>
+            <a:r>
+              <a:rPr lang="de-DE" dirty="0" err="1"/>
+              <a:t>InMemory</a:t>
+            </a:r>
+            <a:r>
+              <a:rPr lang="de-DE" dirty="0"/>
+              <a:t> Datenbank vor z.B. Stromausfällen?</a:t>
+            </a:r>
+          </a:p>
+          <a:p>
+            <a:r>
+              <a:rPr lang="de-DE" dirty="0"/>
+              <a:t>Data- und Log-</a:t>
+            </a:r>
+            <a:r>
+              <a:rPr lang="de-DE" dirty="0" err="1"/>
+              <a:t>Volumes</a:t>
+            </a:r>
+            <a:r>
+              <a:rPr lang="de-DE" dirty="0"/>
+              <a:t> werden auf der Festplatte gespeichert</a:t>
+            </a:r>
+          </a:p>
+          <a:p>
+            <a:endParaRPr lang="de-DE" dirty="0"/>
+          </a:p>
+          <a:p>
+            <a:endParaRPr lang="de-DE" dirty="0"/>
+          </a:p>
+        </p:txBody>
+      </p:sp>
+      <p:sp>
+        <p:nvSpPr>
+          <p:cNvPr id="3" name="Titel 2"/>
+          <p:cNvSpPr>
+            <a:spLocks noGrp="1"/>
+          </p:cNvSpPr>
+          <p:nvPr>
+            <p:ph type="title"/>
+          </p:nvPr>
+        </p:nvSpPr>
+        <p:spPr/>
+        <p:txBody>
+          <a:bodyPr/>
+          <a:lstStyle/>
+          <a:p>
+            <a:r>
+              <a:rPr lang="de-DE" dirty="0"/>
+              <a:t>SAP HANA - Hochverfügbarkeit</a:t>
+            </a:r>
+          </a:p>
+        </p:txBody>
+      </p:sp>
+      <p:sp>
+        <p:nvSpPr>
+          <p:cNvPr id="4" name="Textfeld 3"/>
+          <p:cNvSpPr txBox="1"/>
+          <p:nvPr/>
+        </p:nvSpPr>
+        <p:spPr>
+          <a:xfrm>
+            <a:off x="432000" y="6309320"/>
+            <a:ext cx="713657" cy="215444"/>
+          </a:xfrm>
+          <a:prstGeom prst="rect">
+            <a:avLst/>
+          </a:prstGeom>
+          <a:noFill/>
+        </p:spPr>
+        <p:txBody>
+          <a:bodyPr wrap="none" rtlCol="0">
+            <a:spAutoFit/>
+          </a:bodyPr>
+          <a:lstStyle/>
+          <a:p>
+            <a:r>
+              <a:rPr lang="de-DE" sz="800" dirty="0">
+                <a:solidFill>
+                  <a:schemeClr val="tx1">
+                    <a:lumMod val="50000"/>
+                    <a:lumOff val="50000"/>
+                  </a:schemeClr>
+                </a:solidFill>
+              </a:rPr>
+              <a:t>Quellen: 3  </a:t>
+            </a:r>
+          </a:p>
+        </p:txBody>
+      </p:sp>
+    </p:spTree>
+    <p:extLst>
+      <p:ext uri="{BB962C8B-B14F-4D97-AF65-F5344CB8AC3E}">
+        <p14:creationId xmlns:p14="http://schemas.microsoft.com/office/powerpoint/2010/main" val="995949771"/>
+      </p:ext>
+    </p:extLst>
+  </p:cSld>
+  <p:clrMapOvr>
+    <a:masterClrMapping/>
+  </p:clrMapOvr>
+  <p:timing>
+    <p:tnLst>
+      <p:par>
+        <p:cTn id="1" dur="indefinite" restart="never" nodeType="tmRoot"/>
+      </p:par>
+    </p:tnLst>
+  </p:timing>
+</p:sld>
+</file>
+
+<file path=ppt/slides/slide19.xml><?xml version="1.0" encoding="utf-8"?>
 <p:sld xmlns:a="http://schemas.openxmlformats.org/drawingml/2006/main" xmlns:r="http://schemas.openxmlformats.org/officeDocument/2006/relationships" xmlns:p="http://schemas.openxmlformats.org/presentationml/2006/main">
   <p:cSld>
     <p:spTree>
@@ -18683,136 +20094,6 @@
 </p:sld>
 </file>
 
-<file path=ppt/slides/slide19.xml><?xml version="1.0" encoding="utf-8"?>
-<p:sld xmlns:a="http://schemas.openxmlformats.org/drawingml/2006/main" xmlns:r="http://schemas.openxmlformats.org/officeDocument/2006/relationships" xmlns:p="http://schemas.openxmlformats.org/presentationml/2006/main">
-  <p:cSld>
-    <p:spTree>
-      <p:nvGrpSpPr>
-        <p:cNvPr id="1" name=""/>
-        <p:cNvGrpSpPr/>
-        <p:nvPr/>
-      </p:nvGrpSpPr>
-      <p:grpSpPr>
-        <a:xfrm>
-          <a:off x="0" y="0"/>
-          <a:ext cx="0" cy="0"/>
-          <a:chOff x="0" y="0"/>
-          <a:chExt cx="0" cy="0"/>
-        </a:xfrm>
-      </p:grpSpPr>
-      <p:sp>
-        <p:nvSpPr>
-          <p:cNvPr id="2" name="Diagrammplatzhalter 1"/>
-          <p:cNvSpPr>
-            <a:spLocks noGrp="1"/>
-          </p:cNvSpPr>
-          <p:nvPr>
-            <p:ph type="chart" idx="1"/>
-          </p:nvPr>
-        </p:nvSpPr>
-        <p:spPr/>
-      </p:sp>
-      <p:sp>
-        <p:nvSpPr>
-          <p:cNvPr id="3" name="Titel 2"/>
-          <p:cNvSpPr>
-            <a:spLocks noGrp="1"/>
-          </p:cNvSpPr>
-          <p:nvPr>
-            <p:ph type="title"/>
-          </p:nvPr>
-        </p:nvSpPr>
-        <p:spPr/>
-        <p:txBody>
-          <a:bodyPr/>
-          <a:lstStyle/>
-          <a:p>
-            <a:endParaRPr lang="de-DE"/>
-          </a:p>
-        </p:txBody>
-      </p:sp>
-      <p:pic>
-        <p:nvPicPr>
-          <p:cNvPr id="5" name="Grafik 4" descr="Bildschirmausschnitt"/>
-          <p:cNvPicPr>
-            <a:picLocks noChangeAspect="1"/>
-          </p:cNvPicPr>
-          <p:nvPr/>
-        </p:nvPicPr>
-        <p:blipFill>
-          <a:blip r:embed="rId3">
-            <a:extLst>
-              <a:ext uri="{28A0092B-C50C-407E-A947-70E740481C1C}">
-                <a14:useLocalDpi xmlns:a14="http://schemas.microsoft.com/office/drawing/2010/main" val="0"/>
-              </a:ext>
-            </a:extLst>
-          </a:blip>
-          <a:stretch>
-            <a:fillRect/>
-          </a:stretch>
-        </p:blipFill>
-        <p:spPr>
-          <a:xfrm>
-            <a:off x="0" y="-1"/>
-            <a:ext cx="5870106" cy="4509121"/>
-          </a:xfrm>
-          <a:prstGeom prst="rect">
-            <a:avLst/>
-          </a:prstGeom>
-        </p:spPr>
-      </p:pic>
-      <p:sp>
-        <p:nvSpPr>
-          <p:cNvPr id="6" name="Inhaltsplatzhalter 1"/>
-          <p:cNvSpPr>
-            <a:spLocks noGrp="1"/>
-          </p:cNvSpPr>
-          <p:nvPr>
-            <p:ph idx="1"/>
-          </p:nvPr>
-        </p:nvSpPr>
-        <p:spPr>
-          <a:xfrm>
-            <a:off x="1446453" y="2277057"/>
-            <a:ext cx="7751253" cy="4904928"/>
-          </a:xfrm>
-        </p:spPr>
-        <p:txBody>
-          <a:bodyPr/>
-          <a:lstStyle/>
-          <a:p>
-            <a:pPr marL="0" indent="0">
-              <a:buNone/>
-            </a:pPr>
-            <a:endParaRPr lang="de-DE" sz="1600" dirty="0">
-              <a:solidFill>
-                <a:srgbClr val="3F5FBF"/>
-              </a:solidFill>
-              <a:latin typeface="Courier New" panose="02070309020205020404" pitchFamily="49" charset="0"/>
-            </a:endParaRPr>
-          </a:p>
-        </p:txBody>
-      </p:sp>
-    </p:spTree>
-    <p:extLst>
-      <p:ext uri="{BB962C8B-B14F-4D97-AF65-F5344CB8AC3E}">
-        <p14:creationId xmlns:p14="http://schemas.microsoft.com/office/powerpoint/2010/main" val="434654067"/>
-      </p:ext>
-    </p:extLst>
-  </p:cSld>
-  <p:clrMapOvr>
-    <a:masterClrMapping/>
-  </p:clrMapOvr>
-  <p:timing>
-    <p:tnLst>
-      <p:par>
-        <p:cTn id="1" dur="indefinite" restart="never" nodeType="tmRoot"/>
-      </p:par>
-    </p:tnLst>
-  </p:timing>
-</p:sld>
-</file>
-
 <file path=ppt/slides/slide2.xml><?xml version="1.0" encoding="utf-8"?>
 <p:sld xmlns:a="http://schemas.openxmlformats.org/drawingml/2006/main" xmlns:r="http://schemas.openxmlformats.org/officeDocument/2006/relationships" xmlns:p="http://schemas.openxmlformats.org/presentationml/2006/main">
   <p:cSld>
@@ -18832,20 +20113,93 @@
       </p:grpSpPr>
       <p:sp>
         <p:nvSpPr>
-          <p:cNvPr id="2" name="Diagrammplatzhalter 1"/>
+          <p:cNvPr id="2" name="Inhaltsplatzhalter 1"/>
           <p:cNvSpPr>
             <a:spLocks noGrp="1"/>
           </p:cNvSpPr>
           <p:nvPr>
-            <p:ph type="chart" idx="1"/>
+            <p:ph idx="1"/>
           </p:nvPr>
         </p:nvSpPr>
-        <p:spPr>
-          <a:xfrm>
-            <a:off x="432000" y="980728"/>
-            <a:ext cx="8244456" cy="5256584"/>
-          </a:xfrm>
-        </p:spPr>
+        <p:spPr/>
+        <p:txBody>
+          <a:bodyPr/>
+          <a:lstStyle/>
+          <a:p>
+            <a:pPr marL="0" indent="0">
+              <a:buNone/>
+            </a:pPr>
+            <a:r>
+              <a:rPr lang="de-DE" dirty="0" smtClean="0"/>
+              <a:t>Zeilenorientiert (klassisch):</a:t>
+            </a:r>
+            <a:endParaRPr lang="de-DE" dirty="0"/>
+          </a:p>
+          <a:p>
+            <a:pPr marL="0" indent="0">
+              <a:buNone/>
+            </a:pPr>
+            <a:endParaRPr lang="de-DE" dirty="0"/>
+          </a:p>
+          <a:p>
+            <a:pPr marL="0" indent="0">
+              <a:buNone/>
+            </a:pPr>
+            <a:endParaRPr lang="de-DE" dirty="0"/>
+          </a:p>
+          <a:p>
+            <a:pPr marL="0" indent="0">
+              <a:buNone/>
+            </a:pPr>
+            <a:r>
+              <a:rPr lang="de-DE" dirty="0" smtClean="0"/>
+              <a:t>Spaltenorientiert (In Memory):</a:t>
+            </a:r>
+            <a:endParaRPr lang="de-DE" dirty="0"/>
+          </a:p>
+          <a:p>
+            <a:pPr marL="0" indent="0">
+              <a:buNone/>
+            </a:pPr>
+            <a:endParaRPr lang="de-DE" dirty="0"/>
+          </a:p>
+          <a:p>
+            <a:pPr marL="0" indent="0">
+              <a:buNone/>
+            </a:pPr>
+            <a:endParaRPr lang="de-DE" dirty="0"/>
+          </a:p>
+          <a:p>
+            <a:pPr marL="0" indent="0">
+              <a:buNone/>
+            </a:pPr>
+            <a:endParaRPr lang="de-DE" dirty="0"/>
+          </a:p>
+          <a:p>
+            <a:pPr marL="0" indent="0">
+              <a:buNone/>
+            </a:pPr>
+            <a:endParaRPr lang="de-DE" dirty="0"/>
+          </a:p>
+          <a:p>
+            <a:pPr marL="0" indent="0">
+              <a:buNone/>
+            </a:pPr>
+            <a:endParaRPr lang="de-DE" dirty="0"/>
+          </a:p>
+          <a:p>
+            <a:pPr marL="0" indent="0">
+              <a:buNone/>
+            </a:pPr>
+            <a:endParaRPr lang="de-DE" dirty="0"/>
+          </a:p>
+          <a:p>
+            <a:pPr marL="0" indent="0">
+              <a:buNone/>
+            </a:pPr>
+            <a:endParaRPr lang="de-DE" dirty="0"/>
+          </a:p>
+        </p:txBody>
       </p:sp>
       <p:sp>
         <p:nvSpPr>
@@ -18863,7 +20217,7 @@
           <a:lstStyle/>
           <a:p>
             <a:r>
-              <a:rPr lang="de-DE" dirty="0" smtClean="0"/>
+              <a:rPr lang="de-DE" dirty="0"/>
               <a:t>Was sind In-Memory-Datenbanken?</a:t>
             </a:r>
             <a:endParaRPr lang="de-DE" dirty="0"/>
@@ -18892,8 +20246,38 @@
         </p:blipFill>
         <p:spPr>
           <a:xfrm>
-            <a:off x="432000" y="1052736"/>
-            <a:ext cx="7632848" cy="4881923"/>
+            <a:off x="441473" y="1556792"/>
+            <a:ext cx="4829849" cy="342948"/>
+          </a:xfrm>
+          <a:prstGeom prst="rect">
+            <a:avLst/>
+          </a:prstGeom>
+        </p:spPr>
+      </p:pic>
+      <p:pic>
+        <p:nvPicPr>
+          <p:cNvPr id="5" name="Grafik 4"/>
+          <p:cNvPicPr>
+            <a:picLocks noChangeAspect="1"/>
+          </p:cNvPicPr>
+          <p:nvPr/>
+        </p:nvPicPr>
+        <p:blipFill>
+          <a:blip r:embed="rId3">
+            <a:extLst>
+              <a:ext uri="{28A0092B-C50C-407E-A947-70E740481C1C}">
+                <a14:useLocalDpi xmlns:a14="http://schemas.microsoft.com/office/drawing/2010/main" val="0"/>
+              </a:ext>
+            </a:extLst>
+          </a:blip>
+          <a:stretch>
+            <a:fillRect/>
+          </a:stretch>
+        </p:blipFill>
+        <p:spPr>
+          <a:xfrm>
+            <a:off x="432000" y="2740635"/>
+            <a:ext cx="4734586" cy="314369"/>
           </a:xfrm>
           <a:prstGeom prst="rect">
             <a:avLst/>
@@ -18909,7 +20293,7 @@
         <p:spPr>
           <a:xfrm>
             <a:off x="432000" y="6309320"/>
-            <a:ext cx="655949" cy="215444"/>
+            <a:ext cx="655949" cy="338554"/>
           </a:xfrm>
           <a:prstGeom prst="rect">
             <a:avLst/>
@@ -18931,15 +20315,102 @@
                   </a:schemeClr>
                 </a:solidFill>
               </a:rPr>
-              <a:t>Quellen: 1</a:t>
-            </a:r>
+              <a:t>Quellen: 7</a:t>
+            </a:r>
+          </a:p>
+          <a:p>
+            <a:r>
+              <a:rPr lang="de-DE" sz="800" dirty="0">
+                <a:solidFill>
+                  <a:schemeClr val="tx1">
+                    <a:lumMod val="50000"/>
+                    <a:lumOff val="50000"/>
+                  </a:schemeClr>
+                </a:solidFill>
+              </a:rPr>
+              <a:t>  </a:t>
+            </a:r>
+          </a:p>
+        </p:txBody>
+      </p:sp>
+      <p:pic>
+        <p:nvPicPr>
+          <p:cNvPr id="7" name="Grafik 6"/>
+          <p:cNvPicPr>
+            <a:picLocks noChangeAspect="1"/>
+          </p:cNvPicPr>
+          <p:nvPr/>
+        </p:nvPicPr>
+        <p:blipFill>
+          <a:blip r:embed="rId4">
+            <a:extLst>
+              <a:ext uri="{28A0092B-C50C-407E-A947-70E740481C1C}">
+                <a14:useLocalDpi xmlns:a14="http://schemas.microsoft.com/office/drawing/2010/main" val="0"/>
+              </a:ext>
+            </a:extLst>
+          </a:blip>
+          <a:stretch>
+            <a:fillRect/>
+          </a:stretch>
+        </p:blipFill>
+        <p:spPr>
+          <a:xfrm>
+            <a:off x="441473" y="3288824"/>
+            <a:ext cx="4356944" cy="2786675"/>
+          </a:xfrm>
+          <a:prstGeom prst="rect">
+            <a:avLst/>
+          </a:prstGeom>
+        </p:spPr>
+      </p:pic>
+      <p:sp>
+        <p:nvSpPr>
+          <p:cNvPr id="8" name="Textfeld 7"/>
+          <p:cNvSpPr txBox="1"/>
+          <p:nvPr/>
+        </p:nvSpPr>
+        <p:spPr>
+          <a:xfrm>
+            <a:off x="4932040" y="3281292"/>
+            <a:ext cx="3977414" cy="1631216"/>
+          </a:xfrm>
+          <a:prstGeom prst="rect">
+            <a:avLst/>
+          </a:prstGeom>
+          <a:noFill/>
+        </p:spPr>
+        <p:txBody>
+          <a:bodyPr wrap="square" rtlCol="0">
+            <a:spAutoFit/>
+          </a:bodyPr>
+          <a:lstStyle/>
+          <a:p>
+            <a:pPr marL="342900" indent="-342900">
+              <a:buFont typeface="Arial" panose="020B0604020202020204" pitchFamily="34" charset="0"/>
+              <a:buChar char="•"/>
+            </a:pPr>
+            <a:r>
+              <a:rPr lang="de-DE" sz="2000" dirty="0" smtClean="0"/>
+              <a:t>Speicherung erfolgt im Arbeitsspeicher und nicht auf der Festplatte</a:t>
+            </a:r>
+          </a:p>
+          <a:p>
+            <a:pPr marL="342900" indent="-342900">
+              <a:buFont typeface="Arial" panose="020B0604020202020204" pitchFamily="34" charset="0"/>
+              <a:buChar char="•"/>
+            </a:pPr>
+            <a:r>
+              <a:rPr lang="de-DE" sz="2000" dirty="0" smtClean="0"/>
+              <a:t>Bessere Zugriffszeiten und schnellere Verarbeitungen </a:t>
+            </a:r>
+            <a:endParaRPr lang="de-DE" sz="2000" dirty="0"/>
           </a:p>
         </p:txBody>
       </p:sp>
     </p:spTree>
     <p:extLst>
       <p:ext uri="{BB962C8B-B14F-4D97-AF65-F5344CB8AC3E}">
-        <p14:creationId xmlns:p14="http://schemas.microsoft.com/office/powerpoint/2010/main" val="3023725277"/>
+        <p14:creationId xmlns:p14="http://schemas.microsoft.com/office/powerpoint/2010/main" val="889318906"/>
       </p:ext>
     </p:extLst>
   </p:cSld>
@@ -18988,23 +20459,50 @@
           <a:bodyPr/>
           <a:lstStyle/>
           <a:p>
-            <a:r>
-              <a:rPr lang="de-DE" dirty="0"/>
-              <a:t>SAP HANA - Create Table Beispiel</a:t>
-            </a:r>
+            <a:endParaRPr lang="de-DE"/>
           </a:p>
         </p:txBody>
       </p:sp>
+      <p:pic>
+        <p:nvPicPr>
+          <p:cNvPr id="5" name="Grafik 4" descr="Bildschirmausschnitt"/>
+          <p:cNvPicPr>
+            <a:picLocks noChangeAspect="1"/>
+          </p:cNvPicPr>
+          <p:nvPr/>
+        </p:nvPicPr>
+        <p:blipFill>
+          <a:blip r:embed="rId3">
+            <a:extLst>
+              <a:ext uri="{28A0092B-C50C-407E-A947-70E740481C1C}">
+                <a14:useLocalDpi xmlns:a14="http://schemas.microsoft.com/office/drawing/2010/main" val="0"/>
+              </a:ext>
+            </a:extLst>
+          </a:blip>
+          <a:stretch>
+            <a:fillRect/>
+          </a:stretch>
+        </p:blipFill>
+        <p:spPr>
+          <a:xfrm>
+            <a:off x="-29710" y="713401"/>
+            <a:ext cx="5321790" cy="4087932"/>
+          </a:xfrm>
+          <a:prstGeom prst="rect">
+            <a:avLst/>
+          </a:prstGeom>
+        </p:spPr>
+      </p:pic>
       <p:sp>
         <p:nvSpPr>
-          <p:cNvPr id="4" name="Textfeld 3"/>
+          <p:cNvPr id="7" name="Textfeld 6"/>
           <p:cNvSpPr txBox="1"/>
           <p:nvPr/>
         </p:nvSpPr>
         <p:spPr>
           <a:xfrm>
-            <a:off x="432000" y="6309320"/>
-            <a:ext cx="627095" cy="215444"/>
+            <a:off x="2631185" y="4941168"/>
+            <a:ext cx="6186309" cy="1631216"/>
           </a:xfrm>
           <a:prstGeom prst="rect">
             <a:avLst/>
@@ -19018,42 +20516,264 @@
           <a:lstStyle/>
           <a:p>
             <a:r>
-              <a:rPr lang="de-DE" sz="800" dirty="0">
+              <a:rPr lang="de-DE" sz="2000" b="1" dirty="0">
                 <a:solidFill>
-                  <a:schemeClr val="tx1">
-                    <a:lumMod val="50000"/>
-                    <a:lumOff val="50000"/>
-                  </a:schemeClr>
+                  <a:srgbClr val="7F0055"/>
                 </a:solidFill>
+                <a:latin typeface="Courier New" panose="02070309020205020404" pitchFamily="49" charset="0"/>
               </a:rPr>
-              <a:t>Quellen:  </a:t>
-            </a:r>
-          </a:p>
-        </p:txBody>
-      </p:sp>
-      <p:sp>
-        <p:nvSpPr>
-          <p:cNvPr id="5" name="Inhaltsplatzhalter 4"/>
-          <p:cNvSpPr>
-            <a:spLocks noGrp="1"/>
-          </p:cNvSpPr>
-          <p:nvPr>
-            <p:ph idx="1"/>
-          </p:nvPr>
-        </p:nvSpPr>
-        <p:spPr/>
-        <p:txBody>
-          <a:bodyPr/>
-          <a:lstStyle/>
-          <a:p>
-            <a:endParaRPr lang="de-DE"/>
+              <a:t>CREATE</a:t>
+            </a:r>
+            <a:r>
+              <a:rPr lang="de-DE" sz="2000" b="1" dirty="0">
+                <a:solidFill>
+                  <a:srgbClr val="000000"/>
+                </a:solidFill>
+                <a:latin typeface="Courier New" panose="02070309020205020404" pitchFamily="49" charset="0"/>
+              </a:rPr>
+              <a:t> </a:t>
+            </a:r>
+            <a:r>
+              <a:rPr lang="de-DE" sz="2000" b="1" dirty="0">
+                <a:solidFill>
+                  <a:srgbClr val="7F0055"/>
+                </a:solidFill>
+                <a:latin typeface="Courier New" panose="02070309020205020404" pitchFamily="49" charset="0"/>
+              </a:rPr>
+              <a:t>TABLE</a:t>
+            </a:r>
+            <a:r>
+              <a:rPr lang="de-DE" sz="2000" b="1" dirty="0">
+                <a:solidFill>
+                  <a:srgbClr val="000000"/>
+                </a:solidFill>
+                <a:latin typeface="Courier New" panose="02070309020205020404" pitchFamily="49" charset="0"/>
+              </a:rPr>
+              <a:t> </a:t>
+            </a:r>
+            <a:r>
+              <a:rPr lang="de-DE" sz="2000" b="1" dirty="0">
+                <a:solidFill>
+                  <a:srgbClr val="2A00FF"/>
+                </a:solidFill>
+                <a:latin typeface="Courier New" panose="02070309020205020404" pitchFamily="49" charset="0"/>
+              </a:rPr>
+              <a:t>"</a:t>
+            </a:r>
+            <a:r>
+              <a:rPr lang="de-DE" sz="2000" b="1" dirty="0" err="1">
+                <a:solidFill>
+                  <a:srgbClr val="2A00FF"/>
+                </a:solidFill>
+                <a:latin typeface="Courier New" panose="02070309020205020404" pitchFamily="49" charset="0"/>
+              </a:rPr>
+              <a:t>XSA_ADMIN"</a:t>
+            </a:r>
+            <a:r>
+              <a:rPr lang="de-DE" sz="2000" b="1" dirty="0" err="1">
+                <a:solidFill>
+                  <a:srgbClr val="000000"/>
+                </a:solidFill>
+                <a:latin typeface="Courier New" panose="02070309020205020404" pitchFamily="49" charset="0"/>
+              </a:rPr>
+              <a:t>.</a:t>
+            </a:r>
+            <a:r>
+              <a:rPr lang="de-DE" sz="2000" b="1" dirty="0" err="1">
+                <a:solidFill>
+                  <a:srgbClr val="2A00FF"/>
+                </a:solidFill>
+                <a:latin typeface="Courier New" panose="02070309020205020404" pitchFamily="49" charset="0"/>
+              </a:rPr>
+              <a:t>"Bestellung</a:t>
+            </a:r>
+            <a:r>
+              <a:rPr lang="de-DE" sz="2000" b="1" dirty="0">
+                <a:solidFill>
+                  <a:srgbClr val="2A00FF"/>
+                </a:solidFill>
+                <a:latin typeface="Courier New" panose="02070309020205020404" pitchFamily="49" charset="0"/>
+              </a:rPr>
+              <a:t>"</a:t>
+            </a:r>
+            <a:r>
+              <a:rPr lang="de-DE" sz="2000" b="1" dirty="0">
+                <a:solidFill>
+                  <a:srgbClr val="000000"/>
+                </a:solidFill>
+                <a:latin typeface="Courier New" panose="02070309020205020404" pitchFamily="49" charset="0"/>
+              </a:rPr>
+              <a:t> {</a:t>
+            </a:r>
+          </a:p>
+          <a:p>
+            <a:r>
+              <a:rPr lang="de-DE" sz="2000" dirty="0" err="1">
+                <a:solidFill>
+                  <a:srgbClr val="000000"/>
+                </a:solidFill>
+                <a:latin typeface="Courier New" panose="02070309020205020404" pitchFamily="49" charset="0"/>
+              </a:rPr>
+              <a:t>Bestellnr</a:t>
+            </a:r>
+            <a:r>
+              <a:rPr lang="de-DE" sz="2000" dirty="0">
+                <a:solidFill>
+                  <a:srgbClr val="000000"/>
+                </a:solidFill>
+                <a:latin typeface="Courier New" panose="02070309020205020404" pitchFamily="49" charset="0"/>
+              </a:rPr>
+              <a:t> </a:t>
+            </a:r>
+            <a:r>
+              <a:rPr lang="de-DE" sz="2000" b="1" dirty="0">
+                <a:solidFill>
+                  <a:srgbClr val="000080"/>
+                </a:solidFill>
+                <a:latin typeface="Courier New" panose="02070309020205020404" pitchFamily="49" charset="0"/>
+              </a:rPr>
+              <a:t>integer</a:t>
+            </a:r>
+            <a:r>
+              <a:rPr lang="de-DE" sz="2000" b="1" dirty="0">
+                <a:solidFill>
+                  <a:srgbClr val="000000"/>
+                </a:solidFill>
+                <a:latin typeface="Courier New" panose="02070309020205020404" pitchFamily="49" charset="0"/>
+              </a:rPr>
+              <a:t> </a:t>
+            </a:r>
+            <a:r>
+              <a:rPr lang="de-DE" sz="2000" b="1" dirty="0">
+                <a:solidFill>
+                  <a:srgbClr val="7F0055"/>
+                </a:solidFill>
+                <a:latin typeface="Courier New" panose="02070309020205020404" pitchFamily="49" charset="0"/>
+              </a:rPr>
+              <a:t>not</a:t>
+            </a:r>
+            <a:r>
+              <a:rPr lang="de-DE" sz="2000" b="1" dirty="0">
+                <a:solidFill>
+                  <a:srgbClr val="000000"/>
+                </a:solidFill>
+                <a:latin typeface="Courier New" panose="02070309020205020404" pitchFamily="49" charset="0"/>
+              </a:rPr>
+              <a:t> </a:t>
+            </a:r>
+            <a:r>
+              <a:rPr lang="de-DE" sz="2000" b="1" dirty="0">
+                <a:solidFill>
+                  <a:srgbClr val="7F0055"/>
+                </a:solidFill>
+                <a:latin typeface="Courier New" panose="02070309020205020404" pitchFamily="49" charset="0"/>
+              </a:rPr>
+              <a:t>null</a:t>
+            </a:r>
+            <a:r>
+              <a:rPr lang="de-DE" sz="2000" b="1" dirty="0">
+                <a:solidFill>
+                  <a:srgbClr val="000000"/>
+                </a:solidFill>
+                <a:latin typeface="Courier New" panose="02070309020205020404" pitchFamily="49" charset="0"/>
+              </a:rPr>
+              <a:t>,</a:t>
+            </a:r>
+          </a:p>
+          <a:p>
+            <a:r>
+              <a:rPr lang="de-DE" sz="2000" dirty="0">
+                <a:solidFill>
+                  <a:srgbClr val="000000"/>
+                </a:solidFill>
+                <a:latin typeface="Courier New" panose="02070309020205020404" pitchFamily="49" charset="0"/>
+              </a:rPr>
+              <a:t>...</a:t>
+            </a:r>
+          </a:p>
+          <a:p>
+            <a:r>
+              <a:rPr lang="de-DE" sz="2000" b="1" dirty="0" err="1">
+                <a:solidFill>
+                  <a:srgbClr val="7F0055"/>
+                </a:solidFill>
+                <a:latin typeface="Courier New" panose="02070309020205020404" pitchFamily="49" charset="0"/>
+              </a:rPr>
+              <a:t>primary</a:t>
+            </a:r>
+            <a:r>
+              <a:rPr lang="de-DE" sz="2000" b="1" dirty="0">
+                <a:solidFill>
+                  <a:srgbClr val="000000"/>
+                </a:solidFill>
+                <a:latin typeface="Courier New" panose="02070309020205020404" pitchFamily="49" charset="0"/>
+              </a:rPr>
+              <a:t> </a:t>
+            </a:r>
+            <a:r>
+              <a:rPr lang="de-DE" sz="2000" b="1" dirty="0" err="1">
+                <a:solidFill>
+                  <a:srgbClr val="7F0055"/>
+                </a:solidFill>
+                <a:latin typeface="Courier New" panose="02070309020205020404" pitchFamily="49" charset="0"/>
+              </a:rPr>
+              <a:t>key</a:t>
+            </a:r>
+            <a:r>
+              <a:rPr lang="de-DE" sz="2000" b="1" dirty="0">
+                <a:solidFill>
+                  <a:srgbClr val="000000"/>
+                </a:solidFill>
+                <a:latin typeface="Courier New" panose="02070309020205020404" pitchFamily="49" charset="0"/>
+              </a:rPr>
+              <a:t>(</a:t>
+            </a:r>
+            <a:r>
+              <a:rPr lang="de-DE" sz="2000" b="1" dirty="0" err="1">
+                <a:solidFill>
+                  <a:srgbClr val="000000"/>
+                </a:solidFill>
+                <a:latin typeface="Courier New" panose="02070309020205020404" pitchFamily="49" charset="0"/>
+              </a:rPr>
+              <a:t>Bestellnr</a:t>
+            </a:r>
+            <a:r>
+              <a:rPr lang="de-DE" sz="2000" b="1" dirty="0">
+                <a:solidFill>
+                  <a:srgbClr val="000000"/>
+                </a:solidFill>
+                <a:latin typeface="Courier New" panose="02070309020205020404" pitchFamily="49" charset="0"/>
+              </a:rPr>
+              <a:t>)</a:t>
+            </a:r>
+          </a:p>
+          <a:p>
+            <a:r>
+              <a:rPr lang="de-DE" sz="2000" dirty="0">
+                <a:solidFill>
+                  <a:srgbClr val="000000"/>
+                </a:solidFill>
+                <a:latin typeface="Courier New" panose="02070309020205020404" pitchFamily="49" charset="0"/>
+              </a:rPr>
+              <a:t>}</a:t>
+            </a:r>
+            <a:r>
+              <a:rPr lang="de-DE" sz="2000" dirty="0">
+                <a:solidFill>
+                  <a:srgbClr val="3F5FBF"/>
+                </a:solidFill>
+                <a:latin typeface="Courier New" panose="02070309020205020404" pitchFamily="49" charset="0"/>
+              </a:rPr>
+              <a:t>;</a:t>
+            </a:r>
+            <a:endParaRPr lang="de-DE" sz="2000" dirty="0"/>
           </a:p>
         </p:txBody>
       </p:sp>
     </p:spTree>
     <p:extLst>
       <p:ext uri="{BB962C8B-B14F-4D97-AF65-F5344CB8AC3E}">
-        <p14:creationId xmlns:p14="http://schemas.microsoft.com/office/powerpoint/2010/main" val="2113676668"/>
+        <p14:creationId xmlns:p14="http://schemas.microsoft.com/office/powerpoint/2010/main" val="434654067"/>
       </p:ext>
     </p:extLst>
   </p:cSld>
@@ -19102,191 +20822,6 @@
           <a:bodyPr/>
           <a:lstStyle/>
           <a:p>
-            <a:r>
-              <a:rPr lang="de-DE" dirty="0"/>
-              <a:t>Storage Replication (Spiegelung der Speicherarchitektur)</a:t>
-            </a:r>
-          </a:p>
-          <a:p>
-            <a:r>
-              <a:rPr lang="de-DE" dirty="0"/>
-              <a:t>Host Auto-</a:t>
-            </a:r>
-            <a:r>
-              <a:rPr lang="de-DE" dirty="0" err="1"/>
-              <a:t>Failure</a:t>
-            </a:r>
-            <a:r>
-              <a:rPr lang="de-DE" dirty="0"/>
-              <a:t> (Data- und Log-</a:t>
-            </a:r>
-            <a:r>
-              <a:rPr lang="de-DE" dirty="0" err="1"/>
-              <a:t>Volumes</a:t>
-            </a:r>
-            <a:r>
-              <a:rPr lang="de-DE" dirty="0"/>
-              <a:t> werden von einem Hot Standby-System übernommen)</a:t>
-            </a:r>
-          </a:p>
-          <a:p>
-            <a:r>
-              <a:rPr lang="de-DE" dirty="0"/>
-              <a:t>SAP HANA System Replication (Permanente Replikation der Daten auf Sekundäres System)</a:t>
-            </a:r>
-          </a:p>
-          <a:p>
-            <a:endParaRPr lang="de-DE" dirty="0"/>
-          </a:p>
-          <a:p>
-            <a:pPr marL="0" indent="0">
-              <a:buNone/>
-            </a:pPr>
-            <a:r>
-              <a:rPr lang="de-DE" dirty="0"/>
-              <a:t>Wie schützt sich die </a:t>
-            </a:r>
-            <a:r>
-              <a:rPr lang="de-DE" dirty="0" err="1"/>
-              <a:t>InMemory</a:t>
-            </a:r>
-            <a:r>
-              <a:rPr lang="de-DE" dirty="0"/>
-              <a:t> Datenbank vor z.B. Stromausfällen?</a:t>
-            </a:r>
-          </a:p>
-          <a:p>
-            <a:r>
-              <a:rPr lang="de-DE" dirty="0"/>
-              <a:t>Data- und Log-</a:t>
-            </a:r>
-            <a:r>
-              <a:rPr lang="de-DE" dirty="0" err="1"/>
-              <a:t>Volumes</a:t>
-            </a:r>
-            <a:r>
-              <a:rPr lang="de-DE" dirty="0"/>
-              <a:t> werden auf der Festplatte gespeichert</a:t>
-            </a:r>
-          </a:p>
-          <a:p>
-            <a:endParaRPr lang="de-DE" dirty="0"/>
-          </a:p>
-          <a:p>
-            <a:endParaRPr lang="de-DE" dirty="0"/>
-          </a:p>
-        </p:txBody>
-      </p:sp>
-      <p:sp>
-        <p:nvSpPr>
-          <p:cNvPr id="3" name="Titel 2"/>
-          <p:cNvSpPr>
-            <a:spLocks noGrp="1"/>
-          </p:cNvSpPr>
-          <p:nvPr>
-            <p:ph type="title"/>
-          </p:nvPr>
-        </p:nvSpPr>
-        <p:spPr/>
-        <p:txBody>
-          <a:bodyPr/>
-          <a:lstStyle/>
-          <a:p>
-            <a:r>
-              <a:rPr lang="de-DE" dirty="0"/>
-              <a:t>SAP HANA - Hochverfügbarkeit</a:t>
-            </a:r>
-          </a:p>
-        </p:txBody>
-      </p:sp>
-      <p:sp>
-        <p:nvSpPr>
-          <p:cNvPr id="4" name="Textfeld 3"/>
-          <p:cNvSpPr txBox="1"/>
-          <p:nvPr/>
-        </p:nvSpPr>
-        <p:spPr>
-          <a:xfrm>
-            <a:off x="432000" y="6309320"/>
-            <a:ext cx="713657" cy="215444"/>
-          </a:xfrm>
-          <a:prstGeom prst="rect">
-            <a:avLst/>
-          </a:prstGeom>
-          <a:noFill/>
-        </p:spPr>
-        <p:txBody>
-          <a:bodyPr wrap="none" rtlCol="0">
-            <a:spAutoFit/>
-          </a:bodyPr>
-          <a:lstStyle/>
-          <a:p>
-            <a:r>
-              <a:rPr lang="de-DE" sz="800" dirty="0">
-                <a:solidFill>
-                  <a:schemeClr val="tx1">
-                    <a:lumMod val="50000"/>
-                    <a:lumOff val="50000"/>
-                  </a:schemeClr>
-                </a:solidFill>
-              </a:rPr>
-              <a:t>Quellen: 3  </a:t>
-            </a:r>
-          </a:p>
-        </p:txBody>
-      </p:sp>
-    </p:spTree>
-    <p:extLst>
-      <p:ext uri="{BB962C8B-B14F-4D97-AF65-F5344CB8AC3E}">
-        <p14:creationId xmlns:p14="http://schemas.microsoft.com/office/powerpoint/2010/main" val="995949771"/>
-      </p:ext>
-    </p:extLst>
-  </p:cSld>
-  <p:clrMapOvr>
-    <a:masterClrMapping/>
-  </p:clrMapOvr>
-  <p:timing>
-    <p:tnLst>
-      <p:par>
-        <p:cTn id="1" dur="indefinite" restart="never" nodeType="tmRoot"/>
-      </p:par>
-    </p:tnLst>
-  </p:timing>
-</p:sld>
-</file>
-
-<file path=ppt/slides/slide22.xml><?xml version="1.0" encoding="utf-8"?>
-<p:sld xmlns:a="http://schemas.openxmlformats.org/drawingml/2006/main" xmlns:r="http://schemas.openxmlformats.org/officeDocument/2006/relationships" xmlns:p="http://schemas.openxmlformats.org/presentationml/2006/main">
-  <p:cSld>
-    <p:spTree>
-      <p:nvGrpSpPr>
-        <p:cNvPr id="1" name=""/>
-        <p:cNvGrpSpPr/>
-        <p:nvPr/>
-      </p:nvGrpSpPr>
-      <p:grpSpPr>
-        <a:xfrm>
-          <a:off x="0" y="0"/>
-          <a:ext cx="0" cy="0"/>
-          <a:chOff x="0" y="0"/>
-          <a:chExt cx="0" cy="0"/>
-        </a:xfrm>
-      </p:grpSpPr>
-      <p:sp>
-        <p:nvSpPr>
-          <p:cNvPr id="2" name="Inhaltsplatzhalter 1"/>
-          <p:cNvSpPr>
-            <a:spLocks noGrp="1"/>
-          </p:cNvSpPr>
-          <p:nvPr>
-            <p:ph idx="1"/>
-          </p:nvPr>
-        </p:nvSpPr>
-        <p:spPr/>
-        <p:txBody>
-          <a:bodyPr/>
-          <a:lstStyle/>
-          <a:p>
             <a:pPr marL="0" indent="0">
               <a:buNone/>
             </a:pPr>
@@ -19407,7 +20942,7 @@
 </p:sld>
 </file>
 
-<file path=ppt/slides/slide23.xml><?xml version="1.0" encoding="utf-8"?>
+<file path=ppt/slides/slide22.xml><?xml version="1.0" encoding="utf-8"?>
 <p:sld xmlns:a="http://schemas.openxmlformats.org/drawingml/2006/main" xmlns:r="http://schemas.openxmlformats.org/officeDocument/2006/relationships" xmlns:p="http://schemas.openxmlformats.org/presentationml/2006/main">
   <p:cSld>
     <p:spTree>
@@ -19727,7 +21262,7 @@
 </p:sld>
 </file>
 
-<file path=ppt/slides/slide24.xml><?xml version="1.0" encoding="utf-8"?>
+<file path=ppt/slides/slide23.xml><?xml version="1.0" encoding="utf-8"?>
 <p:sld xmlns:a="http://schemas.openxmlformats.org/drawingml/2006/main" xmlns:r="http://schemas.openxmlformats.org/officeDocument/2006/relationships" xmlns:p="http://schemas.openxmlformats.org/presentationml/2006/main">
   <p:cSld>
     <p:spTree>
@@ -20031,7 +21566,7 @@
 </p:sld>
 </file>
 
-<file path=ppt/slides/slide25.xml><?xml version="1.0" encoding="utf-8"?>
+<file path=ppt/slides/slide24.xml><?xml version="1.0" encoding="utf-8"?>
 <p:sld xmlns:a="http://schemas.openxmlformats.org/drawingml/2006/main" xmlns:r="http://schemas.openxmlformats.org/officeDocument/2006/relationships" xmlns:p="http://schemas.openxmlformats.org/presentationml/2006/main">
   <p:cSld>
     <p:spTree>
@@ -20385,7 +21920,7 @@
 </p:sld>
 </file>
 
-<file path=ppt/slides/slide26.xml><?xml version="1.0" encoding="utf-8"?>
+<file path=ppt/slides/slide25.xml><?xml version="1.0" encoding="utf-8"?>
 <p:sld xmlns:a="http://schemas.openxmlformats.org/drawingml/2006/main" xmlns:r="http://schemas.openxmlformats.org/officeDocument/2006/relationships" xmlns:p="http://schemas.openxmlformats.org/presentationml/2006/main">
   <p:cSld>
     <p:spTree>
@@ -20601,7 +22136,7 @@
 </p:sld>
 </file>
 
-<file path=ppt/slides/slide27.xml><?xml version="1.0" encoding="utf-8"?>
+<file path=ppt/slides/slide26.xml><?xml version="1.0" encoding="utf-8"?>
 <p:sld xmlns:a="http://schemas.openxmlformats.org/drawingml/2006/main" xmlns:r="http://schemas.openxmlformats.org/officeDocument/2006/relationships" xmlns:p="http://schemas.openxmlformats.org/presentationml/2006/main">
   <p:cSld>
     <p:spTree>
@@ -20940,6 +22475,158 @@
 </p:sld>
 </file>
 
+<file path=ppt/slides/slide27.xml><?xml version="1.0" encoding="utf-8"?>
+<p:sld xmlns:a="http://schemas.openxmlformats.org/drawingml/2006/main" xmlns:r="http://schemas.openxmlformats.org/officeDocument/2006/relationships" xmlns:p="http://schemas.openxmlformats.org/presentationml/2006/main">
+  <p:cSld>
+    <p:spTree>
+      <p:nvGrpSpPr>
+        <p:cNvPr id="1" name=""/>
+        <p:cNvGrpSpPr/>
+        <p:nvPr/>
+      </p:nvGrpSpPr>
+      <p:grpSpPr>
+        <a:xfrm>
+          <a:off x="0" y="0"/>
+          <a:ext cx="0" cy="0"/>
+          <a:chOff x="0" y="0"/>
+          <a:chExt cx="0" cy="0"/>
+        </a:xfrm>
+      </p:grpSpPr>
+      <p:sp>
+        <p:nvSpPr>
+          <p:cNvPr id="2" name="Inhaltsplatzhalter 1"/>
+          <p:cNvSpPr>
+            <a:spLocks noGrp="1"/>
+          </p:cNvSpPr>
+          <p:nvPr>
+            <p:ph idx="1"/>
+          </p:nvPr>
+        </p:nvSpPr>
+        <p:spPr/>
+        <p:txBody>
+          <a:bodyPr/>
+          <a:lstStyle/>
+          <a:p>
+            <a:pPr marL="0" indent="0">
+              <a:buNone/>
+            </a:pPr>
+            <a:endParaRPr lang="de-DE" dirty="0"/>
+          </a:p>
+          <a:p>
+            <a:pPr marL="0" indent="0">
+              <a:buNone/>
+            </a:pPr>
+            <a:endParaRPr lang="de-DE" dirty="0"/>
+          </a:p>
+          <a:p>
+            <a:pPr marL="0" indent="0">
+              <a:buNone/>
+            </a:pPr>
+            <a:endParaRPr lang="de-DE" dirty="0"/>
+          </a:p>
+          <a:p>
+            <a:pPr marL="0" indent="0">
+              <a:buNone/>
+            </a:pPr>
+            <a:endParaRPr lang="de-DE" dirty="0"/>
+          </a:p>
+          <a:p>
+            <a:pPr marL="0" indent="0">
+              <a:buNone/>
+            </a:pPr>
+            <a:endParaRPr lang="de-DE" dirty="0"/>
+          </a:p>
+        </p:txBody>
+      </p:sp>
+      <p:sp>
+        <p:nvSpPr>
+          <p:cNvPr id="3" name="Titel 2"/>
+          <p:cNvSpPr>
+            <a:spLocks noGrp="1"/>
+          </p:cNvSpPr>
+          <p:nvPr>
+            <p:ph type="title"/>
+          </p:nvPr>
+        </p:nvSpPr>
+        <p:spPr>
+          <a:xfrm>
+            <a:off x="71960" y="836712"/>
+            <a:ext cx="8604496" cy="5559288"/>
+          </a:xfrm>
+        </p:spPr>
+        <p:txBody>
+          <a:bodyPr/>
+          <a:lstStyle/>
+          <a:p>
+            <a:pPr algn="ctr"/>
+            <a:r>
+              <a:rPr lang="de-DE" dirty="0" smtClean="0"/>
+              <a:t>Memcache</a:t>
+            </a:r>
+            <a:endParaRPr lang="de-DE" dirty="0"/>
+          </a:p>
+        </p:txBody>
+      </p:sp>
+      <p:sp>
+        <p:nvSpPr>
+          <p:cNvPr id="7" name="Textfeld 6"/>
+          <p:cNvSpPr txBox="1"/>
+          <p:nvPr/>
+        </p:nvSpPr>
+        <p:spPr>
+          <a:xfrm>
+            <a:off x="539552" y="1268760"/>
+            <a:ext cx="8136904" cy="784830"/>
+          </a:xfrm>
+          <a:prstGeom prst="rect">
+            <a:avLst/>
+          </a:prstGeom>
+          <a:noFill/>
+        </p:spPr>
+        <p:txBody>
+          <a:bodyPr wrap="square" rtlCol="0">
+            <a:spAutoFit/>
+          </a:bodyPr>
+          <a:lstStyle/>
+          <a:p>
+            <a:pPr marL="285750" indent="-285750">
+              <a:lnSpc>
+                <a:spcPct val="150000"/>
+              </a:lnSpc>
+              <a:buFont typeface="Arial" panose="020B0604020202020204" pitchFamily="34" charset="0"/>
+              <a:buChar char="•"/>
+            </a:pPr>
+            <a:endParaRPr lang="de-DE" sz="1800" dirty="0"/>
+          </a:p>
+          <a:p>
+            <a:pPr marL="285750" indent="-285750">
+              <a:buFont typeface="Arial" panose="020B0604020202020204" pitchFamily="34" charset="0"/>
+              <a:buChar char="•"/>
+            </a:pPr>
+            <a:endParaRPr lang="de-DE" sz="1800" dirty="0"/>
+          </a:p>
+        </p:txBody>
+      </p:sp>
+    </p:spTree>
+    <p:extLst>
+      <p:ext uri="{BB962C8B-B14F-4D97-AF65-F5344CB8AC3E}">
+        <p14:creationId xmlns:p14="http://schemas.microsoft.com/office/powerpoint/2010/main" val="4080261412"/>
+      </p:ext>
+    </p:extLst>
+  </p:cSld>
+  <p:clrMapOvr>
+    <a:masterClrMapping/>
+  </p:clrMapOvr>
+  <p:timing>
+    <p:tnLst>
+      <p:par>
+        <p:cTn id="1" dur="indefinite" restart="never" nodeType="tmRoot"/>
+      </p:par>
+    </p:tnLst>
+  </p:timing>
+</p:sld>
+</file>
+
 <file path=ppt/slides/slide28.xml><?xml version="1.0" encoding="utf-8"?>
 <p:sld xmlns:a="http://schemas.openxmlformats.org/drawingml/2006/main" xmlns:r="http://schemas.openxmlformats.org/officeDocument/2006/relationships" xmlns:p="http://schemas.openxmlformats.org/presentationml/2006/main">
   <p:cSld>
@@ -21013,22 +22700,65 @@
             <p:ph type="title"/>
           </p:nvPr>
         </p:nvSpPr>
-        <p:spPr>
-          <a:xfrm>
-            <a:off x="71960" y="836712"/>
-            <a:ext cx="8604496" cy="5559288"/>
-          </a:xfrm>
-        </p:spPr>
+        <p:spPr/>
         <p:txBody>
           <a:bodyPr/>
           <a:lstStyle/>
           <a:p>
-            <a:pPr algn="ctr"/>
             <a:r>
               <a:rPr lang="de-DE" dirty="0" smtClean="0"/>
               <a:t>Memcache</a:t>
             </a:r>
             <a:endParaRPr lang="de-DE" dirty="0"/>
+          </a:p>
+        </p:txBody>
+      </p:sp>
+      <p:sp>
+        <p:nvSpPr>
+          <p:cNvPr id="6" name="Textfeld 5"/>
+          <p:cNvSpPr txBox="1"/>
+          <p:nvPr/>
+        </p:nvSpPr>
+        <p:spPr>
+          <a:xfrm>
+            <a:off x="432000" y="6309320"/>
+            <a:ext cx="3249608" cy="338554"/>
+          </a:xfrm>
+          <a:prstGeom prst="rect">
+            <a:avLst/>
+          </a:prstGeom>
+          <a:noFill/>
+        </p:spPr>
+        <p:txBody>
+          <a:bodyPr wrap="none" rtlCol="0">
+            <a:spAutoFit/>
+          </a:bodyPr>
+          <a:lstStyle/>
+          <a:p>
+            <a:r>
+              <a:rPr lang="de-DE" sz="800" dirty="0">
+                <a:solidFill>
+                  <a:schemeClr val="tx1">
+                    <a:lumMod val="50000"/>
+                    <a:lumOff val="50000"/>
+                  </a:schemeClr>
+                </a:solidFill>
+              </a:rPr>
+              <a:t>Quellen: https://de.wikipedia.org/wiki/Spaltenorientierte_Datenbank</a:t>
+            </a:r>
+          </a:p>
+          <a:p>
+            <a:r>
+              <a:rPr lang="de-DE" sz="800" dirty="0">
+                <a:solidFill>
+                  <a:schemeClr val="tx1">
+                    <a:lumMod val="50000"/>
+                    <a:lumOff val="50000"/>
+                  </a:schemeClr>
+                </a:solidFill>
+              </a:rPr>
+              <a:t>  </a:t>
+            </a:r>
           </a:p>
         </p:txBody>
       </p:sp>
@@ -21041,7 +22771,7 @@
         <p:spPr>
           <a:xfrm>
             <a:off x="539552" y="1268760"/>
-            <a:ext cx="8136904" cy="784830"/>
+            <a:ext cx="8136904" cy="5078313"/>
           </a:xfrm>
           <a:prstGeom prst="rect">
             <a:avLst/>
@@ -21054,6 +22784,168 @@
           </a:bodyPr>
           <a:lstStyle/>
           <a:p>
+            <a:r>
+              <a:rPr lang="de-DE" sz="1800" b="1" dirty="0" err="1"/>
+              <a:t>memcached</a:t>
+            </a:r>
+            <a:r>
+              <a:rPr lang="de-DE" sz="1800" dirty="0"/>
+              <a:t> [</a:t>
+            </a:r>
+            <a:r>
+              <a:rPr lang="de-DE" sz="1800" dirty="0">
+                <a:hlinkClick r:id="rId2" tooltip="Liste der IPA-Zeichen"/>
+              </a:rPr>
+              <a:t>ˈmɛm.kæʃ.tː</a:t>
+            </a:r>
+            <a:r>
+              <a:rPr lang="de-DE" sz="1800" dirty="0" smtClean="0"/>
+              <a:t>]  *1</a:t>
+            </a:r>
+          </a:p>
+          <a:p>
+            <a:r>
+              <a:rPr lang="de-DE" sz="1800" dirty="0"/>
+              <a:t>	</a:t>
+            </a:r>
+          </a:p>
+          <a:p>
+            <a:pPr marL="285750" indent="-285750">
+              <a:lnSpc>
+                <a:spcPct val="150000"/>
+              </a:lnSpc>
+              <a:buFont typeface="Arial" panose="020B0604020202020204" pitchFamily="34" charset="0"/>
+              <a:buChar char="•"/>
+            </a:pPr>
+            <a:r>
+              <a:rPr lang="de-DE" sz="1800" dirty="0" smtClean="0"/>
+              <a:t>Server </a:t>
+            </a:r>
+            <a:r>
+              <a:rPr lang="de-DE" sz="1800" dirty="0" err="1" smtClean="0"/>
+              <a:t>Application</a:t>
+            </a:r>
+            <a:endParaRPr lang="de-DE" sz="1800" dirty="0"/>
+          </a:p>
+          <a:p>
+            <a:pPr marL="285750" indent="-285750">
+              <a:lnSpc>
+                <a:spcPct val="150000"/>
+              </a:lnSpc>
+              <a:buFont typeface="Arial" panose="020B0604020202020204" pitchFamily="34" charset="0"/>
+              <a:buChar char="•"/>
+            </a:pPr>
+            <a:r>
+              <a:rPr lang="de-DE" sz="1800" dirty="0" smtClean="0"/>
+              <a:t>stellt </a:t>
+            </a:r>
+            <a:r>
+              <a:rPr lang="de-DE" sz="1800" dirty="0"/>
+              <a:t>Speicher </a:t>
+            </a:r>
+            <a:r>
+              <a:rPr lang="de-DE" sz="1800" dirty="0" smtClean="0"/>
+              <a:t>im </a:t>
+            </a:r>
+            <a:r>
+              <a:rPr lang="de-DE" sz="1800" dirty="0"/>
+              <a:t>RAM zur Verfügung</a:t>
+            </a:r>
+            <a:br>
+              <a:rPr lang="de-DE" sz="1800" dirty="0"/>
+            </a:br>
+            <a:r>
+              <a:rPr lang="de-DE" sz="1800" dirty="0" smtClean="0"/>
+              <a:t>-&gt; schneller </a:t>
+            </a:r>
+            <a:r>
+              <a:rPr lang="de-DE" sz="1800" dirty="0"/>
+              <a:t>Zugriff auf im Cache abgelegte </a:t>
+            </a:r>
+            <a:r>
+              <a:rPr lang="de-DE" sz="1800" dirty="0" smtClean="0"/>
+              <a:t>Daten</a:t>
+            </a:r>
+          </a:p>
+          <a:p>
+            <a:pPr marL="285750" indent="-285750">
+              <a:lnSpc>
+                <a:spcPct val="150000"/>
+              </a:lnSpc>
+              <a:buFont typeface="Arial" panose="020B0604020202020204" pitchFamily="34" charset="0"/>
+              <a:buChar char="•"/>
+            </a:pPr>
+            <a:r>
+              <a:rPr lang="de-DE" sz="1800" dirty="0" smtClean="0"/>
+              <a:t>Lastverteilung </a:t>
+            </a:r>
+            <a:r>
+              <a:rPr lang="de-DE" sz="1800" dirty="0"/>
+              <a:t>von Festplattenzugriffen / Datenbankanfragen auf RAM</a:t>
+            </a:r>
+          </a:p>
+          <a:p>
+            <a:pPr marL="285750" indent="-285750">
+              <a:lnSpc>
+                <a:spcPct val="150000"/>
+              </a:lnSpc>
+              <a:buFont typeface="Arial" panose="020B0604020202020204" pitchFamily="34" charset="0"/>
+              <a:buChar char="•"/>
+            </a:pPr>
+            <a:r>
+              <a:rPr lang="de-DE" sz="1800" dirty="0" smtClean="0"/>
+              <a:t>da </a:t>
+            </a:r>
+            <a:r>
+              <a:rPr lang="de-DE" sz="1800" dirty="0"/>
+              <a:t>häufig abgefragte Daten im RAM gespeichert sind -&gt; schnelle   	 Antwortzeiten möglich</a:t>
+            </a:r>
+          </a:p>
+          <a:p>
+            <a:pPr marL="285750" indent="-285750">
+              <a:lnSpc>
+                <a:spcPct val="150000"/>
+              </a:lnSpc>
+              <a:buFont typeface="Arial" panose="020B0604020202020204" pitchFamily="34" charset="0"/>
+              <a:buChar char="•"/>
+            </a:pPr>
+            <a:r>
+              <a:rPr lang="de-DE" sz="1800" dirty="0"/>
+              <a:t>Ziel: Optimierung der Antwortzeiten von </a:t>
+            </a:r>
+            <a:r>
+              <a:rPr lang="de-DE" sz="1800" dirty="0" smtClean="0"/>
+              <a:t>Webanwendungen</a:t>
+            </a:r>
+          </a:p>
+          <a:p>
+            <a:pPr marL="285750" indent="-285750">
+              <a:lnSpc>
+                <a:spcPct val="150000"/>
+              </a:lnSpc>
+              <a:buFont typeface="Arial" panose="020B0604020202020204" pitchFamily="34" charset="0"/>
+              <a:buChar char="•"/>
+            </a:pPr>
+            <a:endParaRPr lang="de-DE" sz="1800" dirty="0" smtClean="0"/>
+          </a:p>
+          <a:p>
+            <a:pPr marL="285750" indent="-285750">
+              <a:lnSpc>
+                <a:spcPct val="150000"/>
+              </a:lnSpc>
+              <a:buFont typeface="Arial" panose="020B0604020202020204" pitchFamily="34" charset="0"/>
+              <a:buChar char="•"/>
+            </a:pPr>
+            <a:r>
+              <a:rPr lang="de-DE" sz="1800" dirty="0" smtClean="0"/>
+              <a:t>Größter </a:t>
+            </a:r>
+            <a:r>
+              <a:rPr lang="de-DE" sz="1800" dirty="0"/>
+              <a:t>Anwendungsbereich = Webanwendungen</a:t>
+            </a:r>
+          </a:p>
+          <a:p>
             <a:pPr marL="285750" indent="-285750">
               <a:lnSpc>
                 <a:spcPct val="150000"/>
@@ -21075,7 +22967,7 @@
     </p:spTree>
     <p:extLst>
       <p:ext uri="{BB962C8B-B14F-4D97-AF65-F5344CB8AC3E}">
-        <p14:creationId xmlns:p14="http://schemas.microsoft.com/office/powerpoint/2010/main" val="4080261412"/>
+        <p14:creationId xmlns:p14="http://schemas.microsoft.com/office/powerpoint/2010/main" val="1692368599"/>
       </p:ext>
     </p:extLst>
   </p:cSld>
@@ -21124,33 +23016,12 @@
           <a:bodyPr/>
           <a:lstStyle/>
           <a:p>
-            <a:pPr marL="0" indent="0">
+            <a:pPr marL="457200" lvl="1" indent="0">
               <a:buNone/>
             </a:pPr>
             <a:endParaRPr lang="de-DE" dirty="0"/>
           </a:p>
           <a:p>
-            <a:pPr marL="0" indent="0">
-              <a:buNone/>
-            </a:pPr>
-            <a:endParaRPr lang="de-DE" dirty="0"/>
-          </a:p>
-          <a:p>
-            <a:pPr marL="0" indent="0">
-              <a:buNone/>
-            </a:pPr>
-            <a:endParaRPr lang="de-DE" dirty="0"/>
-          </a:p>
-          <a:p>
-            <a:pPr marL="0" indent="0">
-              <a:buNone/>
-            </a:pPr>
-            <a:endParaRPr lang="de-DE" dirty="0"/>
-          </a:p>
-          <a:p>
-            <a:pPr marL="0" indent="0">
-              <a:buNone/>
-            </a:pPr>
             <a:endParaRPr lang="de-DE" dirty="0"/>
           </a:p>
         </p:txBody>
@@ -21172,7 +23043,7 @@
           <a:p>
             <a:r>
               <a:rPr lang="de-DE" dirty="0" smtClean="0"/>
-              <a:t>Memcache</a:t>
+              <a:t>Memcache - Funktionsweise</a:t>
             </a:r>
             <a:endParaRPr lang="de-DE" dirty="0"/>
           </a:p>
@@ -21180,63 +23051,14 @@
       </p:sp>
       <p:sp>
         <p:nvSpPr>
-          <p:cNvPr id="6" name="Textfeld 5"/>
+          <p:cNvPr id="4" name="Textfeld 3"/>
           <p:cNvSpPr txBox="1"/>
           <p:nvPr/>
         </p:nvSpPr>
         <p:spPr>
           <a:xfrm>
-            <a:off x="432000" y="6309320"/>
-            <a:ext cx="3249608" cy="338554"/>
-          </a:xfrm>
-          <a:prstGeom prst="rect">
-            <a:avLst/>
-          </a:prstGeom>
-          <a:noFill/>
-        </p:spPr>
-        <p:txBody>
-          <a:bodyPr wrap="none" rtlCol="0">
-            <a:spAutoFit/>
-          </a:bodyPr>
-          <a:lstStyle/>
-          <a:p>
-            <a:r>
-              <a:rPr lang="de-DE" sz="800" dirty="0">
-                <a:solidFill>
-                  <a:schemeClr val="tx1">
-                    <a:lumMod val="50000"/>
-                    <a:lumOff val="50000"/>
-                  </a:schemeClr>
-                </a:solidFill>
-              </a:rPr>
-              <a:t>Quellen: https://de.wikipedia.org/wiki/Spaltenorientierte_Datenbank</a:t>
-            </a:r>
-          </a:p>
-          <a:p>
-            <a:r>
-              <a:rPr lang="de-DE" sz="800" dirty="0">
-                <a:solidFill>
-                  <a:schemeClr val="tx1">
-                    <a:lumMod val="50000"/>
-                    <a:lumOff val="50000"/>
-                  </a:schemeClr>
-                </a:solidFill>
-              </a:rPr>
-              <a:t>  </a:t>
-            </a:r>
-          </a:p>
-        </p:txBody>
-      </p:sp>
-      <p:sp>
-        <p:nvSpPr>
-          <p:cNvPr id="7" name="Textfeld 6"/>
-          <p:cNvSpPr txBox="1"/>
-          <p:nvPr/>
-        </p:nvSpPr>
-        <p:spPr>
-          <a:xfrm>
-            <a:off x="539552" y="1268760"/>
-            <a:ext cx="8136904" cy="5078313"/>
+            <a:off x="539552" y="836712"/>
+            <a:ext cx="8136904" cy="6186309"/>
           </a:xfrm>
           <a:prstGeom prst="rect">
             <a:avLst/>
@@ -21249,32 +23071,6 @@
           </a:bodyPr>
           <a:lstStyle/>
           <a:p>
-            <a:r>
-              <a:rPr lang="de-DE" sz="1800" b="1" dirty="0" err="1"/>
-              <a:t>memcached</a:t>
-            </a:r>
-            <a:r>
-              <a:rPr lang="de-DE" sz="1800" dirty="0"/>
-              <a:t> [</a:t>
-            </a:r>
-            <a:r>
-              <a:rPr lang="de-DE" sz="1800" dirty="0">
-                <a:hlinkClick r:id="rId2" tooltip="Liste der IPA-Zeichen"/>
-              </a:rPr>
-              <a:t>ˈmɛm.kæʃ.tː</a:t>
-            </a:r>
-            <a:r>
-              <a:rPr lang="de-DE" sz="1800" dirty="0" smtClean="0"/>
-              <a:t>]  *1</a:t>
-            </a:r>
-          </a:p>
-          <a:p>
-            <a:r>
-              <a:rPr lang="de-DE" sz="1800" dirty="0"/>
-              <a:t>	</a:t>
-            </a:r>
-          </a:p>
-          <a:p>
             <a:pPr marL="285750" indent="-285750">
               <a:lnSpc>
                 <a:spcPct val="150000"/>
@@ -21283,14 +23079,17 @@
               <a:buChar char="•"/>
             </a:pPr>
             <a:r>
+              <a:rPr lang="de-DE" sz="1800" dirty="0" err="1" smtClean="0"/>
+              <a:t>Memcached</a:t>
+            </a:r>
+            <a:r>
               <a:rPr lang="de-DE" sz="1800" dirty="0" smtClean="0"/>
-              <a:t>Server </a:t>
-            </a:r>
-            <a:r>
-              <a:rPr lang="de-DE" sz="1800" dirty="0" err="1" smtClean="0"/>
-              <a:t>Application</a:t>
-            </a:r>
-            <a:endParaRPr lang="de-DE" sz="1800" dirty="0"/>
+              <a:t> </a:t>
+            </a:r>
+            <a:r>
+              <a:rPr lang="de-DE" sz="1800" dirty="0"/>
+              <a:t>stellt mehrere Hashtabellen zur Verfügung (Key-Tabelle , Value-Tabelle)</a:t>
+            </a:r>
           </a:p>
           <a:p>
             <a:pPr marL="285750" indent="-285750">
@@ -21302,34 +23101,15 @@
             </a:pPr>
             <a:r>
               <a:rPr lang="de-DE" sz="1800" dirty="0" smtClean="0"/>
-              <a:t>stellt </a:t>
+              <a:t>vergleichbar </a:t>
             </a:r>
             <a:r>
               <a:rPr lang="de-DE" sz="1800" dirty="0"/>
-              <a:t>Speicher </a:t>
+              <a:t>mit Assoziativen Arrays in verschiedenen </a:t>
             </a:r>
             <a:r>
               <a:rPr lang="de-DE" sz="1800" dirty="0" smtClean="0"/>
-              <a:t>im </a:t>
-            </a:r>
-            <a:r>
-              <a:rPr lang="de-DE" sz="1800" dirty="0"/>
-              <a:t>RAM zur Verfügung</a:t>
-            </a:r>
-            <a:br>
-              <a:rPr lang="de-DE" sz="1800" dirty="0"/>
-            </a:br>
-            <a:r>
-              <a:rPr lang="de-DE" sz="1800" dirty="0" smtClean="0"/>
-              <a:t>-&gt; schneller </a:t>
-            </a:r>
-            <a:r>
-              <a:rPr lang="de-DE" sz="1800" dirty="0"/>
-              <a:t>Zugriff auf im Cache abgelegte </a:t>
-            </a:r>
-            <a:r>
-              <a:rPr lang="de-DE" sz="1800" dirty="0" smtClean="0"/>
-              <a:t>Daten</a:t>
+              <a:t>Programmiersprachen</a:t>
             </a:r>
           </a:p>
           <a:p>
@@ -21342,11 +23122,19 @@
             </a:pPr>
             <a:r>
               <a:rPr lang="de-DE" sz="1800" dirty="0" smtClean="0"/>
-              <a:t>Lastverteilung </a:t>
+              <a:t>Speicher </a:t>
             </a:r>
             <a:r>
               <a:rPr lang="de-DE" sz="1800" dirty="0"/>
-              <a:t>von Festplattenzugriffen / Datenbankanfragen auf RAM</a:t>
+              <a:t>wird über einen </a:t>
+            </a:r>
+            <a:r>
+              <a:rPr lang="de-DE" sz="1800" dirty="0" err="1"/>
+              <a:t>Slab-Allocator</a:t>
+            </a:r>
+            <a:r>
+              <a:rPr lang="de-DE" sz="1800" dirty="0"/>
+              <a:t> verwaltet (viele kleine Speicherbereiche werden  häufig reserviert und wieder freigegeben - bei Memcache max. 1 MByte groß) </a:t>
             </a:r>
           </a:p>
           <a:p>
@@ -21358,12 +23146,15 @@
               <a:buChar char="•"/>
             </a:pPr>
             <a:r>
-              <a:rPr lang="de-DE" sz="1800" dirty="0" smtClean="0"/>
-              <a:t>da </a:t>
-            </a:r>
-            <a:r>
               <a:rPr lang="de-DE" sz="1800" dirty="0"/>
-              <a:t>häufig abgefragte Daten im RAM gespeichert sind -&gt; schnelle   	 Antwortzeiten möglich</a:t>
+              <a:t>Memcache hat keine definierten Clients -&gt; Programm Bibliotheken nehmen großen Einfluss</a:t>
+            </a:r>
+            <a:br>
+              <a:rPr lang="de-DE" sz="1800" dirty="0"/>
+            </a:br>
+            <a:r>
+              <a:rPr lang="de-DE" sz="1800" dirty="0"/>
+              <a:t>(am weitesten verbreitet für PHP -&gt; PECL Memcached)	</a:t>
             </a:r>
           </a:p>
           <a:p>
@@ -21376,12 +23167,13 @@
             </a:pPr>
             <a:r>
               <a:rPr lang="de-DE" sz="1800" dirty="0"/>
-              <a:t>Ziel: Optimierung der Antwortzeiten von </a:t>
+              <a:t>Komprimierung wird nur über die Bibliotheken </a:t>
             </a:r>
             <a:r>
               <a:rPr lang="de-DE" sz="1800" dirty="0" smtClean="0"/>
-              <a:t>Webanwendungen</a:t>
-            </a:r>
+              <a:t>erreicht</a:t>
+            </a:r>
+            <a:endParaRPr lang="de-DE" sz="1800" dirty="0"/>
           </a:p>
           <a:p>
             <a:pPr marL="285750" indent="-285750">
@@ -21391,48 +23183,48 @@
               <a:buFont typeface="Arial" panose="020B0604020202020204" pitchFamily="34" charset="0"/>
               <a:buChar char="•"/>
             </a:pPr>
-            <a:endParaRPr lang="de-DE" sz="1800" dirty="0" smtClean="0"/>
-          </a:p>
-          <a:p>
-            <a:pPr marL="285750" indent="-285750">
-              <a:lnSpc>
-                <a:spcPct val="150000"/>
-              </a:lnSpc>
-              <a:buFont typeface="Arial" panose="020B0604020202020204" pitchFamily="34" charset="0"/>
-              <a:buChar char="•"/>
-            </a:pPr>
-            <a:r>
-              <a:rPr lang="de-DE" sz="1800" dirty="0" smtClean="0"/>
-              <a:t>Größter </a:t>
-            </a:r>
             <a:r>
               <a:rPr lang="de-DE" sz="1800" dirty="0"/>
-              <a:t>Anwendungsbereich = Webanwendungen</a:t>
-            </a:r>
-          </a:p>
-          <a:p>
-            <a:pPr marL="285750" indent="-285750">
-              <a:lnSpc>
-                <a:spcPct val="150000"/>
-              </a:lnSpc>
-              <a:buFont typeface="Arial" panose="020B0604020202020204" pitchFamily="34" charset="0"/>
-              <a:buChar char="•"/>
-            </a:pPr>
-            <a:endParaRPr lang="de-DE" sz="1800" dirty="0"/>
+              <a:t>Bei PHP mit </a:t>
+            </a:r>
+            <a:r>
+              <a:rPr lang="de-DE" sz="1800" dirty="0" err="1"/>
+              <a:t>zlib</a:t>
+            </a:r>
+            <a:r>
+              <a:rPr lang="de-DE" sz="1800" dirty="0"/>
+              <a:t>, die verschiedene Komprimierungsmethoden anbietet</a:t>
+            </a:r>
           </a:p>
           <a:p>
             <a:pPr marL="285750" indent="-285750">
               <a:buFont typeface="Arial" panose="020B0604020202020204" pitchFamily="34" charset="0"/>
               <a:buChar char="•"/>
             </a:pPr>
-            <a:endParaRPr lang="de-DE" sz="1800" dirty="0"/>
+            <a:endParaRPr lang="de-DE" sz="1800" dirty="0" smtClean="0"/>
+          </a:p>
+          <a:p>
+            <a:pPr marL="285750" indent="-285750">
+              <a:buFont typeface="Arial" panose="020B0604020202020204" pitchFamily="34" charset="0"/>
+              <a:buChar char="•"/>
+            </a:pPr>
+            <a:endParaRPr lang="de-DE" sz="1800" dirty="0" smtClean="0"/>
+          </a:p>
+          <a:p>
+            <a:endParaRPr lang="de-DE" sz="1800" dirty="0" smtClean="0"/>
+          </a:p>
+          <a:p>
+            <a:r>
+              <a:rPr lang="de-DE" sz="1800" dirty="0"/>
+              <a:t>	</a:t>
+            </a:r>
           </a:p>
         </p:txBody>
       </p:sp>
     </p:spTree>
     <p:extLst>
       <p:ext uri="{BB962C8B-B14F-4D97-AF65-F5344CB8AC3E}">
-        <p14:creationId xmlns:p14="http://schemas.microsoft.com/office/powerpoint/2010/main" val="1692368599"/>
+        <p14:creationId xmlns:p14="http://schemas.microsoft.com/office/powerpoint/2010/main" val="3866101321"/>
       </p:ext>
     </p:extLst>
   </p:cSld>
@@ -21468,94 +23260,6 @@
       </p:grpSpPr>
       <p:sp>
         <p:nvSpPr>
-          <p:cNvPr id="2" name="Inhaltsplatzhalter 1"/>
-          <p:cNvSpPr>
-            <a:spLocks noGrp="1"/>
-          </p:cNvSpPr>
-          <p:nvPr>
-            <p:ph idx="1"/>
-          </p:nvPr>
-        </p:nvSpPr>
-        <p:spPr/>
-        <p:txBody>
-          <a:bodyPr/>
-          <a:lstStyle/>
-          <a:p>
-            <a:pPr marL="0" indent="0">
-              <a:buNone/>
-            </a:pPr>
-            <a:r>
-              <a:rPr lang="de-DE" dirty="0"/>
-              <a:t>Zeilenorientiert:</a:t>
-            </a:r>
-          </a:p>
-          <a:p>
-            <a:pPr marL="0" indent="0">
-              <a:buNone/>
-            </a:pPr>
-            <a:endParaRPr lang="de-DE" dirty="0"/>
-          </a:p>
-          <a:p>
-            <a:pPr marL="0" indent="0">
-              <a:buNone/>
-            </a:pPr>
-            <a:endParaRPr lang="de-DE" dirty="0"/>
-          </a:p>
-          <a:p>
-            <a:pPr marL="0" indent="0">
-              <a:buNone/>
-            </a:pPr>
-            <a:r>
-              <a:rPr lang="de-DE" dirty="0"/>
-              <a:t>Spaltenorientiert:</a:t>
-            </a:r>
-          </a:p>
-          <a:p>
-            <a:pPr marL="0" indent="0">
-              <a:buNone/>
-            </a:pPr>
-            <a:endParaRPr lang="de-DE" dirty="0"/>
-          </a:p>
-          <a:p>
-            <a:pPr marL="0" indent="0">
-              <a:buNone/>
-            </a:pPr>
-            <a:endParaRPr lang="de-DE" dirty="0"/>
-          </a:p>
-          <a:p>
-            <a:pPr marL="0" indent="0">
-              <a:buNone/>
-            </a:pPr>
-            <a:endParaRPr lang="de-DE" dirty="0"/>
-          </a:p>
-          <a:p>
-            <a:pPr marL="0" indent="0">
-              <a:buNone/>
-            </a:pPr>
-            <a:endParaRPr lang="de-DE" dirty="0"/>
-          </a:p>
-          <a:p>
-            <a:pPr marL="0" indent="0">
-              <a:buNone/>
-            </a:pPr>
-            <a:endParaRPr lang="de-DE" dirty="0"/>
-          </a:p>
-          <a:p>
-            <a:pPr marL="0" indent="0">
-              <a:buNone/>
-            </a:pPr>
-            <a:endParaRPr lang="de-DE" dirty="0"/>
-          </a:p>
-          <a:p>
-            <a:pPr marL="0" indent="0">
-              <a:buNone/>
-            </a:pPr>
-            <a:endParaRPr lang="de-DE" dirty="0"/>
-          </a:p>
-        </p:txBody>
-      </p:sp>
-      <p:sp>
-        <p:nvSpPr>
           <p:cNvPr id="3" name="Titel 2"/>
           <p:cNvSpPr>
             <a:spLocks noGrp="1"/>
@@ -21570,82 +23274,29 @@
           <a:lstStyle/>
           <a:p>
             <a:r>
-              <a:rPr lang="de-DE" dirty="0"/>
-              <a:t>Spaltenorientierte Speicherung</a:t>
-            </a:r>
+              <a:rPr lang="de-DE" dirty="0" smtClean="0"/>
+              <a:t>Aufgabenstellung</a:t>
+            </a:r>
+            <a:endParaRPr lang="de-DE" dirty="0"/>
           </a:p>
         </p:txBody>
       </p:sp>
-      <p:pic>
-        <p:nvPicPr>
-          <p:cNvPr id="4" name="Grafik 3"/>
-          <p:cNvPicPr>
-            <a:picLocks noChangeAspect="1"/>
-          </p:cNvPicPr>
-          <p:nvPr/>
-        </p:nvPicPr>
-        <p:blipFill>
-          <a:blip r:embed="rId2">
+      <p:sp>
+        <p:nvSpPr>
+          <p:cNvPr id="4" name="Textfeld 3">
             <a:extLst>
-              <a:ext uri="{28A0092B-C50C-407E-A947-70E740481C1C}">
-                <a14:useLocalDpi xmlns:a14="http://schemas.microsoft.com/office/drawing/2010/main" val="0"/>
+              <a:ext uri="{FF2B5EF4-FFF2-40B4-BE49-F238E27FC236}">
+                <a16:creationId xmlns="" xmlns:a16="http://schemas.microsoft.com/office/drawing/2014/main" id="{55A35DED-7D1A-4C8F-934D-D5CD3FC3279C}"/>
               </a:ext>
             </a:extLst>
-          </a:blip>
-          <a:stretch>
-            <a:fillRect/>
-          </a:stretch>
-        </p:blipFill>
-        <p:spPr>
-          <a:xfrm>
-            <a:off x="441473" y="1556792"/>
-            <a:ext cx="4829849" cy="342948"/>
-          </a:xfrm>
-          <a:prstGeom prst="rect">
-            <a:avLst/>
-          </a:prstGeom>
-        </p:spPr>
-      </p:pic>
-      <p:pic>
-        <p:nvPicPr>
-          <p:cNvPr id="5" name="Grafik 4"/>
-          <p:cNvPicPr>
-            <a:picLocks noChangeAspect="1"/>
-          </p:cNvPicPr>
-          <p:nvPr/>
-        </p:nvPicPr>
-        <p:blipFill>
-          <a:blip r:embed="rId3">
-            <a:extLst>
-              <a:ext uri="{28A0092B-C50C-407E-A947-70E740481C1C}">
-                <a14:useLocalDpi xmlns:a14="http://schemas.microsoft.com/office/drawing/2010/main" val="0"/>
-              </a:ext>
-            </a:extLst>
-          </a:blip>
-          <a:stretch>
-            <a:fillRect/>
-          </a:stretch>
-        </p:blipFill>
-        <p:spPr>
-          <a:xfrm>
-            <a:off x="432000" y="2740635"/>
-            <a:ext cx="4734586" cy="314369"/>
-          </a:xfrm>
-          <a:prstGeom prst="rect">
-            <a:avLst/>
-          </a:prstGeom>
-        </p:spPr>
-      </p:pic>
-      <p:sp>
-        <p:nvSpPr>
-          <p:cNvPr id="6" name="Textfeld 5"/>
+          </p:cNvPr>
           <p:cNvSpPr txBox="1"/>
           <p:nvPr/>
         </p:nvSpPr>
         <p:spPr>
           <a:xfrm>
-            <a:off x="432000" y="6309320"/>
-            <a:ext cx="655949" cy="338554"/>
+            <a:off x="107504" y="1052736"/>
+            <a:ext cx="8892480" cy="4708981"/>
           </a:xfrm>
           <a:prstGeom prst="rect">
             <a:avLst/>
@@ -21653,34 +23304,149 @@
           <a:noFill/>
         </p:spPr>
         <p:txBody>
-          <a:bodyPr wrap="none" rtlCol="0">
+          <a:bodyPr wrap="square" rtlCol="0">
             <a:spAutoFit/>
           </a:bodyPr>
           <a:lstStyle/>
           <a:p>
-            <a:r>
-              <a:rPr lang="de-DE" sz="800" dirty="0">
-                <a:solidFill>
-                  <a:schemeClr val="tx1">
-                    <a:lumMod val="50000"/>
-                    <a:lumOff val="50000"/>
-                  </a:schemeClr>
-                </a:solidFill>
-              </a:rPr>
-              <a:t>Quellen: 7</a:t>
-            </a:r>
-          </a:p>
-          <a:p>
-            <a:r>
-              <a:rPr lang="de-DE" sz="800" dirty="0">
-                <a:solidFill>
-                  <a:schemeClr val="tx1">
-                    <a:lumMod val="50000"/>
-                    <a:lumOff val="50000"/>
-                  </a:schemeClr>
-                </a:solidFill>
-              </a:rPr>
-              <a:t>  </a:t>
+            <a:pPr marL="342900" indent="-342900">
+              <a:spcBef>
+                <a:spcPts val="1200"/>
+              </a:spcBef>
+              <a:buAutoNum type="arabicPeriod"/>
+            </a:pPr>
+            <a:r>
+              <a:rPr lang="de-DE" sz="1600" dirty="0" smtClean="0"/>
+              <a:t>Vorstellung </a:t>
+            </a:r>
+            <a:r>
+              <a:rPr lang="de-DE" sz="1600" dirty="0"/>
+              <a:t>und Diskussion von In-Memory-Technologien unter dem Aspekt der Hochverfügbarkeit und Performancesicherung </a:t>
+            </a:r>
+            <a:endParaRPr lang="de-DE" sz="1600" dirty="0" smtClean="0"/>
+          </a:p>
+          <a:p>
+            <a:pPr marL="342900" indent="-342900">
+              <a:spcBef>
+                <a:spcPts val="1200"/>
+              </a:spcBef>
+              <a:buAutoNum type="arabicPeriod"/>
+            </a:pPr>
+            <a:r>
+              <a:rPr lang="de-DE" sz="1600" dirty="0" smtClean="0"/>
+              <a:t>Erarbeitung </a:t>
+            </a:r>
+            <a:r>
+              <a:rPr lang="de-DE" sz="1600" dirty="0"/>
+              <a:t>von Strategien für die Umsetzung von Anforderungen an Konsistenz, Verfügbarkeit, Performance und Ausfalltoleranz (CAP) bei verschiedenen Systemen für die Verwaltung transaktionaler Daten einerseits und die Analyse großer Datenmengen andererseits </a:t>
+            </a:r>
+            <a:r>
+              <a:rPr lang="de-DE" sz="1600" dirty="0" smtClean="0"/>
+              <a:t>???????</a:t>
+            </a:r>
+          </a:p>
+          <a:p>
+            <a:pPr marL="342900" indent="-342900">
+              <a:spcBef>
+                <a:spcPts val="1200"/>
+              </a:spcBef>
+              <a:buAutoNum type="arabicPeriod"/>
+            </a:pPr>
+            <a:r>
+              <a:rPr lang="de-DE" sz="1600" dirty="0" smtClean="0"/>
+              <a:t>Einarbeitung </a:t>
+            </a:r>
+            <a:r>
+              <a:rPr lang="de-DE" sz="1600" dirty="0"/>
+              <a:t>in die In-Memory-Funktionalitäten von SAP HANA Express und MS SQL Server 2016 hinsichtlich (alter und) neuer Features zur Sicherung von Hochverfügbarkeit und/oder Performance </a:t>
+            </a:r>
+            <a:endParaRPr lang="de-DE" sz="1600" dirty="0" smtClean="0"/>
+          </a:p>
+          <a:p>
+            <a:pPr marL="342900" indent="-342900">
+              <a:spcBef>
+                <a:spcPts val="1200"/>
+              </a:spcBef>
+              <a:buAutoNum type="arabicPeriod"/>
+            </a:pPr>
+            <a:r>
+              <a:rPr lang="de-DE" sz="1600" dirty="0" smtClean="0"/>
+              <a:t>Untersuchung </a:t>
+            </a:r>
+            <a:r>
+              <a:rPr lang="de-DE" sz="1600" dirty="0"/>
+              <a:t>der Möglichkeiten von Cache-/In-Memory-Technologien bei </a:t>
+            </a:r>
+            <a:r>
+              <a:rPr lang="de-DE" sz="1600" dirty="0" err="1"/>
+              <a:t>NoSQL</a:t>
+            </a:r>
+            <a:r>
+              <a:rPr lang="de-DE" sz="1600" dirty="0"/>
+              <a:t>-Datenbanken (z.B. </a:t>
+            </a:r>
+            <a:r>
+              <a:rPr lang="de-DE" sz="1600" dirty="0" err="1"/>
+              <a:t>Memcached</a:t>
+            </a:r>
+            <a:r>
+              <a:rPr lang="de-DE" sz="1600" dirty="0"/>
+              <a:t>), </a:t>
+            </a:r>
+            <a:endParaRPr lang="de-DE" sz="1600" dirty="0" smtClean="0"/>
+          </a:p>
+          <a:p>
+            <a:pPr marL="342900" indent="-342900">
+              <a:spcBef>
+                <a:spcPts val="1200"/>
+              </a:spcBef>
+              <a:buAutoNum type="arabicPeriod"/>
+            </a:pPr>
+            <a:r>
+              <a:rPr lang="de-DE" sz="1600" dirty="0" smtClean="0"/>
+              <a:t>Erarbeitung </a:t>
+            </a:r>
+            <a:r>
+              <a:rPr lang="de-DE" sz="1600" dirty="0"/>
+              <a:t>eines konzeptionellen Entwurfs für ein mögliches Beispielszenario, </a:t>
+            </a:r>
+            <a:endParaRPr lang="de-DE" sz="1600" dirty="0" smtClean="0"/>
+          </a:p>
+          <a:p>
+            <a:pPr marL="342900" indent="-342900">
+              <a:spcBef>
+                <a:spcPts val="1200"/>
+              </a:spcBef>
+              <a:buAutoNum type="arabicPeriod"/>
+            </a:pPr>
+            <a:r>
+              <a:rPr lang="de-DE" sz="1600" dirty="0" smtClean="0"/>
+              <a:t>Prototypische </a:t>
+            </a:r>
+            <a:r>
+              <a:rPr lang="de-DE" sz="1600" dirty="0"/>
+              <a:t>Umsetzung von In-Memory-Technologien an mehreren Beispielsystemen ( vergleichende Analyse), </a:t>
+            </a:r>
+            <a:endParaRPr lang="de-DE" sz="1600" dirty="0" smtClean="0"/>
+          </a:p>
+          <a:p>
+            <a:pPr marL="342900" indent="-342900">
+              <a:spcBef>
+                <a:spcPts val="1200"/>
+              </a:spcBef>
+              <a:buAutoNum type="arabicPeriod"/>
+            </a:pPr>
+            <a:r>
+              <a:rPr lang="de-DE" sz="1600" dirty="0" smtClean="0"/>
+              <a:t>Aufbereitung </a:t>
+            </a:r>
+            <a:r>
+              <a:rPr lang="de-DE" sz="1600" dirty="0"/>
+              <a:t>und Auswertung der </a:t>
+            </a:r>
+            <a:r>
+              <a:rPr lang="de-DE" sz="1600" dirty="0" smtClean="0"/>
+              <a:t>Ergebnisse</a:t>
             </a:r>
           </a:p>
         </p:txBody>
@@ -21688,7 +23454,7 @@
     </p:spTree>
     <p:extLst>
       <p:ext uri="{BB962C8B-B14F-4D97-AF65-F5344CB8AC3E}">
-        <p14:creationId xmlns:p14="http://schemas.microsoft.com/office/powerpoint/2010/main" val="889318906"/>
+        <p14:creationId xmlns:p14="http://schemas.microsoft.com/office/powerpoint/2010/main" val="3341487397"/>
       </p:ext>
     </p:extLst>
   </p:cSld>
@@ -21706,263 +23472,6 @@
 </file>
 
 <file path=ppt/slides/slide30.xml><?xml version="1.0" encoding="utf-8"?>
-<p:sld xmlns:a="http://schemas.openxmlformats.org/drawingml/2006/main" xmlns:r="http://schemas.openxmlformats.org/officeDocument/2006/relationships" xmlns:p="http://schemas.openxmlformats.org/presentationml/2006/main">
-  <p:cSld>
-    <p:spTree>
-      <p:nvGrpSpPr>
-        <p:cNvPr id="1" name=""/>
-        <p:cNvGrpSpPr/>
-        <p:nvPr/>
-      </p:nvGrpSpPr>
-      <p:grpSpPr>
-        <a:xfrm>
-          <a:off x="0" y="0"/>
-          <a:ext cx="0" cy="0"/>
-          <a:chOff x="0" y="0"/>
-          <a:chExt cx="0" cy="0"/>
-        </a:xfrm>
-      </p:grpSpPr>
-      <p:sp>
-        <p:nvSpPr>
-          <p:cNvPr id="2" name="Inhaltsplatzhalter 1"/>
-          <p:cNvSpPr>
-            <a:spLocks noGrp="1"/>
-          </p:cNvSpPr>
-          <p:nvPr>
-            <p:ph idx="1"/>
-          </p:nvPr>
-        </p:nvSpPr>
-        <p:spPr/>
-        <p:txBody>
-          <a:bodyPr/>
-          <a:lstStyle/>
-          <a:p>
-            <a:pPr marL="457200" lvl="1" indent="0">
-              <a:buNone/>
-            </a:pPr>
-            <a:endParaRPr lang="de-DE" dirty="0"/>
-          </a:p>
-          <a:p>
-            <a:endParaRPr lang="de-DE" dirty="0"/>
-          </a:p>
-        </p:txBody>
-      </p:sp>
-      <p:sp>
-        <p:nvSpPr>
-          <p:cNvPr id="3" name="Titel 2"/>
-          <p:cNvSpPr>
-            <a:spLocks noGrp="1"/>
-          </p:cNvSpPr>
-          <p:nvPr>
-            <p:ph type="title"/>
-          </p:nvPr>
-        </p:nvSpPr>
-        <p:spPr/>
-        <p:txBody>
-          <a:bodyPr/>
-          <a:lstStyle/>
-          <a:p>
-            <a:r>
-              <a:rPr lang="de-DE" dirty="0" smtClean="0"/>
-              <a:t>Memcache - Funktionsweise</a:t>
-            </a:r>
-            <a:endParaRPr lang="de-DE" dirty="0"/>
-          </a:p>
-        </p:txBody>
-      </p:sp>
-      <p:sp>
-        <p:nvSpPr>
-          <p:cNvPr id="4" name="Textfeld 3"/>
-          <p:cNvSpPr txBox="1"/>
-          <p:nvPr/>
-        </p:nvSpPr>
-        <p:spPr>
-          <a:xfrm>
-            <a:off x="539552" y="836712"/>
-            <a:ext cx="8136904" cy="6186309"/>
-          </a:xfrm>
-          <a:prstGeom prst="rect">
-            <a:avLst/>
-          </a:prstGeom>
-          <a:noFill/>
-        </p:spPr>
-        <p:txBody>
-          <a:bodyPr wrap="square" rtlCol="0">
-            <a:spAutoFit/>
-          </a:bodyPr>
-          <a:lstStyle/>
-          <a:p>
-            <a:pPr marL="285750" indent="-285750">
-              <a:lnSpc>
-                <a:spcPct val="150000"/>
-              </a:lnSpc>
-              <a:buFont typeface="Arial" panose="020B0604020202020204" pitchFamily="34" charset="0"/>
-              <a:buChar char="•"/>
-            </a:pPr>
-            <a:r>
-              <a:rPr lang="de-DE" sz="1800" dirty="0" err="1" smtClean="0"/>
-              <a:t>Memcached</a:t>
-            </a:r>
-            <a:r>
-              <a:rPr lang="de-DE" sz="1800" dirty="0" smtClean="0"/>
-              <a:t> </a:t>
-            </a:r>
-            <a:r>
-              <a:rPr lang="de-DE" sz="1800" dirty="0"/>
-              <a:t>stellt mehrere Hashtabellen zur Verfügung (Key-Tabelle , Value-Tabelle)</a:t>
-            </a:r>
-          </a:p>
-          <a:p>
-            <a:pPr marL="285750" indent="-285750">
-              <a:lnSpc>
-                <a:spcPct val="150000"/>
-              </a:lnSpc>
-              <a:buFont typeface="Arial" panose="020B0604020202020204" pitchFamily="34" charset="0"/>
-              <a:buChar char="•"/>
-            </a:pPr>
-            <a:r>
-              <a:rPr lang="de-DE" sz="1800" dirty="0" smtClean="0"/>
-              <a:t>vergleichbar </a:t>
-            </a:r>
-            <a:r>
-              <a:rPr lang="de-DE" sz="1800" dirty="0"/>
-              <a:t>mit Assoziativen Arrays in verschiedenen </a:t>
-            </a:r>
-            <a:r>
-              <a:rPr lang="de-DE" sz="1800" dirty="0" smtClean="0"/>
-              <a:t>Programmiersprachen</a:t>
-            </a:r>
-          </a:p>
-          <a:p>
-            <a:pPr marL="285750" indent="-285750">
-              <a:lnSpc>
-                <a:spcPct val="150000"/>
-              </a:lnSpc>
-              <a:buFont typeface="Arial" panose="020B0604020202020204" pitchFamily="34" charset="0"/>
-              <a:buChar char="•"/>
-            </a:pPr>
-            <a:r>
-              <a:rPr lang="de-DE" sz="1800" dirty="0" smtClean="0"/>
-              <a:t>Speicher </a:t>
-            </a:r>
-            <a:r>
-              <a:rPr lang="de-DE" sz="1800" dirty="0"/>
-              <a:t>wird über einen </a:t>
-            </a:r>
-            <a:r>
-              <a:rPr lang="de-DE" sz="1800" dirty="0" err="1"/>
-              <a:t>Slab-Allocator</a:t>
-            </a:r>
-            <a:r>
-              <a:rPr lang="de-DE" sz="1800" dirty="0"/>
-              <a:t> verwaltet (viele kleine Speicherbereiche werden  häufig reserviert und wieder freigegeben - bei Memcache max. 1 MByte groß) </a:t>
-            </a:r>
-          </a:p>
-          <a:p>
-            <a:pPr marL="285750" indent="-285750">
-              <a:lnSpc>
-                <a:spcPct val="150000"/>
-              </a:lnSpc>
-              <a:buFont typeface="Arial" panose="020B0604020202020204" pitchFamily="34" charset="0"/>
-              <a:buChar char="•"/>
-            </a:pPr>
-            <a:r>
-              <a:rPr lang="de-DE" sz="1800" dirty="0"/>
-              <a:t>Memcache hat keine definierten Clients -&gt; Programm Bibliotheken nehmen großen Einfluss</a:t>
-            </a:r>
-            <a:br>
-              <a:rPr lang="de-DE" sz="1800" dirty="0"/>
-            </a:br>
-            <a:r>
-              <a:rPr lang="de-DE" sz="1800" dirty="0"/>
-              <a:t>(am weitesten verbreitet für PHP -&gt; PECL Memcached)	</a:t>
-            </a:r>
-          </a:p>
-          <a:p>
-            <a:pPr marL="285750" indent="-285750">
-              <a:lnSpc>
-                <a:spcPct val="150000"/>
-              </a:lnSpc>
-              <a:buFont typeface="Arial" panose="020B0604020202020204" pitchFamily="34" charset="0"/>
-              <a:buChar char="•"/>
-            </a:pPr>
-            <a:r>
-              <a:rPr lang="de-DE" sz="1800" dirty="0"/>
-              <a:t>Komprimierung wird nur über die Bibliotheken </a:t>
-            </a:r>
-            <a:r>
-              <a:rPr lang="de-DE" sz="1800" dirty="0" smtClean="0"/>
-              <a:t>erreicht</a:t>
-            </a:r>
-            <a:endParaRPr lang="de-DE" sz="1800" dirty="0"/>
-          </a:p>
-          <a:p>
-            <a:pPr marL="285750" indent="-285750">
-              <a:lnSpc>
-                <a:spcPct val="150000"/>
-              </a:lnSpc>
-              <a:buFont typeface="Arial" panose="020B0604020202020204" pitchFamily="34" charset="0"/>
-              <a:buChar char="•"/>
-            </a:pPr>
-            <a:r>
-              <a:rPr lang="de-DE" sz="1800" dirty="0"/>
-              <a:t>Bei PHP mit </a:t>
-            </a:r>
-            <a:r>
-              <a:rPr lang="de-DE" sz="1800" dirty="0" err="1"/>
-              <a:t>zlib</a:t>
-            </a:r>
-            <a:r>
-              <a:rPr lang="de-DE" sz="1800" dirty="0"/>
-              <a:t>, die verschiedene Komprimierungsmethoden anbietet</a:t>
-            </a:r>
-          </a:p>
-          <a:p>
-            <a:pPr marL="285750" indent="-285750">
-              <a:buFont typeface="Arial" panose="020B0604020202020204" pitchFamily="34" charset="0"/>
-              <a:buChar char="•"/>
-            </a:pPr>
-            <a:endParaRPr lang="de-DE" sz="1800" dirty="0" smtClean="0"/>
-          </a:p>
-          <a:p>
-            <a:pPr marL="285750" indent="-285750">
-              <a:buFont typeface="Arial" panose="020B0604020202020204" pitchFamily="34" charset="0"/>
-              <a:buChar char="•"/>
-            </a:pPr>
-            <a:endParaRPr lang="de-DE" sz="1800" dirty="0" smtClean="0"/>
-          </a:p>
-          <a:p>
-            <a:endParaRPr lang="de-DE" sz="1800" dirty="0" smtClean="0"/>
-          </a:p>
-          <a:p>
-            <a:r>
-              <a:rPr lang="de-DE" sz="1800" dirty="0"/>
-              <a:t>	</a:t>
-            </a:r>
-          </a:p>
-        </p:txBody>
-      </p:sp>
-    </p:spTree>
-    <p:extLst>
-      <p:ext uri="{BB962C8B-B14F-4D97-AF65-F5344CB8AC3E}">
-        <p14:creationId xmlns:p14="http://schemas.microsoft.com/office/powerpoint/2010/main" val="3866101321"/>
-      </p:ext>
-    </p:extLst>
-  </p:cSld>
-  <p:clrMapOvr>
-    <a:masterClrMapping/>
-  </p:clrMapOvr>
-  <p:timing>
-    <p:tnLst>
-      <p:par>
-        <p:cTn id="1" dur="indefinite" restart="never" nodeType="tmRoot"/>
-      </p:par>
-    </p:tnLst>
-  </p:timing>
-</p:sld>
-</file>
-
-<file path=ppt/slides/slide31.xml><?xml version="1.0" encoding="utf-8"?>
 <p:sld xmlns:a="http://schemas.openxmlformats.org/drawingml/2006/main" xmlns:r="http://schemas.openxmlformats.org/officeDocument/2006/relationships" xmlns:p="http://schemas.openxmlformats.org/presentationml/2006/main">
   <p:cSld>
     <p:spTree>
@@ -22141,7 +23650,7 @@
 </p:sld>
 </file>
 
-<file path=ppt/slides/slide32.xml><?xml version="1.0" encoding="utf-8"?>
+<file path=ppt/slides/slide31.xml><?xml version="1.0" encoding="utf-8"?>
 <p:sld xmlns:a="http://schemas.openxmlformats.org/drawingml/2006/main" xmlns:r="http://schemas.openxmlformats.org/officeDocument/2006/relationships" xmlns:p="http://schemas.openxmlformats.org/presentationml/2006/main">
   <p:cSld>
     <p:spTree>
@@ -22805,7 +24314,7 @@
 </p:sld>
 </file>
 
-<file path=ppt/slides/slide33.xml><?xml version="1.0" encoding="utf-8"?>
+<file path=ppt/slides/slide32.xml><?xml version="1.0" encoding="utf-8"?>
 <p:sld xmlns:a="http://schemas.openxmlformats.org/drawingml/2006/main" xmlns:r="http://schemas.openxmlformats.org/officeDocument/2006/relationships" xmlns:p="http://schemas.openxmlformats.org/presentationml/2006/main">
   <p:cSld>
     <p:spTree>
@@ -23017,6 +24526,158 @@
 </p:sld>
 </file>
 
+<file path=ppt/slides/slide33.xml><?xml version="1.0" encoding="utf-8"?>
+<p:sld xmlns:a="http://schemas.openxmlformats.org/drawingml/2006/main" xmlns:r="http://schemas.openxmlformats.org/officeDocument/2006/relationships" xmlns:p="http://schemas.openxmlformats.org/presentationml/2006/main">
+  <p:cSld>
+    <p:spTree>
+      <p:nvGrpSpPr>
+        <p:cNvPr id="1" name=""/>
+        <p:cNvGrpSpPr/>
+        <p:nvPr/>
+      </p:nvGrpSpPr>
+      <p:grpSpPr>
+        <a:xfrm>
+          <a:off x="0" y="0"/>
+          <a:ext cx="0" cy="0"/>
+          <a:chOff x="0" y="0"/>
+          <a:chExt cx="0" cy="0"/>
+        </a:xfrm>
+      </p:grpSpPr>
+      <p:sp>
+        <p:nvSpPr>
+          <p:cNvPr id="2" name="Inhaltsplatzhalter 1"/>
+          <p:cNvSpPr>
+            <a:spLocks noGrp="1"/>
+          </p:cNvSpPr>
+          <p:nvPr>
+            <p:ph idx="1"/>
+          </p:nvPr>
+        </p:nvSpPr>
+        <p:spPr/>
+        <p:txBody>
+          <a:bodyPr/>
+          <a:lstStyle/>
+          <a:p>
+            <a:pPr marL="0" indent="0">
+              <a:buNone/>
+            </a:pPr>
+            <a:endParaRPr lang="de-DE" dirty="0"/>
+          </a:p>
+          <a:p>
+            <a:pPr marL="0" indent="0">
+              <a:buNone/>
+            </a:pPr>
+            <a:endParaRPr lang="de-DE" dirty="0"/>
+          </a:p>
+          <a:p>
+            <a:pPr marL="0" indent="0">
+              <a:buNone/>
+            </a:pPr>
+            <a:endParaRPr lang="de-DE" dirty="0"/>
+          </a:p>
+          <a:p>
+            <a:pPr marL="0" indent="0">
+              <a:buNone/>
+            </a:pPr>
+            <a:endParaRPr lang="de-DE" dirty="0"/>
+          </a:p>
+          <a:p>
+            <a:pPr marL="0" indent="0">
+              <a:buNone/>
+            </a:pPr>
+            <a:endParaRPr lang="de-DE" dirty="0"/>
+          </a:p>
+        </p:txBody>
+      </p:sp>
+      <p:sp>
+        <p:nvSpPr>
+          <p:cNvPr id="3" name="Titel 2"/>
+          <p:cNvSpPr>
+            <a:spLocks noGrp="1"/>
+          </p:cNvSpPr>
+          <p:nvPr>
+            <p:ph type="title"/>
+          </p:nvPr>
+        </p:nvSpPr>
+        <p:spPr>
+          <a:xfrm>
+            <a:off x="71960" y="836712"/>
+            <a:ext cx="8604496" cy="5559288"/>
+          </a:xfrm>
+        </p:spPr>
+        <p:txBody>
+          <a:bodyPr/>
+          <a:lstStyle/>
+          <a:p>
+            <a:pPr algn="ctr"/>
+            <a:r>
+              <a:rPr lang="de-DE" dirty="0" smtClean="0"/>
+              <a:t>Vergleich</a:t>
+            </a:r>
+            <a:endParaRPr lang="de-DE" dirty="0"/>
+          </a:p>
+        </p:txBody>
+      </p:sp>
+      <p:sp>
+        <p:nvSpPr>
+          <p:cNvPr id="7" name="Textfeld 6"/>
+          <p:cNvSpPr txBox="1"/>
+          <p:nvPr/>
+        </p:nvSpPr>
+        <p:spPr>
+          <a:xfrm>
+            <a:off x="539552" y="1268760"/>
+            <a:ext cx="8136904" cy="784830"/>
+          </a:xfrm>
+          <a:prstGeom prst="rect">
+            <a:avLst/>
+          </a:prstGeom>
+          <a:noFill/>
+        </p:spPr>
+        <p:txBody>
+          <a:bodyPr wrap="square" rtlCol="0">
+            <a:spAutoFit/>
+          </a:bodyPr>
+          <a:lstStyle/>
+          <a:p>
+            <a:pPr marL="285750" indent="-285750">
+              <a:lnSpc>
+                <a:spcPct val="150000"/>
+              </a:lnSpc>
+              <a:buFont typeface="Arial" panose="020B0604020202020204" pitchFamily="34" charset="0"/>
+              <a:buChar char="•"/>
+            </a:pPr>
+            <a:endParaRPr lang="de-DE" sz="1800" dirty="0"/>
+          </a:p>
+          <a:p>
+            <a:pPr marL="285750" indent="-285750">
+              <a:buFont typeface="Arial" panose="020B0604020202020204" pitchFamily="34" charset="0"/>
+              <a:buChar char="•"/>
+            </a:pPr>
+            <a:endParaRPr lang="de-DE" sz="1800" dirty="0"/>
+          </a:p>
+        </p:txBody>
+      </p:sp>
+    </p:spTree>
+    <p:extLst>
+      <p:ext uri="{BB962C8B-B14F-4D97-AF65-F5344CB8AC3E}">
+        <p14:creationId xmlns:p14="http://schemas.microsoft.com/office/powerpoint/2010/main" val="3643032555"/>
+      </p:ext>
+    </p:extLst>
+  </p:cSld>
+  <p:clrMapOvr>
+    <a:masterClrMapping/>
+  </p:clrMapOvr>
+  <p:timing>
+    <p:tnLst>
+      <p:par>
+        <p:cTn id="1" dur="indefinite" restart="never" nodeType="tmRoot"/>
+      </p:par>
+    </p:tnLst>
+  </p:timing>
+</p:sld>
+</file>
+
 <file path=ppt/slides/slide34.xml><?xml version="1.0" encoding="utf-8"?>
 <p:sld xmlns:a="http://schemas.openxmlformats.org/drawingml/2006/main" xmlns:r="http://schemas.openxmlformats.org/officeDocument/2006/relationships" xmlns:p="http://schemas.openxmlformats.org/presentationml/2006/main">
   <p:cSld>
@@ -23059,7 +24720,7 @@
       </p:sp>
       <p:pic>
         <p:nvPicPr>
-          <p:cNvPr id="15" name="Inhaltsplatzhalter 14"/>
+          <p:cNvPr id="18" name="Inhaltsplatzhalter 17" descr="Bildschirmausschnitt"/>
           <p:cNvPicPr>
             <a:picLocks noGrp="1" noChangeAspect="1"/>
           </p:cNvPicPr>
@@ -23081,15 +24742,15 @@
         </p:blipFill>
         <p:spPr>
           <a:xfrm>
-            <a:off x="32751" y="1124744"/>
-            <a:ext cx="9069435" cy="4248472"/>
+            <a:off x="24774" y="1268760"/>
+            <a:ext cx="9139896" cy="4286225"/>
           </a:xfrm>
         </p:spPr>
       </p:pic>
     </p:spTree>
     <p:extLst>
       <p:ext uri="{BB962C8B-B14F-4D97-AF65-F5344CB8AC3E}">
-        <p14:creationId xmlns:p14="http://schemas.microsoft.com/office/powerpoint/2010/main" val="2896993615"/>
+        <p14:creationId xmlns:p14="http://schemas.microsoft.com/office/powerpoint/2010/main" val="2678243028"/>
       </p:ext>
     </p:extLst>
   </p:cSld>
@@ -23358,21 +25019,21 @@
                 <a:gridCol w="2398426">
                   <a:extLst>
                     <a:ext uri="{9D8B030D-6E8A-4147-A177-3AD203B41FA5}">
-                      <a16:colId xmlns:a16="http://schemas.microsoft.com/office/drawing/2014/main" xmlns="" val="20000"/>
+                      <a16:colId xmlns="" xmlns:a16="http://schemas.microsoft.com/office/drawing/2014/main" val="20000"/>
                     </a:ext>
                   </a:extLst>
                 </a:gridCol>
                 <a:gridCol w="3147935">
                   <a:extLst>
                     <a:ext uri="{9D8B030D-6E8A-4147-A177-3AD203B41FA5}">
-                      <a16:colId xmlns:a16="http://schemas.microsoft.com/office/drawing/2014/main" xmlns="" val="20001"/>
+                      <a16:colId xmlns="" xmlns:a16="http://schemas.microsoft.com/office/drawing/2014/main" val="20001"/>
                     </a:ext>
                   </a:extLst>
                 </a:gridCol>
                 <a:gridCol w="3597639">
                   <a:extLst>
                     <a:ext uri="{9D8B030D-6E8A-4147-A177-3AD203B41FA5}">
-                      <a16:colId xmlns:a16="http://schemas.microsoft.com/office/drawing/2014/main" xmlns="" val="20002"/>
+                      <a16:colId xmlns="" xmlns:a16="http://schemas.microsoft.com/office/drawing/2014/main" val="20002"/>
                     </a:ext>
                   </a:extLst>
                 </a:gridCol>
@@ -23419,7 +25080,7 @@
                 </a:tc>
                 <a:extLst>
                   <a:ext uri="{0D108BD9-81ED-4DB2-BD59-A6C34878D82A}">
-                    <a16:rowId xmlns:a16="http://schemas.microsoft.com/office/drawing/2014/main" xmlns="" val="10000"/>
+                    <a16:rowId xmlns="" xmlns:a16="http://schemas.microsoft.com/office/drawing/2014/main" val="10000"/>
                   </a:ext>
                 </a:extLst>
               </a:tr>
@@ -23770,7 +25431,7 @@
                 </a:tc>
                 <a:extLst>
                   <a:ext uri="{0D108BD9-81ED-4DB2-BD59-A6C34878D82A}">
-                    <a16:rowId xmlns:a16="http://schemas.microsoft.com/office/drawing/2014/main" xmlns="" val="10001"/>
+                    <a16:rowId xmlns="" xmlns:a16="http://schemas.microsoft.com/office/drawing/2014/main" val="10001"/>
                   </a:ext>
                 </a:extLst>
               </a:tr>
@@ -24073,7 +25734,7 @@
                 </a:tc>
                 <a:extLst>
                   <a:ext uri="{0D108BD9-81ED-4DB2-BD59-A6C34878D82A}">
-                    <a16:rowId xmlns:a16="http://schemas.microsoft.com/office/drawing/2014/main" xmlns="" val="10002"/>
+                    <a16:rowId xmlns="" xmlns:a16="http://schemas.microsoft.com/office/drawing/2014/main" val="10002"/>
                   </a:ext>
                 </a:extLst>
               </a:tr>
@@ -24185,21 +25846,21 @@
                 <a:gridCol w="2398426">
                   <a:extLst>
                     <a:ext uri="{9D8B030D-6E8A-4147-A177-3AD203B41FA5}">
-                      <a16:colId xmlns:a16="http://schemas.microsoft.com/office/drawing/2014/main" xmlns="" val="20000"/>
+                      <a16:colId xmlns="" xmlns:a16="http://schemas.microsoft.com/office/drawing/2014/main" val="20000"/>
                     </a:ext>
                   </a:extLst>
                 </a:gridCol>
                 <a:gridCol w="3147935">
                   <a:extLst>
                     <a:ext uri="{9D8B030D-6E8A-4147-A177-3AD203B41FA5}">
-                      <a16:colId xmlns:a16="http://schemas.microsoft.com/office/drawing/2014/main" xmlns="" val="20001"/>
+                      <a16:colId xmlns="" xmlns:a16="http://schemas.microsoft.com/office/drawing/2014/main" val="20001"/>
                     </a:ext>
                   </a:extLst>
                 </a:gridCol>
                 <a:gridCol w="3597639">
                   <a:extLst>
                     <a:ext uri="{9D8B030D-6E8A-4147-A177-3AD203B41FA5}">
-                      <a16:colId xmlns:a16="http://schemas.microsoft.com/office/drawing/2014/main" xmlns="" val="20002"/>
+                      <a16:colId xmlns="" xmlns:a16="http://schemas.microsoft.com/office/drawing/2014/main" val="20002"/>
                     </a:ext>
                   </a:extLst>
                 </a:gridCol>
@@ -24246,7 +25907,7 @@
                 </a:tc>
                 <a:extLst>
                   <a:ext uri="{0D108BD9-81ED-4DB2-BD59-A6C34878D82A}">
-                    <a16:rowId xmlns:a16="http://schemas.microsoft.com/office/drawing/2014/main" xmlns="" val="10000"/>
+                    <a16:rowId xmlns="" xmlns:a16="http://schemas.microsoft.com/office/drawing/2014/main" val="10000"/>
                   </a:ext>
                 </a:extLst>
               </a:tr>
@@ -24395,7 +26056,7 @@
                 </a:tc>
                 <a:extLst>
                   <a:ext uri="{0D108BD9-81ED-4DB2-BD59-A6C34878D82A}">
-                    <a16:rowId xmlns:a16="http://schemas.microsoft.com/office/drawing/2014/main" xmlns="" val="10003"/>
+                    <a16:rowId xmlns="" xmlns:a16="http://schemas.microsoft.com/office/drawing/2014/main" val="10003"/>
                   </a:ext>
                 </a:extLst>
               </a:tr>
@@ -24566,7 +26227,7 @@
                 </a:tc>
                 <a:extLst>
                   <a:ext uri="{0D108BD9-81ED-4DB2-BD59-A6C34878D82A}">
-                    <a16:rowId xmlns:a16="http://schemas.microsoft.com/office/drawing/2014/main" xmlns="" val="10004"/>
+                    <a16:rowId xmlns="" xmlns:a16="http://schemas.microsoft.com/office/drawing/2014/main" val="10004"/>
                   </a:ext>
                 </a:extLst>
               </a:tr>
@@ -24673,7 +26334,19 @@
             </a:r>
             <a:r>
               <a:rPr lang="de-DE" sz="1800" dirty="0" smtClean="0"/>
-              <a:t> ist ein guten Allrounder. Das System ist von allem am Robustesten und macht jede Abfrage ohne Probleme mit. Dafür ist es aber nicht immer am schnellsten. Auch die Oberfläche sowie die Installation überzeugen, da sie schon altbekannt sind und sehr einfach.</a:t>
+              <a:t> </a:t>
+            </a:r>
+            <a:r>
+              <a:rPr lang="de-DE" sz="1800" dirty="0" smtClean="0"/>
+              <a:t>ist ein guten Allrounder. Das System ist von allem am Robustesten </a:t>
+            </a:r>
+            <a:r>
+              <a:rPr lang="de-DE" sz="1800" dirty="0" smtClean="0"/>
+              <a:t>und </a:t>
+            </a:r>
+            <a:r>
+              <a:rPr lang="de-DE" sz="1800" dirty="0" smtClean="0"/>
+              <a:t>macht jede Abfrage ohne Probleme mit. Dafür ist es aber nicht immer am schnellsten. Auch die Oberfläche sowie die Installation überzeugen, da sie schon altbekannt sind und sehr einfach.</a:t>
             </a:r>
           </a:p>
           <a:p>
@@ -25172,215 +26845,6 @@
           <a:lstStyle/>
           <a:p>
             <a:r>
-              <a:rPr lang="de-DE" dirty="0" smtClean="0"/>
-              <a:t>Aufgabenstellung</a:t>
-            </a:r>
-            <a:endParaRPr lang="de-DE" dirty="0"/>
-          </a:p>
-        </p:txBody>
-      </p:sp>
-      <p:sp>
-        <p:nvSpPr>
-          <p:cNvPr id="4" name="Textfeld 3">
-            <a:extLst>
-              <a:ext uri="{FF2B5EF4-FFF2-40B4-BE49-F238E27FC236}">
-                <a16:creationId xmlns:a16="http://schemas.microsoft.com/office/drawing/2014/main" xmlns="" id="{55A35DED-7D1A-4C8F-934D-D5CD3FC3279C}"/>
-              </a:ext>
-            </a:extLst>
-          </p:cNvPr>
-          <p:cNvSpPr txBox="1"/>
-          <p:nvPr/>
-        </p:nvSpPr>
-        <p:spPr>
-          <a:xfrm>
-            <a:off x="251520" y="1052736"/>
-            <a:ext cx="8892480" cy="3785652"/>
-          </a:xfrm>
-          <a:prstGeom prst="rect">
-            <a:avLst/>
-          </a:prstGeom>
-          <a:noFill/>
-        </p:spPr>
-        <p:txBody>
-          <a:bodyPr wrap="square" rtlCol="0">
-            <a:spAutoFit/>
-          </a:bodyPr>
-          <a:lstStyle/>
-          <a:p>
-            <a:pPr marL="342900" indent="-342900">
-              <a:buAutoNum type="arabicPeriod"/>
-            </a:pPr>
-            <a:r>
-              <a:rPr lang="de-DE" sz="1600" dirty="0" smtClean="0"/>
-              <a:t>Vorstellung </a:t>
-            </a:r>
-            <a:r>
-              <a:rPr lang="de-DE" sz="1600" dirty="0"/>
-              <a:t>und Diskussion von In-Memory-Technologien unter dem Aspekt der Hochverfügbarkeit und Performancesicherung </a:t>
-            </a:r>
-            <a:endParaRPr lang="de-DE" sz="1600" dirty="0" smtClean="0"/>
-          </a:p>
-          <a:p>
-            <a:pPr marL="342900" indent="-342900">
-              <a:buAutoNum type="arabicPeriod"/>
-            </a:pPr>
-            <a:r>
-              <a:rPr lang="de-DE" sz="1600" dirty="0" smtClean="0"/>
-              <a:t> </a:t>
-            </a:r>
-            <a:r>
-              <a:rPr lang="de-DE" sz="1600" dirty="0"/>
-              <a:t>Erarbeitung von Strategien für die Umsetzung von Anforderungen an Konsistenz, Verfügbarkeit, Performance und Ausfalltoleranz (CAP) bei verschiedenen Systemen für die Verwaltung transaktionaler Daten einerseits und die Analyse großer Datenmengen andererseits </a:t>
-            </a:r>
-            <a:r>
-              <a:rPr lang="de-DE" sz="1600" dirty="0" smtClean="0"/>
-              <a:t>???????</a:t>
-            </a:r>
-          </a:p>
-          <a:p>
-            <a:pPr marL="342900" indent="-342900">
-              <a:buAutoNum type="arabicPeriod"/>
-            </a:pPr>
-            <a:r>
-              <a:rPr lang="de-DE" sz="1600" dirty="0" smtClean="0"/>
-              <a:t>Einarbeitung </a:t>
-            </a:r>
-            <a:r>
-              <a:rPr lang="de-DE" sz="1600" dirty="0"/>
-              <a:t>in die In-Memory-Funktionalitäten von SAP HANA Express und MS SQL Server 2016 hinsichtlich (alter und) neuer Features zur Sicherung von Hochverfügbarkeit und/oder Performance </a:t>
-            </a:r>
-            <a:endParaRPr lang="de-DE" sz="1600" dirty="0" smtClean="0"/>
-          </a:p>
-          <a:p>
-            <a:pPr marL="342900" indent="-342900">
-              <a:buAutoNum type="arabicPeriod"/>
-            </a:pPr>
-            <a:r>
-              <a:rPr lang="de-DE" sz="1600" dirty="0" smtClean="0"/>
-              <a:t>Untersuchung </a:t>
-            </a:r>
-            <a:r>
-              <a:rPr lang="de-DE" sz="1600" dirty="0"/>
-              <a:t>der Möglichkeiten von Cache-/In-Memory-Technologien bei </a:t>
-            </a:r>
-            <a:r>
-              <a:rPr lang="de-DE" sz="1600" dirty="0" err="1"/>
-              <a:t>NoSQL</a:t>
-            </a:r>
-            <a:r>
-              <a:rPr lang="de-DE" sz="1600" dirty="0"/>
-              <a:t>-Datenbanken (z.B. </a:t>
-            </a:r>
-            <a:r>
-              <a:rPr lang="de-DE" sz="1600" dirty="0" err="1"/>
-              <a:t>Memcached</a:t>
-            </a:r>
-            <a:r>
-              <a:rPr lang="de-DE" sz="1600" dirty="0"/>
-              <a:t>), </a:t>
-            </a:r>
-            <a:endParaRPr lang="de-DE" sz="1600" dirty="0" smtClean="0"/>
-          </a:p>
-          <a:p>
-            <a:pPr marL="342900" indent="-342900">
-              <a:buAutoNum type="arabicPeriod"/>
-            </a:pPr>
-            <a:r>
-              <a:rPr lang="de-DE" sz="1600" dirty="0" smtClean="0"/>
-              <a:t>Erarbeitung </a:t>
-            </a:r>
-            <a:r>
-              <a:rPr lang="de-DE" sz="1600" dirty="0"/>
-              <a:t>eines konzeptionellen Entwurfs für ein mögliches Beispielszenario, </a:t>
-            </a:r>
-            <a:endParaRPr lang="de-DE" sz="1600" dirty="0" smtClean="0"/>
-          </a:p>
-          <a:p>
-            <a:pPr marL="342900" indent="-342900">
-              <a:buAutoNum type="arabicPeriod"/>
-            </a:pPr>
-            <a:r>
-              <a:rPr lang="de-DE" sz="1600" dirty="0" smtClean="0"/>
-              <a:t>Prototypische </a:t>
-            </a:r>
-            <a:r>
-              <a:rPr lang="de-DE" sz="1600" dirty="0"/>
-              <a:t>Umsetzung von In-Memory-Technologien an mehreren Beispielsystemen ( vergleichende Analyse), </a:t>
-            </a:r>
-            <a:endParaRPr lang="de-DE" sz="1600" dirty="0" smtClean="0"/>
-          </a:p>
-          <a:p>
-            <a:pPr marL="342900" indent="-342900">
-              <a:buAutoNum type="arabicPeriod"/>
-            </a:pPr>
-            <a:r>
-              <a:rPr lang="de-DE" sz="1600" dirty="0" smtClean="0"/>
-              <a:t>Aufbereitung </a:t>
-            </a:r>
-            <a:r>
-              <a:rPr lang="de-DE" sz="1600" dirty="0"/>
-              <a:t>und Auswertung der </a:t>
-            </a:r>
-            <a:r>
-              <a:rPr lang="de-DE" sz="1600" dirty="0" smtClean="0"/>
-              <a:t>Ergebnisse</a:t>
-            </a:r>
-          </a:p>
-        </p:txBody>
-      </p:sp>
-    </p:spTree>
-    <p:extLst>
-      <p:ext uri="{BB962C8B-B14F-4D97-AF65-F5344CB8AC3E}">
-        <p14:creationId xmlns:p14="http://schemas.microsoft.com/office/powerpoint/2010/main" val="3341487397"/>
-      </p:ext>
-    </p:extLst>
-  </p:cSld>
-  <p:clrMapOvr>
-    <a:masterClrMapping/>
-  </p:clrMapOvr>
-  <p:timing>
-    <p:tnLst>
-      <p:par>
-        <p:cTn id="1" dur="indefinite" restart="never" nodeType="tmRoot"/>
-      </p:par>
-    </p:tnLst>
-  </p:timing>
-</p:sld>
-</file>
-
-<file path=ppt/slides/slide5.xml><?xml version="1.0" encoding="utf-8"?>
-<p:sld xmlns:a="http://schemas.openxmlformats.org/drawingml/2006/main" xmlns:r="http://schemas.openxmlformats.org/officeDocument/2006/relationships" xmlns:p="http://schemas.openxmlformats.org/presentationml/2006/main">
-  <p:cSld>
-    <p:spTree>
-      <p:nvGrpSpPr>
-        <p:cNvPr id="1" name=""/>
-        <p:cNvGrpSpPr/>
-        <p:nvPr/>
-      </p:nvGrpSpPr>
-      <p:grpSpPr>
-        <a:xfrm>
-          <a:off x="0" y="0"/>
-          <a:ext cx="0" cy="0"/>
-          <a:chOff x="0" y="0"/>
-          <a:chExt cx="0" cy="0"/>
-        </a:xfrm>
-      </p:grpSpPr>
-      <p:sp>
-        <p:nvSpPr>
-          <p:cNvPr id="3" name="Titel 2"/>
-          <p:cNvSpPr>
-            <a:spLocks noGrp="1"/>
-          </p:cNvSpPr>
-          <p:nvPr>
-            <p:ph type="title"/>
-          </p:nvPr>
-        </p:nvSpPr>
-        <p:spPr/>
-        <p:txBody>
-          <a:bodyPr/>
-          <a:lstStyle/>
-          <a:p>
-            <a:r>
               <a:rPr lang="de-DE" dirty="0"/>
               <a:t>Gliederung</a:t>
             </a:r>
@@ -25397,8 +26861,8 @@
         </p:nvSpPr>
         <p:spPr bwMode="auto">
           <a:xfrm>
-            <a:off x="430115" y="836712"/>
-            <a:ext cx="8608398" cy="5930854"/>
+            <a:off x="430115" y="1138333"/>
+            <a:ext cx="8608398" cy="5327612"/>
           </a:xfrm>
           <a:prstGeom prst="rect">
             <a:avLst/>
@@ -25592,12 +27056,15 @@
             </a:lvl9pPr>
           </a:lstStyle>
           <a:p>
-            <a:pPr>
+            <a:pPr marL="3048000" lvl="7">
+              <a:spcBef>
+                <a:spcPts val="1800"/>
+              </a:spcBef>
               <a:buFont typeface="+mj-lt"/>
               <a:buAutoNum type="arabicPeriod"/>
             </a:pPr>
             <a:r>
-              <a:rPr lang="en-US" sz="3200" dirty="0" smtClean="0">
+              <a:rPr lang="en-US" sz="2000" dirty="0" smtClean="0">
                 <a:latin typeface="+mj-lt"/>
                 <a:cs typeface="Consolas" panose="020B0609020204030204" pitchFamily="49" charset="0"/>
               </a:rPr>
@@ -25605,52 +27072,61 @@
             </a:r>
           </a:p>
           <a:p>
-            <a:pPr>
+            <a:pPr marL="3048000" lvl="7">
+              <a:spcBef>
+                <a:spcPts val="1800"/>
+              </a:spcBef>
               <a:buFont typeface="+mj-lt"/>
               <a:buAutoNum type="arabicPeriod"/>
             </a:pPr>
             <a:r>
-              <a:rPr lang="en-US" sz="3200" dirty="0" smtClean="0">
+              <a:rPr lang="en-US" sz="2000" dirty="0" smtClean="0">
                 <a:latin typeface="+mj-lt"/>
                 <a:cs typeface="Consolas" panose="020B0609020204030204" pitchFamily="49" charset="0"/>
               </a:rPr>
               <a:t>Vorstellung der </a:t>
             </a:r>
             <a:r>
-              <a:rPr lang="en-US" sz="3200" dirty="0" err="1" smtClean="0">
+              <a:rPr lang="en-US" sz="2000" dirty="0" err="1" smtClean="0">
                 <a:latin typeface="+mj-lt"/>
                 <a:cs typeface="Consolas" panose="020B0609020204030204" pitchFamily="49" charset="0"/>
               </a:rPr>
               <a:t>Projektgruppe</a:t>
             </a:r>
-            <a:endParaRPr lang="en-US" sz="3200" dirty="0" smtClean="0">
+            <a:endParaRPr lang="en-US" sz="2000" dirty="0" smtClean="0">
               <a:latin typeface="+mj-lt"/>
               <a:cs typeface="Consolas" panose="020B0609020204030204" pitchFamily="49" charset="0"/>
             </a:endParaRPr>
           </a:p>
           <a:p>
-            <a:pPr>
+            <a:pPr marL="3048000" lvl="7">
+              <a:spcBef>
+                <a:spcPts val="1800"/>
+              </a:spcBef>
               <a:buFont typeface="+mj-lt"/>
               <a:buAutoNum type="arabicPeriod"/>
             </a:pPr>
             <a:r>
-              <a:rPr lang="en-US" sz="3200" dirty="0" err="1" smtClean="0">
+              <a:rPr lang="en-US" sz="2000" dirty="0" err="1" smtClean="0">
                 <a:latin typeface="+mj-lt"/>
                 <a:cs typeface="Consolas" panose="020B0609020204030204" pitchFamily="49" charset="0"/>
               </a:rPr>
               <a:t>Lösungsweg</a:t>
             </a:r>
-            <a:endParaRPr lang="de-DE" sz="3200" dirty="0">
+            <a:endParaRPr lang="de-DE" sz="2000" dirty="0">
               <a:latin typeface="+mj-lt"/>
               <a:cs typeface="Consolas" panose="020B0609020204030204" pitchFamily="49" charset="0"/>
             </a:endParaRPr>
           </a:p>
           <a:p>
-            <a:pPr>
+            <a:pPr marL="3048000" lvl="7">
+              <a:spcBef>
+                <a:spcPts val="1800"/>
+              </a:spcBef>
               <a:buAutoNum type="arabicPeriod"/>
             </a:pPr>
             <a:r>
-              <a:rPr lang="de-DE" sz="3200" dirty="0">
+              <a:rPr lang="de-DE" sz="2000" dirty="0">
                 <a:highlight>
                   <a:srgbClr val="FFFFFF"/>
                 </a:highlight>
@@ -25660,11 +27136,14 @@
             </a:r>
           </a:p>
           <a:p>
-            <a:pPr>
+            <a:pPr marL="3048000" lvl="7">
+              <a:spcBef>
+                <a:spcPts val="1800"/>
+              </a:spcBef>
               <a:buAutoNum type="arabicPeriod"/>
             </a:pPr>
             <a:r>
-              <a:rPr lang="de-DE" sz="3200" dirty="0">
+              <a:rPr lang="de-DE" sz="2000" dirty="0">
                 <a:highlight>
                   <a:srgbClr val="FFFFFF"/>
                 </a:highlight>
@@ -25674,11 +27153,14 @@
             </a:r>
           </a:p>
           <a:p>
-            <a:pPr>
+            <a:pPr marL="3048000" lvl="7">
+              <a:spcBef>
+                <a:spcPts val="1800"/>
+              </a:spcBef>
               <a:buAutoNum type="arabicPeriod"/>
             </a:pPr>
             <a:r>
-              <a:rPr lang="de-DE" sz="3200" dirty="0" smtClean="0">
+              <a:rPr lang="de-DE" sz="2000" dirty="0" smtClean="0">
                 <a:highlight>
                   <a:srgbClr val="FFFFFF"/>
                 </a:highlight>
@@ -25688,11 +27170,14 @@
             </a:r>
           </a:p>
           <a:p>
-            <a:pPr>
+            <a:pPr marL="3048000" lvl="7">
+              <a:spcBef>
+                <a:spcPts val="1800"/>
+              </a:spcBef>
               <a:buAutoNum type="arabicPeriod"/>
             </a:pPr>
             <a:r>
-              <a:rPr lang="de-DE" sz="3200" dirty="0" smtClean="0">
+              <a:rPr lang="de-DE" sz="2000" dirty="0" smtClean="0">
                 <a:highlight>
                   <a:srgbClr val="FFFFFF"/>
                 </a:highlight>
@@ -25700,7 +27185,7 @@
               </a:rPr>
               <a:t>NOSQL Memcache</a:t>
             </a:r>
-            <a:endParaRPr lang="de-DE" sz="3200" dirty="0">
+            <a:endParaRPr lang="de-DE" sz="2000" dirty="0">
               <a:highlight>
                 <a:srgbClr val="FFFFFF"/>
               </a:highlight>
@@ -25708,11 +27193,14 @@
             </a:endParaRPr>
           </a:p>
           <a:p>
-            <a:pPr>
+            <a:pPr marL="3048000" lvl="7">
+              <a:spcBef>
+                <a:spcPts val="1800"/>
+              </a:spcBef>
               <a:buAutoNum type="arabicPeriod"/>
             </a:pPr>
             <a:r>
-              <a:rPr lang="de-DE" sz="3200" dirty="0" smtClean="0">
+              <a:rPr lang="de-DE" sz="2000" dirty="0" smtClean="0">
                 <a:highlight>
                   <a:srgbClr val="FFFFFF"/>
                 </a:highlight>
@@ -25722,11 +27210,14 @@
             </a:r>
           </a:p>
           <a:p>
-            <a:pPr>
+            <a:pPr marL="3048000" lvl="7">
+              <a:spcBef>
+                <a:spcPts val="1800"/>
+              </a:spcBef>
               <a:buAutoNum type="arabicPeriod"/>
             </a:pPr>
             <a:r>
-              <a:rPr lang="de-DE" sz="3200" dirty="0" smtClean="0">
+              <a:rPr lang="de-DE" sz="2000" dirty="0" smtClean="0">
                 <a:highlight>
                   <a:srgbClr val="FFFFFF"/>
                 </a:highlight>
@@ -25734,7 +27225,7 @@
               </a:rPr>
               <a:t>Fazit</a:t>
             </a:r>
-            <a:endParaRPr lang="de-DE" sz="3200" dirty="0">
+            <a:endParaRPr lang="de-DE" sz="2000" dirty="0">
               <a:highlight>
                 <a:srgbClr val="FFFFFF"/>
               </a:highlight>
@@ -25774,7 +27265,7 @@
 </p:sld>
 </file>
 
-<file path=ppt/slides/slide6.xml><?xml version="1.0" encoding="utf-8"?>
+<file path=ppt/slides/slide5.xml><?xml version="1.0" encoding="utf-8"?>
 <p:sld xmlns:a="http://schemas.openxmlformats.org/drawingml/2006/main" xmlns:r="http://schemas.openxmlformats.org/officeDocument/2006/relationships" xmlns:p="http://schemas.openxmlformats.org/presentationml/2006/main">
   <p:cSld>
     <p:spTree>
@@ -25819,7 +27310,7 @@
           <p:cNvPr id="4" name="Textfeld 3">
             <a:extLst>
               <a:ext uri="{FF2B5EF4-FFF2-40B4-BE49-F238E27FC236}">
-                <a16:creationId xmlns:a16="http://schemas.microsoft.com/office/drawing/2014/main" xmlns="" id="{55A35DED-7D1A-4C8F-934D-D5CD3FC3279C}"/>
+                <a16:creationId xmlns="" xmlns:a16="http://schemas.microsoft.com/office/drawing/2014/main" id="{55A35DED-7D1A-4C8F-934D-D5CD3FC3279C}"/>
               </a:ext>
             </a:extLst>
           </p:cNvPr>
@@ -25829,7 +27320,7 @@
         <p:spPr>
           <a:xfrm>
             <a:off x="251520" y="1052736"/>
-            <a:ext cx="8892480" cy="2246769"/>
+            <a:ext cx="8892480" cy="1938992"/>
           </a:xfrm>
           <a:prstGeom prst="rect">
             <a:avLst/>
@@ -25843,91 +27334,76 @@
           <a:lstStyle/>
           <a:p>
             <a:pPr marL="514350" indent="-514350">
+              <a:spcBef>
+                <a:spcPts val="600"/>
+              </a:spcBef>
               <a:buAutoNum type="arabicPeriod"/>
             </a:pPr>
             <a:r>
-              <a:rPr lang="de-DE" dirty="0" smtClean="0"/>
+              <a:rPr lang="de-DE" sz="2000" dirty="0" smtClean="0"/>
               <a:t>Einrichtung der DB-Managementsysteme</a:t>
             </a:r>
           </a:p>
           <a:p>
             <a:pPr marL="514350" indent="-514350">
+              <a:spcBef>
+                <a:spcPts val="600"/>
+              </a:spcBef>
               <a:buAutoNum type="arabicPeriod"/>
             </a:pPr>
             <a:r>
-              <a:rPr lang="de-DE" dirty="0" smtClean="0"/>
+              <a:rPr lang="de-DE" sz="2000" dirty="0" smtClean="0"/>
               <a:t>Erstellen einer Datenbank</a:t>
             </a:r>
           </a:p>
           <a:p>
             <a:pPr marL="514350" indent="-514350">
+              <a:spcBef>
+                <a:spcPts val="600"/>
+              </a:spcBef>
               <a:buAutoNum type="arabicPeriod"/>
             </a:pPr>
             <a:r>
-              <a:rPr lang="de-DE" dirty="0" smtClean="0"/>
+              <a:rPr lang="de-DE" sz="2000" dirty="0" smtClean="0"/>
               <a:t>Kopieren der DB auf die unterschiedlichen Systeme</a:t>
             </a:r>
           </a:p>
           <a:p>
             <a:pPr marL="514350" indent="-514350">
+              <a:spcBef>
+                <a:spcPts val="600"/>
+              </a:spcBef>
               <a:buAutoNum type="arabicPeriod"/>
             </a:pPr>
             <a:r>
-              <a:rPr lang="de-DE" dirty="0" smtClean="0"/>
+              <a:rPr lang="de-DE" sz="2000" dirty="0" smtClean="0"/>
               <a:t>Entwicklung der Test-</a:t>
             </a:r>
             <a:r>
-              <a:rPr lang="de-DE" dirty="0" err="1" smtClean="0"/>
+              <a:rPr lang="de-DE" sz="2000" dirty="0" err="1" smtClean="0"/>
               <a:t>Querys</a:t>
             </a:r>
-            <a:endParaRPr lang="de-DE" dirty="0" smtClean="0"/>
+            <a:endParaRPr lang="de-DE" sz="2000" dirty="0" smtClean="0"/>
           </a:p>
           <a:p>
             <a:pPr marL="514350" indent="-514350">
+              <a:spcBef>
+                <a:spcPts val="600"/>
+              </a:spcBef>
               <a:buAutoNum type="arabicPeriod"/>
             </a:pPr>
             <a:r>
-              <a:rPr lang="de-DE" dirty="0" smtClean="0"/>
+              <a:rPr lang="de-DE" sz="2000" dirty="0" smtClean="0"/>
               <a:t>Durchführung der Test-</a:t>
             </a:r>
             <a:r>
-              <a:rPr lang="de-DE" dirty="0" err="1" smtClean="0"/>
+              <a:rPr lang="de-DE" sz="2000" dirty="0" err="1" smtClean="0"/>
               <a:t>Querys</a:t>
             </a:r>
-            <a:endParaRPr lang="de-DE" dirty="0" smtClean="0"/>
+            <a:endParaRPr lang="de-DE" sz="2000" dirty="0" smtClean="0"/>
           </a:p>
         </p:txBody>
       </p:sp>
-      <p:pic>
-        <p:nvPicPr>
-          <p:cNvPr id="5" name="Grafik 4"/>
-          <p:cNvPicPr>
-            <a:picLocks noChangeAspect="1"/>
-          </p:cNvPicPr>
-          <p:nvPr/>
-        </p:nvPicPr>
-        <p:blipFill>
-          <a:blip r:embed="rId3">
-            <a:extLst>
-              <a:ext uri="{28A0092B-C50C-407E-A947-70E740481C1C}">
-                <a14:useLocalDpi xmlns:a14="http://schemas.microsoft.com/office/drawing/2010/main" val="0"/>
-              </a:ext>
-            </a:extLst>
-          </a:blip>
-          <a:stretch>
-            <a:fillRect/>
-          </a:stretch>
-        </p:blipFill>
-        <p:spPr>
-          <a:xfrm>
-            <a:off x="0" y="3299505"/>
-            <a:ext cx="9144000" cy="2619375"/>
-          </a:xfrm>
-          <a:prstGeom prst="rect">
-            <a:avLst/>
-          </a:prstGeom>
-        </p:spPr>
-      </p:pic>
       <p:sp>
         <p:nvSpPr>
           <p:cNvPr id="6" name="Textfeld 5"/>
@@ -25984,7 +27460,7 @@
 </p:sld>
 </file>
 
-<file path=ppt/slides/slide7.xml><?xml version="1.0" encoding="utf-8"?>
+<file path=ppt/slides/slide6.xml><?xml version="1.0" encoding="utf-8"?>
 <p:sld xmlns:a="http://schemas.openxmlformats.org/drawingml/2006/main" xmlns:r="http://schemas.openxmlformats.org/officeDocument/2006/relationships" xmlns:p="http://schemas.openxmlformats.org/presentationml/2006/main">
   <p:cSld>
     <p:spTree>
@@ -26104,7 +27580,7 @@
 </p:sld>
 </file>
 
-<file path=ppt/slides/slide8.xml><?xml version="1.0" encoding="utf-8"?>
+<file path=ppt/slides/slide7.xml><?xml version="1.0" encoding="utf-8"?>
 <p:sld xmlns:a="http://schemas.openxmlformats.org/drawingml/2006/main" xmlns:r="http://schemas.openxmlformats.org/officeDocument/2006/relationships" xmlns:p="http://schemas.openxmlformats.org/presentationml/2006/main">
   <p:cSld>
     <p:spTree>
@@ -26206,6 +27682,233 @@
 </p:sld>
 </file>
 
+<file path=ppt/slides/slide8.xml><?xml version="1.0" encoding="utf-8"?>
+<p:sld xmlns:a="http://schemas.openxmlformats.org/drawingml/2006/main" xmlns:r="http://schemas.openxmlformats.org/officeDocument/2006/relationships" xmlns:p="http://schemas.openxmlformats.org/presentationml/2006/main">
+  <p:cSld>
+    <p:spTree>
+      <p:nvGrpSpPr>
+        <p:cNvPr id="1" name=""/>
+        <p:cNvGrpSpPr/>
+        <p:nvPr/>
+      </p:nvGrpSpPr>
+      <p:grpSpPr>
+        <a:xfrm>
+          <a:off x="0" y="0"/>
+          <a:ext cx="0" cy="0"/>
+          <a:chOff x="0" y="0"/>
+          <a:chExt cx="0" cy="0"/>
+        </a:xfrm>
+      </p:grpSpPr>
+      <p:sp>
+        <p:nvSpPr>
+          <p:cNvPr id="3" name="Titel 2"/>
+          <p:cNvSpPr>
+            <a:spLocks noGrp="1"/>
+          </p:cNvSpPr>
+          <p:nvPr>
+            <p:ph type="title"/>
+          </p:nvPr>
+        </p:nvSpPr>
+        <p:spPr/>
+        <p:txBody>
+          <a:bodyPr/>
+          <a:lstStyle/>
+          <a:p>
+            <a:r>
+              <a:rPr lang="de-DE" dirty="0"/>
+              <a:t>Vorstellung der Projektgruppe</a:t>
+            </a:r>
+          </a:p>
+        </p:txBody>
+      </p:sp>
+      <p:sp>
+        <p:nvSpPr>
+          <p:cNvPr id="4" name="Textfeld 3">
+            <a:extLst>
+              <a:ext uri="{FF2B5EF4-FFF2-40B4-BE49-F238E27FC236}">
+                <a16:creationId xmlns="" xmlns:a16="http://schemas.microsoft.com/office/drawing/2014/main" id="{55A35DED-7D1A-4C8F-934D-D5CD3FC3279C}"/>
+              </a:ext>
+            </a:extLst>
+          </p:cNvPr>
+          <p:cNvSpPr txBox="1"/>
+          <p:nvPr/>
+        </p:nvSpPr>
+        <p:spPr>
+          <a:xfrm>
+            <a:off x="251520" y="1052736"/>
+            <a:ext cx="8892480" cy="4832092"/>
+          </a:xfrm>
+          <a:prstGeom prst="rect">
+            <a:avLst/>
+          </a:prstGeom>
+          <a:noFill/>
+        </p:spPr>
+        <p:txBody>
+          <a:bodyPr wrap="square" rtlCol="0">
+            <a:spAutoFit/>
+          </a:bodyPr>
+          <a:lstStyle/>
+          <a:p>
+            <a:pPr>
+              <a:spcBef>
+                <a:spcPts val="600"/>
+              </a:spcBef>
+            </a:pPr>
+            <a:r>
+              <a:rPr lang="de-DE" dirty="0" smtClean="0"/>
+              <a:t>SAP HANA:	</a:t>
+            </a:r>
+            <a:r>
+              <a:rPr lang="de-DE" sz="2400" dirty="0" smtClean="0"/>
+              <a:t>Philipp Winkler</a:t>
+            </a:r>
+          </a:p>
+          <a:p>
+            <a:pPr>
+              <a:spcBef>
+                <a:spcPts val="600"/>
+              </a:spcBef>
+            </a:pPr>
+            <a:r>
+              <a:rPr lang="de-DE" sz="2400" dirty="0"/>
+              <a:t>	</a:t>
+            </a:r>
+            <a:r>
+              <a:rPr lang="de-DE" sz="2400" dirty="0" smtClean="0"/>
+              <a:t>	   	Clemens Köhler</a:t>
+            </a:r>
+            <a:endParaRPr lang="de-DE" sz="2400" dirty="0"/>
+          </a:p>
+          <a:p>
+            <a:pPr>
+              <a:spcBef>
+                <a:spcPts val="600"/>
+              </a:spcBef>
+            </a:pPr>
+            <a:r>
+              <a:rPr lang="de-DE" dirty="0" smtClean="0"/>
+              <a:t>			</a:t>
+            </a:r>
+          </a:p>
+          <a:p>
+            <a:pPr>
+              <a:spcBef>
+                <a:spcPts val="600"/>
+              </a:spcBef>
+            </a:pPr>
+            <a:r>
+              <a:rPr lang="de-DE" dirty="0" smtClean="0"/>
+              <a:t>MSSQL:		</a:t>
+            </a:r>
+            <a:r>
+              <a:rPr lang="de-DE" sz="2400" dirty="0" smtClean="0"/>
+              <a:t>Robert </a:t>
+            </a:r>
+            <a:r>
+              <a:rPr lang="de-DE" sz="2400" dirty="0" err="1" smtClean="0"/>
+              <a:t>Pietzschmann</a:t>
+            </a:r>
+            <a:endParaRPr lang="de-DE" sz="2400" dirty="0"/>
+          </a:p>
+          <a:p>
+            <a:pPr>
+              <a:spcBef>
+                <a:spcPts val="600"/>
+              </a:spcBef>
+            </a:pPr>
+            <a:r>
+              <a:rPr lang="de-DE" sz="2400" dirty="0" smtClean="0"/>
+              <a:t>			Moritz </a:t>
+            </a:r>
+            <a:r>
+              <a:rPr lang="de-DE" sz="2400" dirty="0" err="1" smtClean="0"/>
+              <a:t>Buchwalder</a:t>
+            </a:r>
+            <a:endParaRPr lang="de-DE" sz="2400" dirty="0" smtClean="0"/>
+          </a:p>
+          <a:p>
+            <a:pPr>
+              <a:spcBef>
+                <a:spcPts val="600"/>
+              </a:spcBef>
+            </a:pPr>
+            <a:r>
+              <a:rPr lang="de-DE" dirty="0" smtClean="0"/>
+              <a:t>			</a:t>
+            </a:r>
+          </a:p>
+          <a:p>
+            <a:pPr>
+              <a:spcBef>
+                <a:spcPts val="600"/>
+              </a:spcBef>
+            </a:pPr>
+            <a:r>
+              <a:rPr lang="de-DE" dirty="0" smtClean="0"/>
+              <a:t>CASSANDRA:	</a:t>
+            </a:r>
+            <a:r>
+              <a:rPr lang="de-DE" sz="2400" dirty="0" smtClean="0"/>
+              <a:t>Marcel Kunz</a:t>
+            </a:r>
+          </a:p>
+          <a:p>
+            <a:pPr>
+              <a:spcBef>
+                <a:spcPts val="600"/>
+              </a:spcBef>
+            </a:pPr>
+            <a:endParaRPr lang="de-DE" sz="2400" dirty="0"/>
+          </a:p>
+          <a:p>
+            <a:pPr>
+              <a:spcBef>
+                <a:spcPts val="600"/>
+              </a:spcBef>
+            </a:pPr>
+            <a:r>
+              <a:rPr lang="de-DE" dirty="0" smtClean="0"/>
+              <a:t>MEMCACHE:</a:t>
+            </a:r>
+            <a:r>
+              <a:rPr lang="de-DE" dirty="0"/>
+              <a:t>	</a:t>
+            </a:r>
+            <a:r>
+              <a:rPr lang="de-DE" sz="2400" dirty="0" smtClean="0"/>
+              <a:t>Robin </a:t>
+            </a:r>
+            <a:r>
+              <a:rPr lang="de-DE" sz="2400" dirty="0" err="1" smtClean="0"/>
+              <a:t>Arnoldt</a:t>
+            </a:r>
+            <a:endParaRPr lang="de-DE" sz="2400" dirty="0" smtClean="0"/>
+          </a:p>
+          <a:p>
+            <a:endParaRPr lang="de-DE" dirty="0"/>
+          </a:p>
+        </p:txBody>
+      </p:sp>
+    </p:spTree>
+    <p:extLst>
+      <p:ext uri="{BB962C8B-B14F-4D97-AF65-F5344CB8AC3E}">
+        <p14:creationId xmlns:p14="http://schemas.microsoft.com/office/powerpoint/2010/main" val="3108195541"/>
+      </p:ext>
+    </p:extLst>
+  </p:cSld>
+  <p:clrMapOvr>
+    <a:masterClrMapping/>
+  </p:clrMapOvr>
+  <p:timing>
+    <p:tnLst>
+      <p:par>
+        <p:cTn id="1" dur="indefinite" restart="never" nodeType="tmRoot"/>
+      </p:par>
+    </p:tnLst>
+  </p:timing>
+</p:sld>
+</file>
+
 <file path=ppt/slides/slide9.xml><?xml version="1.0" encoding="utf-8"?>
 <p:sld xmlns:a="http://schemas.openxmlformats.org/drawingml/2006/main" xmlns:r="http://schemas.openxmlformats.org/officeDocument/2006/relationships" xmlns:p="http://schemas.openxmlformats.org/presentationml/2006/main">
   <p:cSld>
@@ -26239,28 +27942,23 @@
           <a:lstStyle/>
           <a:p>
             <a:r>
-              <a:rPr lang="de-DE" dirty="0"/>
-              <a:t>Vorstellung der Projektgruppe</a:t>
-            </a:r>
+              <a:rPr lang="de-DE" dirty="0" smtClean="0"/>
+              <a:t>Projektumgebung</a:t>
+            </a:r>
+            <a:endParaRPr lang="de-DE" dirty="0"/>
           </a:p>
         </p:txBody>
       </p:sp>
       <p:sp>
         <p:nvSpPr>
-          <p:cNvPr id="4" name="Textfeld 3">
-            <a:extLst>
-              <a:ext uri="{FF2B5EF4-FFF2-40B4-BE49-F238E27FC236}">
-                <a16:creationId xmlns:a16="http://schemas.microsoft.com/office/drawing/2014/main" xmlns="" id="{55A35DED-7D1A-4C8F-934D-D5CD3FC3279C}"/>
-              </a:ext>
-            </a:extLst>
-          </p:cNvPr>
+          <p:cNvPr id="4" name="Textfeld 3"/>
           <p:cNvSpPr txBox="1"/>
           <p:nvPr/>
         </p:nvSpPr>
         <p:spPr>
           <a:xfrm>
-            <a:off x="251520" y="1052736"/>
-            <a:ext cx="8892480" cy="4832092"/>
+            <a:off x="539552" y="1052736"/>
+            <a:ext cx="5004896" cy="2062103"/>
           </a:xfrm>
           <a:prstGeom prst="rect">
             <a:avLst/>
@@ -26268,169 +27966,247 @@
           <a:noFill/>
         </p:spPr>
         <p:txBody>
-          <a:bodyPr wrap="square" rtlCol="0">
+          <a:bodyPr wrap="none" rtlCol="0">
             <a:spAutoFit/>
           </a:bodyPr>
           <a:lstStyle/>
           <a:p>
-            <a:pPr>
-              <a:spcBef>
-                <a:spcPts val="600"/>
-              </a:spcBef>
+            <a:r>
+              <a:rPr lang="de-DE" sz="2000" dirty="0" smtClean="0"/>
+              <a:t>Arbeitsspeicher: 	32GB DDR3</a:t>
+            </a:r>
+          </a:p>
+          <a:p>
+            <a:r>
+              <a:rPr lang="de-DE" sz="2000" dirty="0" smtClean="0"/>
+              <a:t>Prozessor:		Intel Core I7-4790</a:t>
+            </a:r>
+          </a:p>
+          <a:p>
+            <a:r>
+              <a:rPr lang="de-DE" sz="2000" dirty="0" smtClean="0"/>
+              <a:t>Betriebssystem:		Windows 8</a:t>
+            </a:r>
+          </a:p>
+          <a:p>
+            <a:r>
+              <a:rPr lang="de-DE" sz="2000" dirty="0" smtClean="0"/>
+              <a:t>Speichermedium:	HDD Festplatte</a:t>
+            </a:r>
+          </a:p>
+          <a:p>
+            <a:endParaRPr lang="de-DE" sz="2000" dirty="0" smtClean="0"/>
+          </a:p>
+          <a:p>
+            <a:endParaRPr lang="de-DE" dirty="0"/>
+          </a:p>
+        </p:txBody>
+      </p:sp>
+      <p:sp>
+        <p:nvSpPr>
+          <p:cNvPr id="5" name="Textfeld 4"/>
+          <p:cNvSpPr txBox="1"/>
+          <p:nvPr/>
+        </p:nvSpPr>
+        <p:spPr>
+          <a:xfrm>
+            <a:off x="566286" y="2636912"/>
+            <a:ext cx="3856569" cy="2708434"/>
+          </a:xfrm>
+          <a:prstGeom prst="rect">
+            <a:avLst/>
+          </a:prstGeom>
+          <a:noFill/>
+        </p:spPr>
+        <p:txBody>
+          <a:bodyPr wrap="none" rtlCol="0">
+            <a:spAutoFit/>
+          </a:bodyPr>
+          <a:lstStyle/>
+          <a:p>
+            <a:r>
+              <a:rPr lang="de-DE" sz="2000" dirty="0" smtClean="0"/>
+              <a:t>SAP Hana Express:</a:t>
+            </a:r>
+          </a:p>
+          <a:p>
+            <a:pPr marL="457200" indent="-457200">
+              <a:buFont typeface="Arial" panose="020B0604020202020204" pitchFamily="34" charset="0"/>
+              <a:buChar char="•"/>
             </a:pPr>
             <a:r>
-              <a:rPr lang="de-DE" dirty="0" smtClean="0"/>
-              <a:t>SAP HANA:	</a:t>
-            </a:r>
-            <a:r>
-              <a:rPr lang="de-DE" sz="2400" dirty="0" smtClean="0"/>
-              <a:t>Philipp Winkler</a:t>
-            </a:r>
-          </a:p>
-          <a:p>
-            <a:pPr>
-              <a:spcBef>
-                <a:spcPts val="600"/>
-              </a:spcBef>
+              <a:rPr lang="de-DE" sz="1800" dirty="0" smtClean="0"/>
+              <a:t>VM</a:t>
+            </a:r>
+          </a:p>
+          <a:p>
+            <a:pPr marL="457200" indent="-457200">
+              <a:buFont typeface="Arial" panose="020B0604020202020204" pitchFamily="34" charset="0"/>
+              <a:buChar char="•"/>
             </a:pPr>
             <a:r>
-              <a:rPr lang="de-DE" sz="2400" dirty="0"/>
-              <a:t>	</a:t>
-            </a:r>
-            <a:r>
-              <a:rPr lang="de-DE" sz="2400" dirty="0" smtClean="0"/>
-              <a:t>	   	</a:t>
-            </a:r>
-            <a:r>
-              <a:rPr lang="de-DE" sz="2400" dirty="0" smtClean="0"/>
-              <a:t>Clemens </a:t>
-            </a:r>
-            <a:r>
-              <a:rPr lang="de-DE" sz="2400" dirty="0" smtClean="0"/>
-              <a:t>Köhler</a:t>
-            </a:r>
-            <a:endParaRPr lang="de-DE" sz="2400" dirty="0"/>
-          </a:p>
-          <a:p>
-            <a:pPr>
-              <a:spcBef>
-                <a:spcPts val="600"/>
-              </a:spcBef>
+              <a:rPr lang="de-DE" sz="1800" dirty="0" err="1" smtClean="0"/>
+              <a:t>Eclipse</a:t>
+            </a:r>
+            <a:endParaRPr lang="de-DE" sz="1800" dirty="0" smtClean="0"/>
+          </a:p>
+          <a:p>
+            <a:pPr marL="457200" indent="-457200">
+              <a:buFont typeface="Arial" panose="020B0604020202020204" pitchFamily="34" charset="0"/>
+              <a:buChar char="•"/>
             </a:pPr>
-            <a:r>
-              <a:rPr lang="de-DE" dirty="0" smtClean="0"/>
-              <a:t>			</a:t>
-            </a:r>
-            <a:endParaRPr lang="de-DE" dirty="0" smtClean="0"/>
-          </a:p>
-          <a:p>
-            <a:pPr>
-              <a:spcBef>
-                <a:spcPts val="600"/>
-              </a:spcBef>
+            <a:endParaRPr lang="de-DE" sz="1800" dirty="0" smtClean="0"/>
+          </a:p>
+          <a:p>
+            <a:pPr lvl="0"/>
+            <a:r>
+              <a:rPr lang="de-DE" sz="2000" dirty="0" smtClean="0">
+                <a:solidFill>
+                  <a:srgbClr val="000000"/>
+                </a:solidFill>
+              </a:rPr>
+              <a:t>MSSQL:</a:t>
+            </a:r>
+          </a:p>
+          <a:p>
+            <a:pPr marL="342900" lvl="0" indent="-342900">
+              <a:buFont typeface="Arial" panose="020B0604020202020204" pitchFamily="34" charset="0"/>
+              <a:buChar char="•"/>
             </a:pPr>
             <a:r>
-              <a:rPr lang="de-DE" dirty="0" smtClean="0"/>
-              <a:t>MSSQL:		</a:t>
-            </a:r>
-            <a:r>
-              <a:rPr lang="de-DE" sz="2400" dirty="0" smtClean="0"/>
-              <a:t>Robert </a:t>
-            </a:r>
-            <a:r>
-              <a:rPr lang="de-DE" sz="2400" dirty="0" err="1" smtClean="0"/>
-              <a:t>Pietzschmann</a:t>
-            </a:r>
-            <a:endParaRPr lang="de-DE" sz="2400" dirty="0"/>
-          </a:p>
-          <a:p>
-            <a:pPr>
-              <a:spcBef>
-                <a:spcPts val="600"/>
-              </a:spcBef>
+              <a:rPr lang="de-DE" sz="1800" dirty="0" smtClean="0">
+                <a:solidFill>
+                  <a:srgbClr val="000000"/>
+                </a:solidFill>
+              </a:rPr>
+              <a:t>SQL Server Management Studio</a:t>
+            </a:r>
+          </a:p>
+          <a:p>
+            <a:pPr marL="342900" lvl="0" indent="-342900">
+              <a:buFont typeface="Arial" panose="020B0604020202020204" pitchFamily="34" charset="0"/>
+              <a:buChar char="•"/>
             </a:pPr>
             <a:r>
-              <a:rPr lang="de-DE" sz="2400" dirty="0" smtClean="0"/>
-              <a:t>			Moritz </a:t>
-            </a:r>
-            <a:r>
-              <a:rPr lang="de-DE" sz="2400" dirty="0" err="1" smtClean="0"/>
-              <a:t>Buchwalder</a:t>
-            </a:r>
-            <a:endParaRPr lang="de-DE" sz="2400" dirty="0" smtClean="0"/>
-          </a:p>
-          <a:p>
-            <a:pPr>
-              <a:spcBef>
-                <a:spcPts val="600"/>
-              </a:spcBef>
+              <a:rPr lang="de-DE" sz="1800" dirty="0" err="1" smtClean="0">
+                <a:solidFill>
+                  <a:srgbClr val="000000"/>
+                </a:solidFill>
+              </a:rPr>
+              <a:t>DBForge</a:t>
+            </a:r>
+            <a:endParaRPr lang="de-DE" sz="1800" dirty="0">
+              <a:solidFill>
+                <a:srgbClr val="000000"/>
+              </a:solidFill>
+            </a:endParaRPr>
+          </a:p>
+          <a:p>
+            <a:endParaRPr lang="de-DE" sz="2000" dirty="0" smtClean="0"/>
+          </a:p>
+          <a:p>
+            <a:endParaRPr lang="de-DE" sz="2000" dirty="0"/>
+          </a:p>
+        </p:txBody>
+      </p:sp>
+      <p:sp>
+        <p:nvSpPr>
+          <p:cNvPr id="6" name="Textfeld 5"/>
+          <p:cNvSpPr txBox="1"/>
+          <p:nvPr/>
+        </p:nvSpPr>
+        <p:spPr>
+          <a:xfrm>
+            <a:off x="4716016" y="2636912"/>
+            <a:ext cx="1544012" cy="2431435"/>
+          </a:xfrm>
+          <a:prstGeom prst="rect">
+            <a:avLst/>
+          </a:prstGeom>
+          <a:noFill/>
+        </p:spPr>
+        <p:txBody>
+          <a:bodyPr wrap="none" rtlCol="0">
+            <a:spAutoFit/>
+          </a:bodyPr>
+          <a:lstStyle/>
+          <a:p>
+            <a:r>
+              <a:rPr lang="de-DE" sz="2000" dirty="0" smtClean="0"/>
+              <a:t>Memcache:</a:t>
+            </a:r>
+          </a:p>
+          <a:p>
+            <a:pPr marL="457200" indent="-457200">
+              <a:buFont typeface="Arial" panose="020B0604020202020204" pitchFamily="34" charset="0"/>
+              <a:buChar char="•"/>
             </a:pPr>
             <a:r>
-              <a:rPr lang="de-DE" dirty="0" smtClean="0"/>
-              <a:t>			</a:t>
-            </a:r>
-            <a:endParaRPr lang="de-DE" dirty="0" smtClean="0"/>
-          </a:p>
-          <a:p>
-            <a:pPr>
-              <a:spcBef>
-                <a:spcPts val="600"/>
-              </a:spcBef>
+              <a:rPr lang="de-DE" sz="1800" dirty="0" err="1" smtClean="0"/>
+              <a:t>MariaDB</a:t>
+            </a:r>
+            <a:endParaRPr lang="de-DE" sz="1800" dirty="0" smtClean="0"/>
+          </a:p>
+          <a:p>
+            <a:pPr marL="457200" indent="-457200">
+              <a:buFont typeface="Arial" panose="020B0604020202020204" pitchFamily="34" charset="0"/>
+              <a:buChar char="•"/>
             </a:pPr>
             <a:r>
-              <a:rPr lang="de-DE" dirty="0" smtClean="0"/>
-              <a:t>CASSANDRA</a:t>
-            </a:r>
-            <a:r>
-              <a:rPr lang="de-DE" dirty="0" smtClean="0"/>
-              <a:t>:	</a:t>
-            </a:r>
-            <a:r>
-              <a:rPr lang="de-DE" sz="2400" dirty="0" smtClean="0"/>
-              <a:t>Marcel Kunz</a:t>
-            </a:r>
-          </a:p>
-          <a:p>
-            <a:pPr>
-              <a:spcBef>
-                <a:spcPts val="600"/>
-              </a:spcBef>
+              <a:rPr lang="de-DE" sz="1800" dirty="0"/>
+              <a:t>?</a:t>
+            </a:r>
+            <a:endParaRPr lang="de-DE" sz="1800" dirty="0" smtClean="0"/>
+          </a:p>
+          <a:p>
+            <a:pPr marL="457200" indent="-457200">
+              <a:buFont typeface="Arial" panose="020B0604020202020204" pitchFamily="34" charset="0"/>
+              <a:buChar char="•"/>
             </a:pPr>
-            <a:endParaRPr lang="de-DE" sz="2400" dirty="0"/>
-          </a:p>
-          <a:p>
-            <a:pPr>
-              <a:spcBef>
-                <a:spcPts val="600"/>
-              </a:spcBef>
+            <a:endParaRPr lang="de-DE" sz="1800" dirty="0" smtClean="0"/>
+          </a:p>
+          <a:p>
+            <a:pPr lvl="0"/>
+            <a:r>
+              <a:rPr lang="de-DE" sz="2000" dirty="0" smtClean="0">
+                <a:solidFill>
+                  <a:srgbClr val="000000"/>
+                </a:solidFill>
+              </a:rPr>
+              <a:t>Cassandra:</a:t>
+            </a:r>
+          </a:p>
+          <a:p>
+            <a:pPr marL="342900" lvl="0" indent="-342900">
+              <a:buFont typeface="Arial" panose="020B0604020202020204" pitchFamily="34" charset="0"/>
+              <a:buChar char="•"/>
             </a:pPr>
             <a:r>
-              <a:rPr lang="de-DE" dirty="0" smtClean="0"/>
-              <a:t>MEMCACHE:</a:t>
-            </a:r>
-            <a:r>
-              <a:rPr lang="de-DE" dirty="0"/>
-              <a:t>	</a:t>
-            </a:r>
-            <a:r>
-              <a:rPr lang="de-DE" sz="2400" dirty="0" smtClean="0"/>
-              <a:t>Robin </a:t>
-            </a:r>
-            <a:r>
-              <a:rPr lang="de-DE" sz="2400" dirty="0" err="1" smtClean="0"/>
-              <a:t>Arnoldt</a:t>
-            </a:r>
-            <a:endParaRPr lang="de-DE" sz="2400" dirty="0" smtClean="0"/>
-          </a:p>
-          <a:p>
-            <a:endParaRPr lang="de-DE" dirty="0"/>
+              <a:rPr lang="de-DE" sz="1800" dirty="0" smtClean="0">
+                <a:solidFill>
+                  <a:srgbClr val="000000"/>
+                </a:solidFill>
+              </a:rPr>
+              <a:t>?</a:t>
+            </a:r>
+            <a:endParaRPr lang="de-DE" sz="1800" dirty="0">
+              <a:solidFill>
+                <a:srgbClr val="000000"/>
+              </a:solidFill>
+            </a:endParaRPr>
+          </a:p>
+          <a:p>
+            <a:endParaRPr lang="de-DE" sz="2000" dirty="0" smtClean="0"/>
+          </a:p>
+          <a:p>
+            <a:endParaRPr lang="de-DE" sz="2000" dirty="0"/>
           </a:p>
         </p:txBody>
       </p:sp>
     </p:spTree>
     <p:extLst>
       <p:ext uri="{BB962C8B-B14F-4D97-AF65-F5344CB8AC3E}">
-        <p14:creationId xmlns:p14="http://schemas.microsoft.com/office/powerpoint/2010/main" val="3108195541"/>
+        <p14:creationId xmlns:p14="http://schemas.microsoft.com/office/powerpoint/2010/main" val="1499487829"/>
       </p:ext>
     </p:extLst>
   </p:cSld>
